--- a/Documents/Kickoff.pptx
+++ b/Documents/Kickoff.pptx
@@ -10,29 +10,30 @@
     <p:sldMasterId id="2147483697" r:id="rId6"/>
   </p:sldMasterIdLst>
   <p:notesMasterIdLst>
-    <p:notesMasterId r:id="rId24"/>
+    <p:notesMasterId r:id="rId25"/>
   </p:notesMasterIdLst>
   <p:handoutMasterIdLst>
-    <p:handoutMasterId r:id="rId25"/>
+    <p:handoutMasterId r:id="rId26"/>
   </p:handoutMasterIdLst>
   <p:sldIdLst>
     <p:sldId id="355" r:id="rId7"/>
-    <p:sldId id="369" r:id="rId8"/>
-    <p:sldId id="382" r:id="rId9"/>
-    <p:sldId id="383" r:id="rId10"/>
-    <p:sldId id="384" r:id="rId11"/>
-    <p:sldId id="385" r:id="rId12"/>
-    <p:sldId id="386" r:id="rId13"/>
-    <p:sldId id="388" r:id="rId14"/>
-    <p:sldId id="387" r:id="rId15"/>
-    <p:sldId id="389" r:id="rId16"/>
-    <p:sldId id="390" r:id="rId17"/>
-    <p:sldId id="391" r:id="rId18"/>
-    <p:sldId id="392" r:id="rId19"/>
-    <p:sldId id="393" r:id="rId20"/>
-    <p:sldId id="394" r:id="rId21"/>
-    <p:sldId id="395" r:id="rId22"/>
-    <p:sldId id="381" r:id="rId23"/>
+    <p:sldId id="396" r:id="rId8"/>
+    <p:sldId id="369" r:id="rId9"/>
+    <p:sldId id="382" r:id="rId10"/>
+    <p:sldId id="383" r:id="rId11"/>
+    <p:sldId id="384" r:id="rId12"/>
+    <p:sldId id="385" r:id="rId13"/>
+    <p:sldId id="386" r:id="rId14"/>
+    <p:sldId id="388" r:id="rId15"/>
+    <p:sldId id="387" r:id="rId16"/>
+    <p:sldId id="389" r:id="rId17"/>
+    <p:sldId id="390" r:id="rId18"/>
+    <p:sldId id="391" r:id="rId19"/>
+    <p:sldId id="392" r:id="rId20"/>
+    <p:sldId id="393" r:id="rId21"/>
+    <p:sldId id="394" r:id="rId22"/>
+    <p:sldId id="395" r:id="rId23"/>
+    <p:sldId id="381" r:id="rId24"/>
   </p:sldIdLst>
   <p:sldSz cx="9144000" cy="6858000" type="screen4x3"/>
   <p:notesSz cx="9925050" cy="6665913"/>
@@ -163,7 +164,7 @@
   </p:defaultTextStyle>
   <p:extLst>
     <p:ext uri="{EFAFB233-063F-42B5-8137-9DF3F51BA10A}">
-      <p15:sldGuideLst xmlns:p15="http://schemas.microsoft.com/office/powerpoint/2012/main" xmlns="">
+      <p15:sldGuideLst xmlns:p15="http://schemas.microsoft.com/office/powerpoint/2012/main">
         <p15:guide id="1" orient="horz" pos="2160">
           <p15:clr>
             <a:srgbClr val="A4A3A4"/>
@@ -177,7 +178,7 @@
       </p15:sldGuideLst>
     </p:ext>
     <p:ext uri="{2D200454-40CA-4A62-9FC3-DE9A4176ACB9}">
-      <p15:notesGuideLst xmlns:p15="http://schemas.microsoft.com/office/powerpoint/2012/main" xmlns="">
+      <p15:notesGuideLst xmlns:p15="http://schemas.microsoft.com/office/powerpoint/2012/main">
         <p15:guide id="1" orient="horz" pos="2100">
           <p15:clr>
             <a:srgbClr val="A4A3A4"/>
@@ -303,7 +304,7 @@
               <a:pPr>
                 <a:defRPr/>
               </a:pPr>
-              <a:t>27/05/2019</a:t>
+              <a:t>28/05/2019</a:t>
             </a:fld>
             <a:endParaRPr lang="en-GB" dirty="0"/>
           </a:p>
@@ -522,7 +523,7 @@
               <a:pPr>
                 <a:defRPr/>
               </a:pPr>
-              <a:t>27/05/2019</a:t>
+              <a:t>28/05/2019</a:t>
             </a:fld>
             <a:endParaRPr lang="en-GB"/>
           </a:p>
@@ -3501,10 +3502,6 @@
             <a:br>
               <a:rPr lang="de-DE" noProof="0" dirty="0"/>
             </a:br>
-            <a:r>
-              <a:rPr lang="de-DE" noProof="0" dirty="0"/>
-              <a:t/>
-            </a:r>
             <a:br>
               <a:rPr lang="de-DE" noProof="0" dirty="0"/>
             </a:br>
@@ -3926,10 +3923,6 @@
             <a:br>
               <a:rPr lang="de-DE" noProof="0" dirty="0"/>
             </a:br>
-            <a:r>
-              <a:rPr lang="de-DE" noProof="0" dirty="0"/>
-              <a:t/>
-            </a:r>
             <a:br>
               <a:rPr lang="de-DE" noProof="0" dirty="0"/>
             </a:br>
@@ -9113,10 +9106,9 @@
           <a:lstStyle/>
           <a:p>
             <a:r>
-              <a:rPr lang="de-DE" dirty="0" smtClean="0"/>
+              <a:rPr lang="de-DE" dirty="0"/>
               <a:t>Konstantin Karas, Min Ting Luong, Jakob Raith</a:t>
             </a:r>
-            <a:endParaRPr lang="de-DE" dirty="0"/>
           </a:p>
           <a:p>
             <a:r>
@@ -9126,12 +9118,8 @@
           </a:p>
           <a:p>
             <a:r>
-              <a:rPr lang="de-DE" dirty="0" smtClean="0"/>
-              <a:t>Garching</a:t>
-            </a:r>
-            <a:r>
-              <a:rPr lang="de-DE" dirty="0" smtClean="0"/>
-              <a:t>, 31. Mai 2019</a:t>
+              <a:rPr lang="de-DE" dirty="0"/>
+              <a:t>Garching, 31. Mai 2019</a:t>
             </a:r>
             <a:endParaRPr dirty="0"/>
           </a:p>
@@ -9158,17 +9146,16 @@
           <a:lstStyle/>
           <a:p>
             <a:r>
-              <a:rPr lang="de-DE" dirty="0" smtClean="0"/>
+              <a:rPr lang="de-DE" dirty="0"/>
               <a:t>Tanz und Schauspiel im virtuellen Studio:</a:t>
             </a:r>
             <a:br>
-              <a:rPr lang="de-DE" dirty="0" smtClean="0"/>
+              <a:rPr lang="de-DE" dirty="0"/>
             </a:br>
             <a:r>
-              <a:rPr lang="de-DE" dirty="0" smtClean="0"/>
+              <a:rPr lang="de-DE" dirty="0"/>
               <a:t>„WORKING TITLE“</a:t>
             </a:r>
-            <a:endParaRPr lang="de-DE" dirty="0"/>
           </a:p>
         </p:txBody>
       </p:sp>
@@ -9201,13 +9188,6 @@
   <p:clrMapOvr>
     <a:masterClrMapping/>
   </p:clrMapOvr>
-  <p:timing>
-    <p:tnLst>
-      <p:par>
-        <p:cTn id="1" dur="indefinite" restart="never" nodeType="tmRoot"/>
-      </p:par>
-    </p:tnLst>
-  </p:timing>
 </p:sld>
 </file>
 
@@ -9253,42 +9233,8 @@
               <a:buChar char="•"/>
             </a:pPr>
             <a:r>
-              <a:rPr lang="en-US" dirty="0" err="1" smtClean="0"/>
-              <a:t>Cutscene</a:t>
-            </a:r>
-            <a:r>
-              <a:rPr lang="en-US" dirty="0" smtClean="0"/>
-              <a:t>: </a:t>
-            </a:r>
-          </a:p>
-          <a:p>
-            <a:pPr marL="461963" lvl="1" indent="-285750">
-              <a:buFont typeface="Arial" panose="020B0604020202020204" pitchFamily="34" charset="0"/>
-              <a:buChar char="•"/>
-            </a:pPr>
-            <a:r>
-              <a:rPr lang="en-US" dirty="0" smtClean="0"/>
-              <a:t>eliminate target</a:t>
-            </a:r>
-          </a:p>
-          <a:p>
-            <a:pPr marL="461963" lvl="1" indent="-285750">
-              <a:buFont typeface="Arial" panose="020B0604020202020204" pitchFamily="34" charset="0"/>
-              <a:buChar char="•"/>
-            </a:pPr>
-            <a:r>
-              <a:rPr lang="en-US" dirty="0" smtClean="0"/>
-              <a:t>Display player score</a:t>
-            </a:r>
-          </a:p>
-          <a:p>
-            <a:pPr marL="461963" lvl="1" indent="-285750">
-              <a:buFont typeface="Arial" panose="020B0604020202020204" pitchFamily="34" charset="0"/>
-              <a:buChar char="•"/>
-            </a:pPr>
-            <a:r>
-              <a:rPr lang="en-US" dirty="0" smtClean="0"/>
-              <a:t>Show photo taken at the start</a:t>
+              <a:rPr lang="en-US" dirty="0"/>
+              <a:t>A NPC asks the player for directions (e.g. where is the bar?)</a:t>
             </a:r>
           </a:p>
           <a:p>
@@ -9297,93 +9243,29 @@
               <a:buChar char="•"/>
             </a:pPr>
             <a:r>
-              <a:rPr lang="en-US" dirty="0" smtClean="0"/>
-              <a:t>Game:</a:t>
-            </a:r>
-          </a:p>
-          <a:p>
-            <a:pPr marL="461963" lvl="1" indent="-285750">
+              <a:rPr lang="en-US" dirty="0"/>
+              <a:t>Request is randomly chosen </a:t>
+            </a:r>
+          </a:p>
+          <a:p>
+            <a:pPr marL="285750" indent="-285750">
               <a:buFont typeface="Arial" panose="020B0604020202020204" pitchFamily="34" charset="0"/>
               <a:buChar char="•"/>
             </a:pPr>
             <a:r>
-              <a:rPr lang="en-US" dirty="0" smtClean="0"/>
-              <a:t>Pull </a:t>
-            </a:r>
-            <a:r>
               <a:rPr lang="en-US" dirty="0"/>
-              <a:t>a lever/cut a rope behind the </a:t>
-            </a:r>
-            <a:r>
-              <a:rPr lang="en-US" dirty="0" smtClean="0"/>
-              <a:t>stage</a:t>
-            </a:r>
-          </a:p>
-          <a:p>
-            <a:pPr marL="461963" lvl="1" indent="-285750">
+              <a:t>While turning the head, the camera rotates and stops when the player looks straight ahead </a:t>
+            </a:r>
+          </a:p>
+          <a:p>
+            <a:pPr marL="285750" indent="-285750">
               <a:buFont typeface="Arial" panose="020B0604020202020204" pitchFamily="34" charset="0"/>
               <a:buChar char="•"/>
             </a:pPr>
             <a:r>
-              <a:rPr lang="en-US" dirty="0" smtClean="0"/>
-              <a:t>Something </a:t>
-            </a:r>
-            <a:r>
               <a:rPr lang="en-US" dirty="0"/>
-              <a:t>heavy drops on the </a:t>
-            </a:r>
-            <a:r>
-              <a:rPr lang="en-US" dirty="0" smtClean="0"/>
-              <a:t>target</a:t>
-            </a:r>
-          </a:p>
-          <a:p>
-            <a:pPr marL="461963" lvl="1" indent="-285750">
-              <a:buFont typeface="Arial" panose="020B0604020202020204" pitchFamily="34" charset="0"/>
-              <a:buChar char="•"/>
-            </a:pPr>
-            <a:r>
-              <a:rPr lang="en-US" dirty="0" smtClean="0"/>
-              <a:t>Every </a:t>
-            </a:r>
-            <a:r>
-              <a:rPr lang="en-US" dirty="0"/>
-              <a:t>time it is something different (nice to have) </a:t>
-            </a:r>
-            <a:endParaRPr lang="en-US" dirty="0" smtClean="0"/>
-          </a:p>
-          <a:p>
-            <a:pPr marL="461963" lvl="1" indent="-285750">
-              <a:buFont typeface="Arial" panose="020B0604020202020204" pitchFamily="34" charset="0"/>
-              <a:buChar char="•"/>
-            </a:pPr>
-            <a:r>
-              <a:rPr lang="en-US" dirty="0" smtClean="0"/>
-              <a:t>Display </a:t>
-            </a:r>
-            <a:r>
-              <a:rPr lang="en-US" dirty="0"/>
-              <a:t>player score on the object </a:t>
-            </a:r>
-            <a:endParaRPr lang="en-US" dirty="0" smtClean="0"/>
-          </a:p>
-          <a:p>
-            <a:pPr marL="461963" lvl="1" indent="-285750">
-              <a:buFont typeface="Arial" panose="020B0604020202020204" pitchFamily="34" charset="0"/>
-              <a:buChar char="•"/>
-            </a:pPr>
-            <a:r>
-              <a:rPr lang="en-US" dirty="0" smtClean="0"/>
-              <a:t>Show photo taken at the start</a:t>
-            </a:r>
-            <a:endParaRPr lang="en-US" dirty="0"/>
-          </a:p>
-          <a:p>
-            <a:pPr marL="461963" lvl="1" indent="-285750">
-              <a:buFont typeface="Arial" panose="020B0604020202020204" pitchFamily="34" charset="0"/>
-              <a:buChar char="•"/>
-            </a:pPr>
-            <a:endParaRPr lang="en-US" dirty="0"/>
+              <a:t>When the player has located the object/area in question, they point at it with a hand</a:t>
+            </a:r>
           </a:p>
         </p:txBody>
       </p:sp>
@@ -9427,14 +9309,9 @@
           <a:lstStyle/>
           <a:p>
             <a:r>
-              <a:rPr lang="de-DE" dirty="0" smtClean="0"/>
-              <a:t>Konstantin Karas</a:t>
-            </a:r>
-            <a:r>
               <a:rPr lang="de-DE" dirty="0"/>
-              <a:t>, Min Ting Luong, Jakob Raith</a:t>
-            </a:r>
-            <a:endParaRPr lang="de-DE" dirty="0"/>
+              <a:t>Konstantin Karas, Min Ting Luong, Jakob Raith</a:t>
+            </a:r>
           </a:p>
         </p:txBody>
       </p:sp>
@@ -9458,16 +9335,20 @@
           <a:lstStyle/>
           <a:p>
             <a:r>
-              <a:rPr lang="de-DE" dirty="0" smtClean="0"/>
-              <a:t>Game End: </a:t>
-            </a:r>
-            <a:r>
-              <a:rPr lang="de-DE" dirty="0" err="1" smtClean="0"/>
-              <a:t>Eliminate</a:t>
-            </a:r>
-            <a:r>
-              <a:rPr lang="de-DE" dirty="0" smtClean="0"/>
-              <a:t> Target</a:t>
+              <a:rPr lang="de-DE" dirty="0"/>
+              <a:t>Game 3.2: </a:t>
+            </a:r>
+            <a:r>
+              <a:rPr lang="de-DE" dirty="0" err="1"/>
+              <a:t>Give</a:t>
+            </a:r>
+            <a:r>
+              <a:rPr lang="de-DE" dirty="0"/>
+              <a:t> </a:t>
+            </a:r>
+            <a:r>
+              <a:rPr lang="de-DE" dirty="0" err="1"/>
+              <a:t>directions</a:t>
             </a:r>
             <a:endParaRPr lang="de-DE" sz="3000" dirty="0"/>
           </a:p>
@@ -9525,18 +9406,13 @@
               </a:lnSpc>
             </a:pPr>
             <a:r>
-              <a:rPr lang="de-DE" sz="1400" dirty="0" smtClean="0">
+              <a:rPr lang="de-DE" sz="1400" dirty="0">
                 <a:solidFill>
                   <a:schemeClr val="tx1"/>
                 </a:solidFill>
               </a:rPr>
               <a:t>Game 2</a:t>
             </a:r>
-            <a:endParaRPr lang="de-DE" sz="1400" dirty="0" smtClean="0">
-              <a:solidFill>
-                <a:schemeClr val="tx1"/>
-              </a:solidFill>
-            </a:endParaRPr>
           </a:p>
         </p:txBody>
       </p:sp>
@@ -9592,14 +9468,14 @@
               </a:lnSpc>
             </a:pPr>
             <a:r>
-              <a:rPr lang="de-DE" sz="1400" dirty="0" err="1" smtClean="0">
+              <a:rPr lang="de-DE" sz="1400" dirty="0" err="1">
                 <a:solidFill>
                   <a:srgbClr val="999999"/>
                 </a:solidFill>
               </a:rPr>
               <a:t>GameStart</a:t>
             </a:r>
-            <a:endParaRPr lang="de-DE" sz="1400" dirty="0" smtClean="0">
+            <a:endParaRPr lang="de-DE" sz="1400" dirty="0">
               <a:solidFill>
                 <a:srgbClr val="999999"/>
               </a:solidFill>
@@ -9661,7 +9537,7 @@
               </a:lnSpc>
             </a:pPr>
             <a:r>
-              <a:rPr lang="de-DE" sz="1400" dirty="0" smtClean="0">
+              <a:rPr lang="de-DE" sz="1400" dirty="0">
                 <a:solidFill>
                   <a:schemeClr val="bg1">
                     <a:lumMod val="65000"/>
@@ -9683,68 +9559,6 @@
           <a:xfrm>
             <a:off x="5234600" y="2163084"/>
             <a:ext cx="972000" cy="791649"/>
-          </a:xfrm>
-          <a:prstGeom prst="ellipse">
-            <a:avLst/>
-          </a:prstGeom>
-          <a:noFill/>
-          <a:ln>
-            <a:solidFill>
-              <a:schemeClr val="tx1"/>
-            </a:solidFill>
-          </a:ln>
-        </p:spPr>
-        <p:style>
-          <a:lnRef idx="2">
-            <a:schemeClr val="accent1">
-              <a:shade val="50000"/>
-            </a:schemeClr>
-          </a:lnRef>
-          <a:fillRef idx="1">
-            <a:schemeClr val="accent1"/>
-          </a:fillRef>
-          <a:effectRef idx="0">
-            <a:schemeClr val="accent1"/>
-          </a:effectRef>
-          <a:fontRef idx="minor">
-            <a:schemeClr val="lt1"/>
-          </a:fontRef>
-        </p:style>
-        <p:txBody>
-          <a:bodyPr rot="0" spcFirstLastPara="0" vertOverflow="overflow" horzOverflow="overflow" vert="horz" wrap="square" lIns="91440" tIns="45720" rIns="91440" bIns="45720" numCol="1" spcCol="0" rtlCol="0" fromWordArt="0" anchor="ctr" anchorCtr="0" forceAA="0" compatLnSpc="1">
-            <a:prstTxWarp prst="textNoShape">
-              <a:avLst/>
-            </a:prstTxWarp>
-            <a:spAutoFit/>
-          </a:bodyPr>
-          <a:lstStyle/>
-          <a:p>
-            <a:pPr algn="ctr">
-              <a:lnSpc>
-                <a:spcPct val="114000"/>
-              </a:lnSpc>
-            </a:pPr>
-            <a:r>
-              <a:rPr lang="de-DE" sz="1400" dirty="0" smtClean="0">
-                <a:solidFill>
-                  <a:schemeClr val="tx1"/>
-                </a:solidFill>
-              </a:rPr>
-              <a:t>Game 3.1</a:t>
-            </a:r>
-          </a:p>
-        </p:txBody>
-      </p:sp>
-      <p:sp>
-        <p:nvSpPr>
-          <p:cNvPr id="11" name="Ellipse 10"/>
-          <p:cNvSpPr/>
-          <p:nvPr/>
-        </p:nvSpPr>
-        <p:spPr>
-          <a:xfrm>
-            <a:off x="6374418" y="959605"/>
-            <a:ext cx="977441" cy="820502"/>
           </a:xfrm>
           <a:prstGeom prst="ellipse">
             <a:avLst/>
@@ -9790,35 +9604,26 @@
               </a:lnSpc>
             </a:pPr>
             <a:r>
-              <a:rPr lang="de-DE" sz="1400" dirty="0" smtClean="0">
+              <a:rPr lang="de-DE" sz="1400" dirty="0">
                 <a:solidFill>
-                  <a:schemeClr val="bg1">
-                    <a:lumMod val="65000"/>
-                  </a:schemeClr>
+                  <a:schemeClr val="tx1"/>
                 </a:solidFill>
               </a:rPr>
-              <a:t>Game End</a:t>
-            </a:r>
-            <a:endParaRPr lang="de-DE" sz="1400" dirty="0" smtClean="0">
-              <a:solidFill>
-                <a:schemeClr val="bg1">
-                  <a:lumMod val="65000"/>
-                </a:schemeClr>
-              </a:solidFill>
-            </a:endParaRPr>
-          </a:p>
-        </p:txBody>
-      </p:sp>
-      <p:sp>
-        <p:nvSpPr>
-          <p:cNvPr id="12" name="Ellipse 11"/>
+              <a:t>Game 3.1</a:t>
+            </a:r>
+          </a:p>
+        </p:txBody>
+      </p:sp>
+      <p:sp>
+        <p:nvSpPr>
+          <p:cNvPr id="11" name="Ellipse 10"/>
           <p:cNvSpPr/>
           <p:nvPr/>
         </p:nvSpPr>
         <p:spPr>
           <a:xfrm>
-            <a:off x="7524585" y="4059560"/>
-            <a:ext cx="972000" cy="820502"/>
+            <a:off x="6374418" y="959605"/>
+            <a:ext cx="977441" cy="820502"/>
           </a:xfrm>
           <a:prstGeom prst="ellipse">
             <a:avLst/>
@@ -9863,25 +9668,27 @@
               </a:lnSpc>
             </a:pPr>
             <a:r>
-              <a:rPr lang="de-DE" sz="1400" dirty="0" smtClean="0">
+              <a:rPr lang="de-DE" sz="1400" dirty="0">
                 <a:solidFill>
-                  <a:srgbClr val="999999"/>
+                  <a:schemeClr val="bg1">
+                    <a:lumMod val="65000"/>
+                  </a:schemeClr>
                 </a:solidFill>
               </a:rPr>
-              <a:t>Game 1.2</a:t>
-            </a:r>
-          </a:p>
-        </p:txBody>
-      </p:sp>
-      <p:sp>
-        <p:nvSpPr>
-          <p:cNvPr id="13" name="Ellipse 12"/>
+              <a:t>Game End</a:t>
+            </a:r>
+          </a:p>
+        </p:txBody>
+      </p:sp>
+      <p:sp>
+        <p:nvSpPr>
+          <p:cNvPr id="12" name="Ellipse 11"/>
           <p:cNvSpPr/>
           <p:nvPr/>
         </p:nvSpPr>
         <p:spPr>
           <a:xfrm>
-            <a:off x="5234600" y="4059560"/>
+            <a:off x="7524585" y="4059560"/>
             <a:ext cx="972000" cy="820502"/>
           </a:xfrm>
           <a:prstGeom prst="ellipse">
@@ -9890,7 +9697,9 @@
           <a:noFill/>
           <a:ln>
             <a:solidFill>
-              <a:schemeClr val="tx1"/>
+              <a:schemeClr val="bg1">
+                <a:lumMod val="65000"/>
+              </a:schemeClr>
             </a:solidFill>
           </a:ln>
         </p:spPr>
@@ -9925,7 +9734,69 @@
               </a:lnSpc>
             </a:pPr>
             <a:r>
-              <a:rPr lang="de-DE" sz="1400" dirty="0" smtClean="0">
+              <a:rPr lang="de-DE" sz="1400" dirty="0">
+                <a:solidFill>
+                  <a:srgbClr val="999999"/>
+                </a:solidFill>
+              </a:rPr>
+              <a:t>Game 1.2</a:t>
+            </a:r>
+          </a:p>
+        </p:txBody>
+      </p:sp>
+      <p:sp>
+        <p:nvSpPr>
+          <p:cNvPr id="13" name="Ellipse 12"/>
+          <p:cNvSpPr/>
+          <p:nvPr/>
+        </p:nvSpPr>
+        <p:spPr>
+          <a:xfrm>
+            <a:off x="5234600" y="4059560"/>
+            <a:ext cx="972000" cy="820502"/>
+          </a:xfrm>
+          <a:prstGeom prst="ellipse">
+            <a:avLst/>
+          </a:prstGeom>
+          <a:noFill/>
+          <a:ln>
+            <a:solidFill>
+              <a:schemeClr val="tx1"/>
+            </a:solidFill>
+          </a:ln>
+        </p:spPr>
+        <p:style>
+          <a:lnRef idx="2">
+            <a:schemeClr val="accent1">
+              <a:shade val="50000"/>
+            </a:schemeClr>
+          </a:lnRef>
+          <a:fillRef idx="1">
+            <a:schemeClr val="accent1"/>
+          </a:fillRef>
+          <a:effectRef idx="0">
+            <a:schemeClr val="accent1"/>
+          </a:effectRef>
+          <a:fontRef idx="minor">
+            <a:schemeClr val="lt1"/>
+          </a:fontRef>
+        </p:style>
+        <p:txBody>
+          <a:bodyPr rot="0" spcFirstLastPara="0" vertOverflow="overflow" horzOverflow="overflow" vert="horz" wrap="square" lIns="91440" tIns="45720" rIns="91440" bIns="45720" numCol="1" spcCol="0" rtlCol="0" fromWordArt="0" anchor="ctr" anchorCtr="0" forceAA="0" compatLnSpc="1">
+            <a:prstTxWarp prst="textNoShape">
+              <a:avLst/>
+            </a:prstTxWarp>
+            <a:spAutoFit/>
+          </a:bodyPr>
+          <a:lstStyle/>
+          <a:p>
+            <a:pPr algn="ctr">
+              <a:lnSpc>
+                <a:spcPct val="114000"/>
+              </a:lnSpc>
+            </a:pPr>
+            <a:r>
+              <a:rPr lang="de-DE" sz="1400" dirty="0">
                 <a:solidFill>
                   <a:schemeClr val="tx1"/>
                 </a:solidFill>
@@ -10250,20 +10121,13 @@
     </p:spTree>
     <p:extLst>
       <p:ext uri="{BB962C8B-B14F-4D97-AF65-F5344CB8AC3E}">
-        <p14:creationId xmlns:p14="http://schemas.microsoft.com/office/powerpoint/2010/main" val="297674902"/>
+        <p14:creationId xmlns:p14="http://schemas.microsoft.com/office/powerpoint/2010/main" val="3832588551"/>
       </p:ext>
     </p:extLst>
   </p:cSld>
   <p:clrMapOvr>
     <a:masterClrMapping/>
   </p:clrMapOvr>
-  <p:timing>
-    <p:tnLst>
-      <p:par>
-        <p:cTn id="1" dur="indefinite" restart="never" nodeType="tmRoot"/>
-      </p:par>
-    </p:tnLst>
-  </p:timing>
 </p:sld>
 </file>
 
@@ -10294,7 +10158,12 @@
             <p:ph idx="1"/>
           </p:nvPr>
         </p:nvSpPr>
-        <p:spPr/>
+        <p:spPr>
+          <a:xfrm>
+            <a:off x="319091" y="1762188"/>
+            <a:ext cx="4233032" cy="4699572"/>
+          </a:xfrm>
+        </p:spPr>
         <p:txBody>
           <a:bodyPr/>
           <a:lstStyle/>
@@ -10304,14 +10173,43 @@
               <a:buChar char="•"/>
             </a:pPr>
             <a:r>
-              <a:rPr lang="en-US" dirty="0" smtClean="0"/>
-              <a:t>Game 1.1: Meet guests at th</a:t>
-            </a:r>
-            <a:r>
-              <a:rPr lang="en-US" dirty="0" smtClean="0"/>
-              <a:t>e bar</a:t>
-            </a:r>
-            <a:endParaRPr lang="en-US" dirty="0" smtClean="0"/>
+              <a:rPr lang="en-US" dirty="0" err="1"/>
+              <a:t>Cutscene</a:t>
+            </a:r>
+            <a:r>
+              <a:rPr lang="en-US" dirty="0"/>
+              <a:t>: </a:t>
+            </a:r>
+          </a:p>
+          <a:p>
+            <a:pPr marL="461963" lvl="1" indent="-285750">
+              <a:buFont typeface="Arial" panose="020B0604020202020204" pitchFamily="34" charset="0"/>
+              <a:buChar char="•"/>
+            </a:pPr>
+            <a:r>
+              <a:rPr lang="en-US" dirty="0"/>
+              <a:t>eliminate target</a:t>
+            </a:r>
+          </a:p>
+          <a:p>
+            <a:pPr marL="461963" lvl="1" indent="-285750">
+              <a:buFont typeface="Arial" panose="020B0604020202020204" pitchFamily="34" charset="0"/>
+              <a:buChar char="•"/>
+            </a:pPr>
+            <a:r>
+              <a:rPr lang="en-US" dirty="0"/>
+              <a:t>Display player score</a:t>
+            </a:r>
+          </a:p>
+          <a:p>
+            <a:pPr marL="461963" lvl="1" indent="-285750">
+              <a:buFont typeface="Arial" panose="020B0604020202020204" pitchFamily="34" charset="0"/>
+              <a:buChar char="•"/>
+            </a:pPr>
+            <a:r>
+              <a:rPr lang="en-US" dirty="0"/>
+              <a:t>Show photo taken at the start</a:t>
+            </a:r>
           </a:p>
           <a:p>
             <a:pPr marL="285750" indent="-285750">
@@ -10319,49 +10217,66 @@
               <a:buChar char="•"/>
             </a:pPr>
             <a:r>
-              <a:rPr lang="en-US" dirty="0" smtClean="0"/>
-              <a:t>Game 2: Participate in a dance</a:t>
-            </a:r>
-          </a:p>
-          <a:p>
-            <a:pPr marL="285750" indent="-285750">
+              <a:rPr lang="en-US" dirty="0"/>
+              <a:t>Game:</a:t>
+            </a:r>
+          </a:p>
+          <a:p>
+            <a:pPr marL="461963" lvl="1" indent="-285750">
               <a:buFont typeface="Arial" panose="020B0604020202020204" pitchFamily="34" charset="0"/>
               <a:buChar char="•"/>
             </a:pPr>
             <a:r>
-              <a:rPr lang="en-US" dirty="0" smtClean="0"/>
-              <a:t>Game 3.1: </a:t>
-            </a:r>
-            <a:r>
-              <a:rPr lang="de-DE" dirty="0" smtClean="0"/>
-              <a:t>Balance a </a:t>
-            </a:r>
-            <a:r>
-              <a:rPr lang="de-DE" dirty="0" err="1"/>
-              <a:t>tablet</a:t>
-            </a:r>
-            <a:r>
-              <a:rPr lang="de-DE" dirty="0"/>
-              <a:t> </a:t>
-            </a:r>
-            <a:endParaRPr lang="de-DE" dirty="0" smtClean="0"/>
-          </a:p>
-          <a:p>
-            <a:pPr marL="285750" indent="-285750">
+              <a:rPr lang="en-US" dirty="0"/>
+              <a:t>Pull a lever/cut a rope behind the stage</a:t>
+            </a:r>
+          </a:p>
+          <a:p>
+            <a:pPr marL="461963" lvl="1" indent="-285750">
               <a:buFont typeface="Arial" panose="020B0604020202020204" pitchFamily="34" charset="0"/>
               <a:buChar char="•"/>
             </a:pPr>
             <a:r>
-              <a:rPr lang="en-US" dirty="0" smtClean="0"/>
-              <a:t>Simple start and ending presentation</a:t>
-            </a:r>
-            <a:endParaRPr lang="en-US" dirty="0" smtClean="0"/>
-          </a:p>
-          <a:p>
-            <a:endParaRPr lang="en-US" dirty="0" smtClean="0"/>
-          </a:p>
-          <a:p>
-            <a:endParaRPr lang="en-US" sz="2200" dirty="0"/>
+              <a:rPr lang="en-US" dirty="0"/>
+              <a:t>Something heavy drops on the target</a:t>
+            </a:r>
+          </a:p>
+          <a:p>
+            <a:pPr marL="461963" lvl="1" indent="-285750">
+              <a:buFont typeface="Arial" panose="020B0604020202020204" pitchFamily="34" charset="0"/>
+              <a:buChar char="•"/>
+            </a:pPr>
+            <a:r>
+              <a:rPr lang="en-US" dirty="0"/>
+              <a:t>Every time it is something different (nice to have) </a:t>
+            </a:r>
+          </a:p>
+          <a:p>
+            <a:pPr marL="461963" lvl="1" indent="-285750">
+              <a:buFont typeface="Arial" panose="020B0604020202020204" pitchFamily="34" charset="0"/>
+              <a:buChar char="•"/>
+            </a:pPr>
+            <a:r>
+              <a:rPr lang="en-US" dirty="0"/>
+              <a:t>Display player score on the object </a:t>
+            </a:r>
+          </a:p>
+          <a:p>
+            <a:pPr marL="461963" lvl="1" indent="-285750">
+              <a:buFont typeface="Arial" panose="020B0604020202020204" pitchFamily="34" charset="0"/>
+              <a:buChar char="•"/>
+            </a:pPr>
+            <a:r>
+              <a:rPr lang="en-US" dirty="0"/>
+              <a:t>Show photo taken at the start</a:t>
+            </a:r>
+          </a:p>
+          <a:p>
+            <a:pPr marL="461963" lvl="1" indent="-285750">
+              <a:buFont typeface="Arial" panose="020B0604020202020204" pitchFamily="34" charset="0"/>
+              <a:buChar char="•"/>
+            </a:pPr>
+            <a:endParaRPr lang="en-US" dirty="0"/>
           </a:p>
         </p:txBody>
       </p:sp>
@@ -10405,14 +10320,9 @@
           <a:lstStyle/>
           <a:p>
             <a:r>
-              <a:rPr lang="de-DE" dirty="0" smtClean="0"/>
-              <a:t>Konstantin Karas</a:t>
-            </a:r>
-            <a:r>
               <a:rPr lang="de-DE" dirty="0"/>
-              <a:t>, Min Ting Luong, Jakob Raith</a:t>
-            </a:r>
-            <a:endParaRPr lang="de-DE" dirty="0"/>
+              <a:t>Konstantin Karas, Min Ting Luong, Jakob Raith</a:t>
+            </a:r>
           </a:p>
         </p:txBody>
       </p:sp>
@@ -10436,42 +10346,793 @@
           <a:lstStyle/>
           <a:p>
             <a:r>
-              <a:rPr lang="de-DE" dirty="0" smtClean="0"/>
-              <a:t>Must </a:t>
-            </a:r>
-            <a:r>
-              <a:rPr lang="de-DE" dirty="0" err="1" smtClean="0"/>
-              <a:t>have</a:t>
-            </a:r>
-            <a:r>
-              <a:rPr lang="de-DE" dirty="0" smtClean="0"/>
-              <a:t> </a:t>
-            </a:r>
-            <a:r>
-              <a:rPr lang="de-DE" dirty="0" err="1" smtClean="0"/>
-              <a:t>features</a:t>
+              <a:rPr lang="de-DE" dirty="0"/>
+              <a:t>Game End: </a:t>
+            </a:r>
+            <a:r>
+              <a:rPr lang="de-DE" dirty="0" err="1"/>
+              <a:t>Eliminate</a:t>
+            </a:r>
+            <a:r>
+              <a:rPr lang="de-DE" dirty="0"/>
+              <a:t> Target</a:t>
             </a:r>
             <a:endParaRPr lang="de-DE" sz="3000" dirty="0"/>
           </a:p>
         </p:txBody>
       </p:sp>
+      <p:sp>
+        <p:nvSpPr>
+          <p:cNvPr id="5" name="Ellipse 4"/>
+          <p:cNvSpPr/>
+          <p:nvPr/>
+        </p:nvSpPr>
+        <p:spPr>
+          <a:xfrm>
+            <a:off x="6374293" y="3160119"/>
+            <a:ext cx="972000" cy="791649"/>
+          </a:xfrm>
+          <a:prstGeom prst="ellipse">
+            <a:avLst/>
+          </a:prstGeom>
+          <a:noFill/>
+          <a:ln>
+            <a:solidFill>
+              <a:schemeClr val="tx1"/>
+            </a:solidFill>
+          </a:ln>
+        </p:spPr>
+        <p:style>
+          <a:lnRef idx="2">
+            <a:schemeClr val="accent1">
+              <a:shade val="50000"/>
+            </a:schemeClr>
+          </a:lnRef>
+          <a:fillRef idx="1">
+            <a:schemeClr val="accent1"/>
+          </a:fillRef>
+          <a:effectRef idx="0">
+            <a:schemeClr val="accent1"/>
+          </a:effectRef>
+          <a:fontRef idx="minor">
+            <a:schemeClr val="lt1"/>
+          </a:fontRef>
+        </p:style>
+        <p:txBody>
+          <a:bodyPr rot="0" spcFirstLastPara="0" vertOverflow="overflow" horzOverflow="overflow" vert="horz" wrap="square" lIns="91440" tIns="45720" rIns="91440" bIns="45720" numCol="1" spcCol="0" rtlCol="0" fromWordArt="0" anchor="ctr" anchorCtr="0" forceAA="0" compatLnSpc="1">
+            <a:prstTxWarp prst="textNoShape">
+              <a:avLst/>
+            </a:prstTxWarp>
+            <a:spAutoFit/>
+          </a:bodyPr>
+          <a:lstStyle/>
+          <a:p>
+            <a:pPr algn="ctr">
+              <a:lnSpc>
+                <a:spcPct val="114000"/>
+              </a:lnSpc>
+            </a:pPr>
+            <a:r>
+              <a:rPr lang="de-DE" sz="1400" dirty="0">
+                <a:solidFill>
+                  <a:schemeClr val="tx1"/>
+                </a:solidFill>
+              </a:rPr>
+              <a:t>Game 2</a:t>
+            </a:r>
+          </a:p>
+        </p:txBody>
+      </p:sp>
+      <p:sp>
+        <p:nvSpPr>
+          <p:cNvPr id="8" name="Ellipse 7"/>
+          <p:cNvSpPr/>
+          <p:nvPr/>
+        </p:nvSpPr>
+        <p:spPr>
+          <a:xfrm>
+            <a:off x="6374293" y="5168378"/>
+            <a:ext cx="972000" cy="792000"/>
+          </a:xfrm>
+          <a:prstGeom prst="ellipse">
+            <a:avLst/>
+          </a:prstGeom>
+          <a:noFill/>
+          <a:ln>
+            <a:solidFill>
+              <a:srgbClr val="999999"/>
+            </a:solidFill>
+          </a:ln>
+        </p:spPr>
+        <p:style>
+          <a:lnRef idx="2">
+            <a:schemeClr val="accent1">
+              <a:shade val="50000"/>
+            </a:schemeClr>
+          </a:lnRef>
+          <a:fillRef idx="1">
+            <a:schemeClr val="accent1"/>
+          </a:fillRef>
+          <a:effectRef idx="0">
+            <a:schemeClr val="accent1"/>
+          </a:effectRef>
+          <a:fontRef idx="minor">
+            <a:schemeClr val="lt1"/>
+          </a:fontRef>
+        </p:style>
+        <p:txBody>
+          <a:bodyPr rot="0" spcFirstLastPara="0" vertOverflow="overflow" horzOverflow="overflow" vert="horz" wrap="square" lIns="91440" tIns="45720" rIns="91440" bIns="45720" numCol="1" spcCol="0" rtlCol="0" fromWordArt="0" anchor="ctr" anchorCtr="0" forceAA="0" compatLnSpc="1">
+            <a:prstTxWarp prst="textNoShape">
+              <a:avLst/>
+            </a:prstTxWarp>
+            <a:noAutofit/>
+          </a:bodyPr>
+          <a:lstStyle/>
+          <a:p>
+            <a:pPr algn="ctr">
+              <a:lnSpc>
+                <a:spcPct val="114000"/>
+              </a:lnSpc>
+            </a:pPr>
+            <a:r>
+              <a:rPr lang="de-DE" sz="1400" dirty="0" err="1">
+                <a:solidFill>
+                  <a:srgbClr val="999999"/>
+                </a:solidFill>
+              </a:rPr>
+              <a:t>GameStart</a:t>
+            </a:r>
+            <a:endParaRPr lang="de-DE" sz="1400" dirty="0">
+              <a:solidFill>
+                <a:srgbClr val="999999"/>
+              </a:solidFill>
+            </a:endParaRPr>
+          </a:p>
+        </p:txBody>
+      </p:sp>
+      <p:sp>
+        <p:nvSpPr>
+          <p:cNvPr id="9" name="Ellipse 8"/>
+          <p:cNvSpPr/>
+          <p:nvPr/>
+        </p:nvSpPr>
+        <p:spPr>
+          <a:xfrm>
+            <a:off x="7524585" y="2148658"/>
+            <a:ext cx="972000" cy="820502"/>
+          </a:xfrm>
+          <a:prstGeom prst="ellipse">
+            <a:avLst/>
+          </a:prstGeom>
+          <a:noFill/>
+          <a:ln>
+            <a:solidFill>
+              <a:schemeClr val="bg1">
+                <a:lumMod val="65000"/>
+              </a:schemeClr>
+            </a:solidFill>
+          </a:ln>
+        </p:spPr>
+        <p:style>
+          <a:lnRef idx="2">
+            <a:schemeClr val="accent1">
+              <a:shade val="50000"/>
+            </a:schemeClr>
+          </a:lnRef>
+          <a:fillRef idx="1">
+            <a:schemeClr val="accent1"/>
+          </a:fillRef>
+          <a:effectRef idx="0">
+            <a:schemeClr val="accent1"/>
+          </a:effectRef>
+          <a:fontRef idx="minor">
+            <a:schemeClr val="lt1"/>
+          </a:fontRef>
+        </p:style>
+        <p:txBody>
+          <a:bodyPr rot="0" spcFirstLastPara="0" vertOverflow="overflow" horzOverflow="overflow" vert="horz" wrap="square" lIns="91440" tIns="45720" rIns="91440" bIns="45720" numCol="1" spcCol="0" rtlCol="0" fromWordArt="0" anchor="ctr" anchorCtr="0" forceAA="0" compatLnSpc="1">
+            <a:prstTxWarp prst="textNoShape">
+              <a:avLst/>
+            </a:prstTxWarp>
+            <a:spAutoFit/>
+          </a:bodyPr>
+          <a:lstStyle/>
+          <a:p>
+            <a:pPr algn="ctr">
+              <a:lnSpc>
+                <a:spcPct val="114000"/>
+              </a:lnSpc>
+            </a:pPr>
+            <a:r>
+              <a:rPr lang="de-DE" sz="1400" dirty="0">
+                <a:solidFill>
+                  <a:schemeClr val="bg1">
+                    <a:lumMod val="65000"/>
+                  </a:schemeClr>
+                </a:solidFill>
+              </a:rPr>
+              <a:t>Game 3.2</a:t>
+            </a:r>
+          </a:p>
+        </p:txBody>
+      </p:sp>
+      <p:sp>
+        <p:nvSpPr>
+          <p:cNvPr id="10" name="Ellipse 9"/>
+          <p:cNvSpPr/>
+          <p:nvPr/>
+        </p:nvSpPr>
+        <p:spPr>
+          <a:xfrm>
+            <a:off x="5234600" y="2163084"/>
+            <a:ext cx="972000" cy="791649"/>
+          </a:xfrm>
+          <a:prstGeom prst="ellipse">
+            <a:avLst/>
+          </a:prstGeom>
+          <a:noFill/>
+          <a:ln>
+            <a:solidFill>
+              <a:schemeClr val="tx1"/>
+            </a:solidFill>
+          </a:ln>
+        </p:spPr>
+        <p:style>
+          <a:lnRef idx="2">
+            <a:schemeClr val="accent1">
+              <a:shade val="50000"/>
+            </a:schemeClr>
+          </a:lnRef>
+          <a:fillRef idx="1">
+            <a:schemeClr val="accent1"/>
+          </a:fillRef>
+          <a:effectRef idx="0">
+            <a:schemeClr val="accent1"/>
+          </a:effectRef>
+          <a:fontRef idx="minor">
+            <a:schemeClr val="lt1"/>
+          </a:fontRef>
+        </p:style>
+        <p:txBody>
+          <a:bodyPr rot="0" spcFirstLastPara="0" vertOverflow="overflow" horzOverflow="overflow" vert="horz" wrap="square" lIns="91440" tIns="45720" rIns="91440" bIns="45720" numCol="1" spcCol="0" rtlCol="0" fromWordArt="0" anchor="ctr" anchorCtr="0" forceAA="0" compatLnSpc="1">
+            <a:prstTxWarp prst="textNoShape">
+              <a:avLst/>
+            </a:prstTxWarp>
+            <a:spAutoFit/>
+          </a:bodyPr>
+          <a:lstStyle/>
+          <a:p>
+            <a:pPr algn="ctr">
+              <a:lnSpc>
+                <a:spcPct val="114000"/>
+              </a:lnSpc>
+            </a:pPr>
+            <a:r>
+              <a:rPr lang="de-DE" sz="1400" dirty="0">
+                <a:solidFill>
+                  <a:schemeClr val="tx1"/>
+                </a:solidFill>
+              </a:rPr>
+              <a:t>Game 3.1</a:t>
+            </a:r>
+          </a:p>
+        </p:txBody>
+      </p:sp>
+      <p:sp>
+        <p:nvSpPr>
+          <p:cNvPr id="11" name="Ellipse 10"/>
+          <p:cNvSpPr/>
+          <p:nvPr/>
+        </p:nvSpPr>
+        <p:spPr>
+          <a:xfrm>
+            <a:off x="6374418" y="959605"/>
+            <a:ext cx="977441" cy="820502"/>
+          </a:xfrm>
+          <a:prstGeom prst="ellipse">
+            <a:avLst/>
+          </a:prstGeom>
+          <a:noFill/>
+          <a:ln>
+            <a:solidFill>
+              <a:schemeClr val="tx2">
+                <a:lumMod val="75000"/>
+                <a:lumOff val="25000"/>
+              </a:schemeClr>
+            </a:solidFill>
+          </a:ln>
+        </p:spPr>
+        <p:style>
+          <a:lnRef idx="2">
+            <a:schemeClr val="accent1">
+              <a:shade val="50000"/>
+            </a:schemeClr>
+          </a:lnRef>
+          <a:fillRef idx="1">
+            <a:schemeClr val="accent1"/>
+          </a:fillRef>
+          <a:effectRef idx="0">
+            <a:schemeClr val="accent1"/>
+          </a:effectRef>
+          <a:fontRef idx="minor">
+            <a:schemeClr val="lt1"/>
+          </a:fontRef>
+        </p:style>
+        <p:txBody>
+          <a:bodyPr rot="0" spcFirstLastPara="0" vertOverflow="overflow" horzOverflow="overflow" vert="horz" wrap="square" lIns="91440" tIns="45720" rIns="91440" bIns="45720" numCol="1" spcCol="0" rtlCol="0" fromWordArt="0" anchor="ctr" anchorCtr="0" forceAA="0" compatLnSpc="1">
+            <a:prstTxWarp prst="textNoShape">
+              <a:avLst/>
+            </a:prstTxWarp>
+            <a:spAutoFit/>
+          </a:bodyPr>
+          <a:lstStyle/>
+          <a:p>
+            <a:pPr algn="ctr">
+              <a:lnSpc>
+                <a:spcPct val="114000"/>
+              </a:lnSpc>
+            </a:pPr>
+            <a:r>
+              <a:rPr lang="de-DE" sz="1400" dirty="0">
+                <a:solidFill>
+                  <a:schemeClr val="bg1">
+                    <a:lumMod val="65000"/>
+                  </a:schemeClr>
+                </a:solidFill>
+              </a:rPr>
+              <a:t>Game End</a:t>
+            </a:r>
+          </a:p>
+        </p:txBody>
+      </p:sp>
+      <p:sp>
+        <p:nvSpPr>
+          <p:cNvPr id="12" name="Ellipse 11"/>
+          <p:cNvSpPr/>
+          <p:nvPr/>
+        </p:nvSpPr>
+        <p:spPr>
+          <a:xfrm>
+            <a:off x="7524585" y="4059560"/>
+            <a:ext cx="972000" cy="820502"/>
+          </a:xfrm>
+          <a:prstGeom prst="ellipse">
+            <a:avLst/>
+          </a:prstGeom>
+          <a:noFill/>
+          <a:ln>
+            <a:solidFill>
+              <a:schemeClr val="bg1">
+                <a:lumMod val="65000"/>
+              </a:schemeClr>
+            </a:solidFill>
+          </a:ln>
+        </p:spPr>
+        <p:style>
+          <a:lnRef idx="2">
+            <a:schemeClr val="accent1">
+              <a:shade val="50000"/>
+            </a:schemeClr>
+          </a:lnRef>
+          <a:fillRef idx="1">
+            <a:schemeClr val="accent1"/>
+          </a:fillRef>
+          <a:effectRef idx="0">
+            <a:schemeClr val="accent1"/>
+          </a:effectRef>
+          <a:fontRef idx="minor">
+            <a:schemeClr val="lt1"/>
+          </a:fontRef>
+        </p:style>
+        <p:txBody>
+          <a:bodyPr rot="0" spcFirstLastPara="0" vertOverflow="overflow" horzOverflow="overflow" vert="horz" wrap="square" lIns="91440" tIns="45720" rIns="91440" bIns="45720" numCol="1" spcCol="0" rtlCol="0" fromWordArt="0" anchor="ctr" anchorCtr="0" forceAA="0" compatLnSpc="1">
+            <a:prstTxWarp prst="textNoShape">
+              <a:avLst/>
+            </a:prstTxWarp>
+            <a:spAutoFit/>
+          </a:bodyPr>
+          <a:lstStyle/>
+          <a:p>
+            <a:pPr algn="ctr">
+              <a:lnSpc>
+                <a:spcPct val="114000"/>
+              </a:lnSpc>
+            </a:pPr>
+            <a:r>
+              <a:rPr lang="de-DE" sz="1400" dirty="0">
+                <a:solidFill>
+                  <a:srgbClr val="999999"/>
+                </a:solidFill>
+              </a:rPr>
+              <a:t>Game 1.2</a:t>
+            </a:r>
+          </a:p>
+        </p:txBody>
+      </p:sp>
+      <p:sp>
+        <p:nvSpPr>
+          <p:cNvPr id="13" name="Ellipse 12"/>
+          <p:cNvSpPr/>
+          <p:nvPr/>
+        </p:nvSpPr>
+        <p:spPr>
+          <a:xfrm>
+            <a:off x="5234600" y="4059560"/>
+            <a:ext cx="972000" cy="820502"/>
+          </a:xfrm>
+          <a:prstGeom prst="ellipse">
+            <a:avLst/>
+          </a:prstGeom>
+          <a:noFill/>
+          <a:ln>
+            <a:solidFill>
+              <a:schemeClr val="tx1"/>
+            </a:solidFill>
+          </a:ln>
+        </p:spPr>
+        <p:style>
+          <a:lnRef idx="2">
+            <a:schemeClr val="accent1">
+              <a:shade val="50000"/>
+            </a:schemeClr>
+          </a:lnRef>
+          <a:fillRef idx="1">
+            <a:schemeClr val="accent1"/>
+          </a:fillRef>
+          <a:effectRef idx="0">
+            <a:schemeClr val="accent1"/>
+          </a:effectRef>
+          <a:fontRef idx="minor">
+            <a:schemeClr val="lt1"/>
+          </a:fontRef>
+        </p:style>
+        <p:txBody>
+          <a:bodyPr rot="0" spcFirstLastPara="0" vertOverflow="overflow" horzOverflow="overflow" vert="horz" wrap="square" lIns="91440" tIns="45720" rIns="91440" bIns="45720" numCol="1" spcCol="0" rtlCol="0" fromWordArt="0" anchor="ctr" anchorCtr="0" forceAA="0" compatLnSpc="1">
+            <a:prstTxWarp prst="textNoShape">
+              <a:avLst/>
+            </a:prstTxWarp>
+            <a:spAutoFit/>
+          </a:bodyPr>
+          <a:lstStyle/>
+          <a:p>
+            <a:pPr algn="ctr">
+              <a:lnSpc>
+                <a:spcPct val="114000"/>
+              </a:lnSpc>
+            </a:pPr>
+            <a:r>
+              <a:rPr lang="de-DE" sz="1400" dirty="0">
+                <a:solidFill>
+                  <a:schemeClr val="tx1"/>
+                </a:solidFill>
+              </a:rPr>
+              <a:t>Game 1.1</a:t>
+            </a:r>
+          </a:p>
+        </p:txBody>
+      </p:sp>
+      <p:cxnSp>
+        <p:nvCxnSpPr>
+          <p:cNvPr id="16" name="Gerade Verbindung mit Pfeil 15"/>
+          <p:cNvCxnSpPr>
+            <a:stCxn id="8" idx="1"/>
+            <a:endCxn id="13" idx="4"/>
+          </p:cNvCxnSpPr>
+          <p:nvPr/>
+        </p:nvCxnSpPr>
+        <p:spPr>
+          <a:xfrm flipH="1" flipV="1">
+            <a:off x="5720600" y="4880062"/>
+            <a:ext cx="796039" cy="404302"/>
+          </a:xfrm>
+          <a:prstGeom prst="straightConnector1">
+            <a:avLst/>
+          </a:prstGeom>
+          <a:ln w="28575">
+            <a:solidFill>
+              <a:schemeClr val="tx1"/>
+            </a:solidFill>
+            <a:tailEnd type="arrow"/>
+          </a:ln>
+        </p:spPr>
+        <p:style>
+          <a:lnRef idx="1">
+            <a:schemeClr val="accent1"/>
+          </a:lnRef>
+          <a:fillRef idx="0">
+            <a:schemeClr val="accent1"/>
+          </a:fillRef>
+          <a:effectRef idx="0">
+            <a:schemeClr val="accent1"/>
+          </a:effectRef>
+          <a:fontRef idx="minor">
+            <a:schemeClr val="tx1"/>
+          </a:fontRef>
+        </p:style>
+      </p:cxnSp>
+      <p:cxnSp>
+        <p:nvCxnSpPr>
+          <p:cNvPr id="30" name="Gerade Verbindung mit Pfeil 29"/>
+          <p:cNvCxnSpPr>
+            <a:stCxn id="13" idx="7"/>
+            <a:endCxn id="5" idx="4"/>
+          </p:cNvCxnSpPr>
+          <p:nvPr/>
+        </p:nvCxnSpPr>
+        <p:spPr>
+          <a:xfrm flipV="1">
+            <a:off x="6064254" y="3951768"/>
+            <a:ext cx="796039" cy="227952"/>
+          </a:xfrm>
+          <a:prstGeom prst="straightConnector1">
+            <a:avLst/>
+          </a:prstGeom>
+          <a:ln w="28575">
+            <a:solidFill>
+              <a:schemeClr val="tx1"/>
+            </a:solidFill>
+            <a:tailEnd type="arrow"/>
+          </a:ln>
+        </p:spPr>
+        <p:style>
+          <a:lnRef idx="1">
+            <a:schemeClr val="accent1"/>
+          </a:lnRef>
+          <a:fillRef idx="0">
+            <a:schemeClr val="accent1"/>
+          </a:fillRef>
+          <a:effectRef idx="0">
+            <a:schemeClr val="accent1"/>
+          </a:effectRef>
+          <a:fontRef idx="minor">
+            <a:schemeClr val="tx1"/>
+          </a:fontRef>
+        </p:style>
+      </p:cxnSp>
+      <p:cxnSp>
+        <p:nvCxnSpPr>
+          <p:cNvPr id="32" name="Gerade Verbindung mit Pfeil 31"/>
+          <p:cNvCxnSpPr>
+            <a:stCxn id="12" idx="1"/>
+            <a:endCxn id="5" idx="4"/>
+          </p:cNvCxnSpPr>
+          <p:nvPr/>
+        </p:nvCxnSpPr>
+        <p:spPr>
+          <a:xfrm flipH="1" flipV="1">
+            <a:off x="6860293" y="3951768"/>
+            <a:ext cx="806638" cy="227952"/>
+          </a:xfrm>
+          <a:prstGeom prst="straightConnector1">
+            <a:avLst/>
+          </a:prstGeom>
+          <a:ln w="28575">
+            <a:solidFill>
+              <a:srgbClr val="999999"/>
+            </a:solidFill>
+            <a:tailEnd type="arrow"/>
+          </a:ln>
+        </p:spPr>
+        <p:style>
+          <a:lnRef idx="1">
+            <a:schemeClr val="accent1"/>
+          </a:lnRef>
+          <a:fillRef idx="0">
+            <a:schemeClr val="accent1"/>
+          </a:fillRef>
+          <a:effectRef idx="0">
+            <a:schemeClr val="accent1"/>
+          </a:effectRef>
+          <a:fontRef idx="minor">
+            <a:schemeClr val="tx1"/>
+          </a:fontRef>
+        </p:style>
+      </p:cxnSp>
+      <p:cxnSp>
+        <p:nvCxnSpPr>
+          <p:cNvPr id="34" name="Gerade Verbindung mit Pfeil 33"/>
+          <p:cNvCxnSpPr>
+            <a:stCxn id="5" idx="1"/>
+            <a:endCxn id="10" idx="4"/>
+          </p:cNvCxnSpPr>
+          <p:nvPr/>
+        </p:nvCxnSpPr>
+        <p:spPr>
+          <a:xfrm flipH="1" flipV="1">
+            <a:off x="5720600" y="2954733"/>
+            <a:ext cx="796039" cy="321320"/>
+          </a:xfrm>
+          <a:prstGeom prst="straightConnector1">
+            <a:avLst/>
+          </a:prstGeom>
+          <a:ln w="28575">
+            <a:solidFill>
+              <a:schemeClr val="tx1"/>
+            </a:solidFill>
+            <a:tailEnd type="arrow"/>
+          </a:ln>
+        </p:spPr>
+        <p:style>
+          <a:lnRef idx="1">
+            <a:schemeClr val="accent1"/>
+          </a:lnRef>
+          <a:fillRef idx="0">
+            <a:schemeClr val="accent1"/>
+          </a:fillRef>
+          <a:effectRef idx="0">
+            <a:schemeClr val="accent1"/>
+          </a:effectRef>
+          <a:fontRef idx="minor">
+            <a:schemeClr val="tx1"/>
+          </a:fontRef>
+        </p:style>
+      </p:cxnSp>
+      <p:cxnSp>
+        <p:nvCxnSpPr>
+          <p:cNvPr id="36" name="Gerade Verbindung mit Pfeil 35"/>
+          <p:cNvCxnSpPr>
+            <a:stCxn id="5" idx="7"/>
+            <a:endCxn id="9" idx="4"/>
+          </p:cNvCxnSpPr>
+          <p:nvPr/>
+        </p:nvCxnSpPr>
+        <p:spPr>
+          <a:xfrm flipV="1">
+            <a:off x="7203947" y="2969160"/>
+            <a:ext cx="806638" cy="306893"/>
+          </a:xfrm>
+          <a:prstGeom prst="straightConnector1">
+            <a:avLst/>
+          </a:prstGeom>
+          <a:ln w="28575">
+            <a:solidFill>
+              <a:srgbClr val="999999"/>
+            </a:solidFill>
+            <a:tailEnd type="arrow"/>
+          </a:ln>
+        </p:spPr>
+        <p:style>
+          <a:lnRef idx="1">
+            <a:schemeClr val="accent1"/>
+          </a:lnRef>
+          <a:fillRef idx="0">
+            <a:schemeClr val="accent1"/>
+          </a:fillRef>
+          <a:effectRef idx="0">
+            <a:schemeClr val="accent1"/>
+          </a:effectRef>
+          <a:fontRef idx="minor">
+            <a:schemeClr val="tx1"/>
+          </a:fontRef>
+        </p:style>
+      </p:cxnSp>
+      <p:cxnSp>
+        <p:nvCxnSpPr>
+          <p:cNvPr id="38" name="Gerade Verbindung mit Pfeil 37"/>
+          <p:cNvCxnSpPr>
+            <a:stCxn id="10" idx="0"/>
+            <a:endCxn id="11" idx="4"/>
+          </p:cNvCxnSpPr>
+          <p:nvPr/>
+        </p:nvCxnSpPr>
+        <p:spPr>
+          <a:xfrm flipV="1">
+            <a:off x="5720600" y="1780107"/>
+            <a:ext cx="1142539" cy="382977"/>
+          </a:xfrm>
+          <a:prstGeom prst="straightConnector1">
+            <a:avLst/>
+          </a:prstGeom>
+          <a:ln w="28575">
+            <a:solidFill>
+              <a:schemeClr val="tx1"/>
+            </a:solidFill>
+            <a:tailEnd type="arrow"/>
+          </a:ln>
+        </p:spPr>
+        <p:style>
+          <a:lnRef idx="1">
+            <a:schemeClr val="accent1"/>
+          </a:lnRef>
+          <a:fillRef idx="0">
+            <a:schemeClr val="accent1"/>
+          </a:fillRef>
+          <a:effectRef idx="0">
+            <a:schemeClr val="accent1"/>
+          </a:effectRef>
+          <a:fontRef idx="minor">
+            <a:schemeClr val="tx1"/>
+          </a:fontRef>
+        </p:style>
+      </p:cxnSp>
+      <p:cxnSp>
+        <p:nvCxnSpPr>
+          <p:cNvPr id="40" name="Gerade Verbindung mit Pfeil 39"/>
+          <p:cNvCxnSpPr>
+            <a:stCxn id="9" idx="0"/>
+            <a:endCxn id="11" idx="4"/>
+          </p:cNvCxnSpPr>
+          <p:nvPr/>
+        </p:nvCxnSpPr>
+        <p:spPr>
+          <a:xfrm flipH="1" flipV="1">
+            <a:off x="6863139" y="1780107"/>
+            <a:ext cx="1147446" cy="368551"/>
+          </a:xfrm>
+          <a:prstGeom prst="straightConnector1">
+            <a:avLst/>
+          </a:prstGeom>
+          <a:ln w="28575">
+            <a:solidFill>
+              <a:srgbClr val="999999"/>
+            </a:solidFill>
+            <a:tailEnd type="arrow"/>
+          </a:ln>
+        </p:spPr>
+        <p:style>
+          <a:lnRef idx="1">
+            <a:schemeClr val="accent1"/>
+          </a:lnRef>
+          <a:fillRef idx="0">
+            <a:schemeClr val="accent1"/>
+          </a:fillRef>
+          <a:effectRef idx="0">
+            <a:schemeClr val="accent1"/>
+          </a:effectRef>
+          <a:fontRef idx="minor">
+            <a:schemeClr val="tx1"/>
+          </a:fontRef>
+        </p:style>
+      </p:cxnSp>
+      <p:cxnSp>
+        <p:nvCxnSpPr>
+          <p:cNvPr id="42" name="Gerade Verbindung mit Pfeil 41"/>
+          <p:cNvCxnSpPr>
+            <a:stCxn id="8" idx="7"/>
+            <a:endCxn id="12" idx="4"/>
+          </p:cNvCxnSpPr>
+          <p:nvPr/>
+        </p:nvCxnSpPr>
+        <p:spPr>
+          <a:xfrm flipV="1">
+            <a:off x="7203947" y="4880062"/>
+            <a:ext cx="806638" cy="404302"/>
+          </a:xfrm>
+          <a:prstGeom prst="straightConnector1">
+            <a:avLst/>
+          </a:prstGeom>
+          <a:ln w="28575">
+            <a:solidFill>
+              <a:srgbClr val="999999"/>
+            </a:solidFill>
+            <a:tailEnd type="arrow"/>
+          </a:ln>
+        </p:spPr>
+        <p:style>
+          <a:lnRef idx="1">
+            <a:schemeClr val="accent1"/>
+          </a:lnRef>
+          <a:fillRef idx="0">
+            <a:schemeClr val="accent1"/>
+          </a:fillRef>
+          <a:effectRef idx="0">
+            <a:schemeClr val="accent1"/>
+          </a:effectRef>
+          <a:fontRef idx="minor">
+            <a:schemeClr val="tx1"/>
+          </a:fontRef>
+        </p:style>
+      </p:cxnSp>
     </p:spTree>
     <p:extLst>
       <p:ext uri="{BB962C8B-B14F-4D97-AF65-F5344CB8AC3E}">
-        <p14:creationId xmlns:p14="http://schemas.microsoft.com/office/powerpoint/2010/main" val="204796529"/>
+        <p14:creationId xmlns:p14="http://schemas.microsoft.com/office/powerpoint/2010/main" val="297674902"/>
       </p:ext>
     </p:extLst>
   </p:cSld>
   <p:clrMapOvr>
     <a:masterClrMapping/>
   </p:clrMapOvr>
-  <p:timing>
-    <p:tnLst>
-      <p:par>
-        <p:cTn id="1" dur="indefinite" restart="never" nodeType="tmRoot"/>
-      </p:par>
-    </p:tnLst>
-  </p:timing>
 </p:sld>
 </file>
 
@@ -10512,8 +11173,8 @@
               <a:buChar char="•"/>
             </a:pPr>
             <a:r>
-              <a:rPr lang="en-US" dirty="0" smtClean="0"/>
-              <a:t>Implementing all mini-games</a:t>
+              <a:rPr lang="en-US" dirty="0"/>
+              <a:t>Game 1.1: Meet guests at the bar</a:t>
             </a:r>
           </a:p>
           <a:p>
@@ -10522,8 +11183,8 @@
               <a:buChar char="•"/>
             </a:pPr>
             <a:r>
-              <a:rPr lang="en-US" dirty="0" smtClean="0"/>
-              <a:t>Disguising yourself when getting caught (put on provided pair of glasses), one time use</a:t>
+              <a:rPr lang="en-US" dirty="0"/>
+              <a:t>Game 2: Participate in a dance</a:t>
             </a:r>
           </a:p>
           <a:p>
@@ -10532,8 +11193,20 @@
               <a:buChar char="•"/>
             </a:pPr>
             <a:r>
-              <a:rPr lang="en-US" dirty="0" smtClean="0"/>
-              <a:t>Consistent art style</a:t>
+              <a:rPr lang="en-US" dirty="0"/>
+              <a:t>Game 3.1: </a:t>
+            </a:r>
+            <a:r>
+              <a:rPr lang="de-DE" dirty="0"/>
+              <a:t>Balance a </a:t>
+            </a:r>
+            <a:r>
+              <a:rPr lang="de-DE" dirty="0" err="1"/>
+              <a:t>tablet</a:t>
+            </a:r>
+            <a:r>
+              <a:rPr lang="de-DE" dirty="0"/>
+              <a:t> </a:t>
             </a:r>
           </a:p>
           <a:p>
@@ -10541,10 +11214,13 @@
               <a:buFont typeface="Arial" panose="020B0604020202020204" pitchFamily="34" charset="0"/>
               <a:buChar char="•"/>
             </a:pPr>
-            <a:endParaRPr lang="en-US" dirty="0" smtClean="0"/>
-          </a:p>
-          <a:p>
-            <a:endParaRPr lang="en-US" dirty="0" smtClean="0"/>
+            <a:r>
+              <a:rPr lang="en-US" dirty="0"/>
+              <a:t>Simple start and ending presentation</a:t>
+            </a:r>
+          </a:p>
+          <a:p>
+            <a:endParaRPr lang="en-US" dirty="0"/>
           </a:p>
           <a:p>
             <a:endParaRPr lang="en-US" sz="2200" dirty="0"/>
@@ -10591,14 +11267,9 @@
           <a:lstStyle/>
           <a:p>
             <a:r>
-              <a:rPr lang="de-DE" dirty="0" smtClean="0"/>
-              <a:t>Konstantin Karas</a:t>
-            </a:r>
-            <a:r>
               <a:rPr lang="de-DE" dirty="0"/>
-              <a:t>, Min Ting Luong, Jakob Raith</a:t>
-            </a:r>
-            <a:endParaRPr lang="de-DE" dirty="0"/>
+              <a:t>Konstantin Karas, Min Ting Luong, Jakob Raith</a:t>
+            </a:r>
           </a:p>
         </p:txBody>
       </p:sp>
@@ -10622,27 +11293,19 @@
           <a:lstStyle/>
           <a:p>
             <a:r>
-              <a:rPr lang="de-DE" dirty="0" smtClean="0"/>
-              <a:t>Nice </a:t>
-            </a:r>
-            <a:r>
-              <a:rPr lang="de-DE" dirty="0" err="1" smtClean="0"/>
-              <a:t>to</a:t>
-            </a:r>
-            <a:r>
-              <a:rPr lang="de-DE" dirty="0" smtClean="0"/>
+              <a:rPr lang="de-DE" dirty="0"/>
+              <a:t>Must </a:t>
+            </a:r>
+            <a:r>
+              <a:rPr lang="de-DE" dirty="0" err="1"/>
+              <a:t>have</a:t>
+            </a:r>
+            <a:r>
+              <a:rPr lang="de-DE" dirty="0"/>
               <a:t> </a:t>
             </a:r>
             <a:r>
-              <a:rPr lang="de-DE" dirty="0" err="1" smtClean="0"/>
-              <a:t>have</a:t>
-            </a:r>
-            <a:r>
-              <a:rPr lang="de-DE" dirty="0" smtClean="0"/>
-              <a:t> </a:t>
-            </a:r>
-            <a:r>
-              <a:rPr lang="de-DE" dirty="0" err="1" smtClean="0"/>
+              <a:rPr lang="de-DE" dirty="0" err="1"/>
               <a:t>features</a:t>
             </a:r>
             <a:endParaRPr lang="de-DE" sz="3000" dirty="0"/>
@@ -10652,20 +11315,13 @@
     </p:spTree>
     <p:extLst>
       <p:ext uri="{BB962C8B-B14F-4D97-AF65-F5344CB8AC3E}">
-        <p14:creationId xmlns:p14="http://schemas.microsoft.com/office/powerpoint/2010/main" val="1222428972"/>
+        <p14:creationId xmlns:p14="http://schemas.microsoft.com/office/powerpoint/2010/main" val="204796529"/>
       </p:ext>
     </p:extLst>
   </p:cSld>
   <p:clrMapOvr>
     <a:masterClrMapping/>
   </p:clrMapOvr>
-  <p:timing>
-    <p:tnLst>
-      <p:par>
-        <p:cTn id="1" dur="indefinite" restart="never" nodeType="tmRoot"/>
-      </p:par>
-    </p:tnLst>
-  </p:timing>
 </p:sld>
 </file>
 
@@ -10706,58 +11362,8 @@
               <a:buChar char="•"/>
             </a:pPr>
             <a:r>
-              <a:rPr lang="en-US" dirty="0" smtClean="0"/>
-              <a:t>Milestone 1 (deadline 14.6.2019)</a:t>
-            </a:r>
-          </a:p>
-          <a:p>
-            <a:pPr marL="461963" lvl="1" indent="-285750">
-              <a:buFont typeface="Arial" panose="020B0604020202020204" pitchFamily="34" charset="0"/>
-              <a:buChar char="•"/>
-            </a:pPr>
-            <a:r>
-              <a:rPr lang="en-US" dirty="0" smtClean="0"/>
-              <a:t>Player model and tracking support</a:t>
-            </a:r>
-          </a:p>
-          <a:p>
-            <a:pPr marL="461963" lvl="1" indent="-285750">
-              <a:buFont typeface="Arial" panose="020B0604020202020204" pitchFamily="34" charset="0"/>
-              <a:buChar char="•"/>
-            </a:pPr>
-            <a:r>
-              <a:rPr lang="en-US" dirty="0" smtClean="0"/>
-              <a:t>Mini-game manager and gesture manager</a:t>
-            </a:r>
-          </a:p>
-          <a:p>
-            <a:pPr marL="461963" lvl="1" indent="-285750">
-              <a:buFont typeface="Arial" panose="020B0604020202020204" pitchFamily="34" charset="0"/>
-              <a:buChar char="•"/>
-            </a:pPr>
-            <a:r>
-              <a:rPr lang="en-US" dirty="0" smtClean="0"/>
-              <a:t>Game manager</a:t>
-            </a:r>
-          </a:p>
-          <a:p>
-            <a:pPr marL="461963" lvl="1" indent="-285750">
-              <a:buFont typeface="Arial" panose="020B0604020202020204" pitchFamily="34" charset="0"/>
-              <a:buChar char="•"/>
-            </a:pPr>
-            <a:r>
-              <a:rPr lang="en-US" dirty="0" smtClean="0"/>
-              <a:t>Camera manager</a:t>
-            </a:r>
-          </a:p>
-          <a:p>
-            <a:pPr marL="461963" lvl="1" indent="-285750">
-              <a:buFont typeface="Arial" panose="020B0604020202020204" pitchFamily="34" charset="0"/>
-              <a:buChar char="•"/>
-            </a:pPr>
-            <a:r>
-              <a:rPr lang="en-US" dirty="0" smtClean="0"/>
-              <a:t>Gesture evaluation</a:t>
+              <a:rPr lang="en-US" dirty="0"/>
+              <a:t>Implementing all mini-games</a:t>
             </a:r>
           </a:p>
           <a:p>
@@ -10766,28 +11372,8 @@
               <a:buChar char="•"/>
             </a:pPr>
             <a:r>
-              <a:rPr lang="en-US" dirty="0" smtClean="0"/>
-              <a:t>Milestone 2 (deadline 5.7.2019)</a:t>
-            </a:r>
-          </a:p>
-          <a:p>
-            <a:pPr marL="461963" lvl="1" indent="-285750">
-              <a:buFont typeface="Arial" panose="020B0604020202020204" pitchFamily="34" charset="0"/>
-              <a:buChar char="•"/>
-            </a:pPr>
-            <a:r>
-              <a:rPr lang="en-US" dirty="0" smtClean="0"/>
-              <a:t>Finished must have features</a:t>
-            </a:r>
-          </a:p>
-          <a:p>
-            <a:pPr marL="461963" lvl="1" indent="-285750">
-              <a:buFont typeface="Arial" panose="020B0604020202020204" pitchFamily="34" charset="0"/>
-              <a:buChar char="•"/>
-            </a:pPr>
-            <a:r>
-              <a:rPr lang="en-US" dirty="0" smtClean="0"/>
-              <a:t>Critical art assets included</a:t>
+              <a:rPr lang="en-US" dirty="0"/>
+              <a:t>Disguising yourself when getting caught (put on provided pair of glasses), one time use</a:t>
             </a:r>
           </a:p>
           <a:p>
@@ -10795,10 +11381,20 @@
               <a:buFont typeface="Arial" panose="020B0604020202020204" pitchFamily="34" charset="0"/>
               <a:buChar char="•"/>
             </a:pPr>
-            <a:endParaRPr lang="en-US" dirty="0" smtClean="0"/>
-          </a:p>
-          <a:p>
-            <a:endParaRPr lang="en-US" dirty="0" smtClean="0"/>
+            <a:r>
+              <a:rPr lang="en-US" dirty="0"/>
+              <a:t>Consistent art style</a:t>
+            </a:r>
+          </a:p>
+          <a:p>
+            <a:pPr marL="285750" indent="-285750">
+              <a:buFont typeface="Arial" panose="020B0604020202020204" pitchFamily="34" charset="0"/>
+              <a:buChar char="•"/>
+            </a:pPr>
+            <a:endParaRPr lang="en-US" dirty="0"/>
+          </a:p>
+          <a:p>
+            <a:endParaRPr lang="en-US" dirty="0"/>
           </a:p>
           <a:p>
             <a:endParaRPr lang="en-US" sz="2200" dirty="0"/>
@@ -10845,14 +11441,9 @@
           <a:lstStyle/>
           <a:p>
             <a:r>
-              <a:rPr lang="de-DE" dirty="0" smtClean="0"/>
-              <a:t>Konstantin Karas</a:t>
-            </a:r>
-            <a:r>
               <a:rPr lang="de-DE" dirty="0"/>
-              <a:t>, Min Ting Luong, Jakob Raith</a:t>
-            </a:r>
-            <a:endParaRPr lang="de-DE" dirty="0"/>
+              <a:t>Konstantin Karas, Min Ting Luong, Jakob Raith</a:t>
+            </a:r>
           </a:p>
         </p:txBody>
       </p:sp>
@@ -10876,8 +11467,28 @@
           <a:lstStyle/>
           <a:p>
             <a:r>
-              <a:rPr lang="de-DE" dirty="0" smtClean="0"/>
-              <a:t>Milestones</a:t>
+              <a:rPr lang="de-DE" dirty="0"/>
+              <a:t>Nice </a:t>
+            </a:r>
+            <a:r>
+              <a:rPr lang="de-DE" dirty="0" err="1"/>
+              <a:t>to</a:t>
+            </a:r>
+            <a:r>
+              <a:rPr lang="de-DE" dirty="0"/>
+              <a:t> </a:t>
+            </a:r>
+            <a:r>
+              <a:rPr lang="de-DE" dirty="0" err="1"/>
+              <a:t>have</a:t>
+            </a:r>
+            <a:r>
+              <a:rPr lang="de-DE" dirty="0"/>
+              <a:t> </a:t>
+            </a:r>
+            <a:r>
+              <a:rPr lang="de-DE" dirty="0" err="1"/>
+              <a:t>features</a:t>
             </a:r>
             <a:endParaRPr lang="de-DE" sz="3000" dirty="0"/>
           </a:p>
@@ -10886,20 +11497,13 @@
     </p:spTree>
     <p:extLst>
       <p:ext uri="{BB962C8B-B14F-4D97-AF65-F5344CB8AC3E}">
-        <p14:creationId xmlns:p14="http://schemas.microsoft.com/office/powerpoint/2010/main" val="3428254364"/>
+        <p14:creationId xmlns:p14="http://schemas.microsoft.com/office/powerpoint/2010/main" val="1222428972"/>
       </p:ext>
     </p:extLst>
   </p:cSld>
   <p:clrMapOvr>
     <a:masterClrMapping/>
   </p:clrMapOvr>
-  <p:timing>
-    <p:tnLst>
-      <p:par>
-        <p:cTn id="1" dur="indefinite" restart="never" nodeType="tmRoot"/>
-      </p:par>
-    </p:tnLst>
-  </p:timing>
 </p:sld>
 </file>
 
@@ -10930,114 +11534,112 @@
             <p:ph idx="1"/>
           </p:nvPr>
         </p:nvSpPr>
-        <p:spPr>
-          <a:xfrm>
-            <a:off x="319091" y="1762188"/>
-            <a:ext cx="8506858" cy="4699572"/>
-          </a:xfrm>
-        </p:spPr>
+        <p:spPr/>
         <p:txBody>
           <a:bodyPr/>
           <a:lstStyle/>
           <a:p>
-            <a:pPr marL="342900" indent="-342900">
+            <a:pPr marL="285750" indent="-285750">
               <a:buFont typeface="Arial" panose="020B0604020202020204" pitchFamily="34" charset="0"/>
               <a:buChar char="•"/>
             </a:pPr>
             <a:r>
-              <a:rPr lang="en-US" dirty="0" smtClean="0"/>
-              <a:t>Konstantin Karas</a:t>
-            </a:r>
-          </a:p>
-          <a:p>
-            <a:pPr marL="519113" lvl="1" indent="-342900">
+              <a:rPr lang="en-US" dirty="0"/>
+              <a:t>Milestone 1 (deadline 14.6.2019)</a:t>
+            </a:r>
+          </a:p>
+          <a:p>
+            <a:pPr marL="461963" lvl="1" indent="-285750">
               <a:buFont typeface="Arial" panose="020B0604020202020204" pitchFamily="34" charset="0"/>
               <a:buChar char="•"/>
             </a:pPr>
             <a:r>
-              <a:rPr lang="en-US" dirty="0" smtClean="0"/>
-              <a:t>Gesture manager</a:t>
-            </a:r>
-          </a:p>
-          <a:p>
-            <a:pPr marL="519113" lvl="1" indent="-342900">
+              <a:rPr lang="en-US" dirty="0"/>
+              <a:t>Player model and tracking support</a:t>
+            </a:r>
+          </a:p>
+          <a:p>
+            <a:pPr marL="461963" lvl="1" indent="-285750">
               <a:buFont typeface="Arial" panose="020B0604020202020204" pitchFamily="34" charset="0"/>
               <a:buChar char="•"/>
             </a:pPr>
             <a:r>
-              <a:rPr lang="en-US" dirty="0" smtClean="0"/>
-              <a:t>Camera manager</a:t>
-            </a:r>
-          </a:p>
-          <a:p>
-            <a:pPr marL="519113" lvl="1" indent="-342900">
+              <a:rPr lang="en-US" dirty="0"/>
+              <a:t>Mini-game manager and gesture manager</a:t>
+            </a:r>
+          </a:p>
+          <a:p>
+            <a:pPr marL="461963" lvl="1" indent="-285750">
               <a:buFont typeface="Arial" panose="020B0604020202020204" pitchFamily="34" charset="0"/>
               <a:buChar char="•"/>
             </a:pPr>
             <a:r>
-              <a:rPr lang="en-US" dirty="0" smtClean="0"/>
-              <a:t>Game 1.1: Meet guests at the bar</a:t>
-            </a:r>
-          </a:p>
-          <a:p>
-            <a:pPr marL="519113" lvl="1" indent="-342900">
+              <a:rPr lang="en-US" dirty="0"/>
+              <a:t>Game manager</a:t>
+            </a:r>
+          </a:p>
+          <a:p>
+            <a:pPr marL="461963" lvl="1" indent="-285750">
               <a:buFont typeface="Arial" panose="020B0604020202020204" pitchFamily="34" charset="0"/>
               <a:buChar char="•"/>
             </a:pPr>
             <a:r>
-              <a:rPr lang="en-US" dirty="0" smtClean="0"/>
-              <a:t>(Game 2: participating in a dance)</a:t>
-            </a:r>
-          </a:p>
-          <a:p>
-            <a:pPr marL="519113" lvl="1" indent="-342900">
+              <a:rPr lang="en-US" dirty="0"/>
+              <a:t>Camera manager</a:t>
+            </a:r>
+          </a:p>
+          <a:p>
+            <a:pPr marL="461963" lvl="1" indent="-285750">
               <a:buFont typeface="Arial" panose="020B0604020202020204" pitchFamily="34" charset="0"/>
               <a:buChar char="•"/>
             </a:pPr>
             <a:r>
-              <a:rPr lang="en-US" dirty="0" smtClean="0"/>
-              <a:t>Optional:</a:t>
-            </a:r>
-          </a:p>
-          <a:p>
-            <a:pPr marL="703263" lvl="2" indent="-342900">
+              <a:rPr lang="en-US" dirty="0"/>
+              <a:t>Gesture evaluation</a:t>
+            </a:r>
+          </a:p>
+          <a:p>
+            <a:pPr marL="285750" indent="-285750">
               <a:buFont typeface="Arial" panose="020B0604020202020204" pitchFamily="34" charset="0"/>
               <a:buChar char="•"/>
             </a:pPr>
             <a:r>
-              <a:rPr lang="en-US" dirty="0" smtClean="0"/>
-              <a:t>Game Start: Taking a photo</a:t>
-            </a:r>
-          </a:p>
-          <a:p>
-            <a:pPr marL="703263" lvl="2" indent="-342900">
+              <a:rPr lang="en-US" dirty="0"/>
+              <a:t>Milestone 2 (deadline 5.7.2019)</a:t>
+            </a:r>
+          </a:p>
+          <a:p>
+            <a:pPr marL="461963" lvl="1" indent="-285750">
               <a:buFont typeface="Arial" panose="020B0604020202020204" pitchFamily="34" charset="0"/>
               <a:buChar char="•"/>
             </a:pPr>
             <a:r>
-              <a:rPr lang="en-US" dirty="0" smtClean="0"/>
-              <a:t>Game 3.2: </a:t>
-            </a:r>
-            <a:r>
-              <a:rPr lang="de-DE" dirty="0" err="1" smtClean="0"/>
-              <a:t>Give</a:t>
-            </a:r>
-            <a:r>
-              <a:rPr lang="de-DE" dirty="0" smtClean="0"/>
-              <a:t> </a:t>
-            </a:r>
-            <a:r>
-              <a:rPr lang="de-DE" dirty="0" err="1" smtClean="0"/>
-              <a:t>directions</a:t>
-            </a:r>
-            <a:endParaRPr lang="en-US" dirty="0" smtClean="0"/>
-          </a:p>
-          <a:p>
-            <a:pPr marL="519113" lvl="1" indent="-342900">
+              <a:rPr lang="en-US" dirty="0"/>
+              <a:t>Finished must have features</a:t>
+            </a:r>
+          </a:p>
+          <a:p>
+            <a:pPr marL="461963" lvl="1" indent="-285750">
+              <a:buFont typeface="Arial" panose="020B0604020202020204" pitchFamily="34" charset="0"/>
+              <a:buChar char="•"/>
+            </a:pPr>
+            <a:r>
+              <a:rPr lang="en-US" dirty="0"/>
+              <a:t>Critical art assets included</a:t>
+            </a:r>
+          </a:p>
+          <a:p>
+            <a:pPr marL="285750" indent="-285750">
               <a:buFont typeface="Arial" panose="020B0604020202020204" pitchFamily="34" charset="0"/>
               <a:buChar char="•"/>
             </a:pPr>
             <a:endParaRPr lang="en-US" dirty="0"/>
+          </a:p>
+          <a:p>
+            <a:endParaRPr lang="en-US" dirty="0"/>
+          </a:p>
+          <a:p>
+            <a:endParaRPr lang="en-US" sz="2200" dirty="0"/>
           </a:p>
         </p:txBody>
       </p:sp>
@@ -11081,14 +11683,9 @@
           <a:lstStyle/>
           <a:p>
             <a:r>
-              <a:rPr lang="de-DE" dirty="0" smtClean="0"/>
-              <a:t>Konstantin Karas</a:t>
-            </a:r>
-            <a:r>
               <a:rPr lang="de-DE" dirty="0"/>
-              <a:t>, Min Ting Luong, Jakob Raith</a:t>
-            </a:r>
-            <a:endParaRPr lang="de-DE" dirty="0"/>
+              <a:t>Konstantin Karas, Min Ting Luong, Jakob Raith</a:t>
+            </a:r>
           </a:p>
         </p:txBody>
       </p:sp>
@@ -11112,12 +11709,8 @@
           <a:lstStyle/>
           <a:p>
             <a:r>
-              <a:rPr lang="de-DE" dirty="0" smtClean="0"/>
-              <a:t>Task </a:t>
-            </a:r>
-            <a:r>
-              <a:rPr lang="de-DE" dirty="0" err="1" smtClean="0"/>
-              <a:t>distribution</a:t>
+              <a:rPr lang="de-DE" dirty="0"/>
+              <a:t>Milestones</a:t>
             </a:r>
             <a:endParaRPr lang="de-DE" sz="3000" dirty="0"/>
           </a:p>
@@ -11126,20 +11719,13 @@
     </p:spTree>
     <p:extLst>
       <p:ext uri="{BB962C8B-B14F-4D97-AF65-F5344CB8AC3E}">
-        <p14:creationId xmlns:p14="http://schemas.microsoft.com/office/powerpoint/2010/main" val="978109795"/>
+        <p14:creationId xmlns:p14="http://schemas.microsoft.com/office/powerpoint/2010/main" val="3428254364"/>
       </p:ext>
     </p:extLst>
   </p:cSld>
   <p:clrMapOvr>
     <a:masterClrMapping/>
   </p:clrMapOvr>
-  <p:timing>
-    <p:tnLst>
-      <p:par>
-        <p:cTn id="1" dur="indefinite" restart="never" nodeType="tmRoot"/>
-      </p:par>
-    </p:tnLst>
-  </p:timing>
 </p:sld>
 </file>
 
@@ -11185,14 +11771,9 @@
               <a:buChar char="•"/>
             </a:pPr>
             <a:r>
-              <a:rPr lang="en-US" dirty="0" smtClean="0"/>
-              <a:t>Min Ting </a:t>
-            </a:r>
-            <a:r>
-              <a:rPr lang="en-US" dirty="0" err="1" smtClean="0"/>
-              <a:t>Loung</a:t>
-            </a:r>
-            <a:endParaRPr lang="en-US" dirty="0" smtClean="0"/>
+              <a:rPr lang="en-US" dirty="0"/>
+              <a:t>Konstantin Karas</a:t>
+            </a:r>
           </a:p>
           <a:p>
             <a:pPr marL="519113" lvl="1" indent="-342900">
@@ -11200,18 +11781,9 @@
               <a:buChar char="•"/>
             </a:pPr>
             <a:r>
-              <a:rPr lang="de-DE" dirty="0" err="1" smtClean="0"/>
-              <a:t>Gesture</a:t>
-            </a:r>
-            <a:r>
-              <a:rPr lang="de-DE" dirty="0" smtClean="0"/>
-              <a:t> </a:t>
-            </a:r>
-            <a:r>
-              <a:rPr lang="de-DE" dirty="0" err="1" smtClean="0"/>
-              <a:t>evaluation</a:t>
-            </a:r>
-            <a:endParaRPr lang="de-DE" dirty="0" smtClean="0"/>
+              <a:rPr lang="en-US" dirty="0"/>
+              <a:t>Gesture manager</a:t>
+            </a:r>
           </a:p>
           <a:p>
             <a:pPr marL="519113" lvl="1" indent="-342900">
@@ -11219,56 +11791,8 @@
               <a:buChar char="•"/>
             </a:pPr>
             <a:r>
-              <a:rPr lang="de-DE" dirty="0" smtClean="0"/>
-              <a:t>Critical </a:t>
-            </a:r>
-            <a:r>
-              <a:rPr lang="de-DE" dirty="0" err="1" smtClean="0"/>
-              <a:t>assets</a:t>
-            </a:r>
-            <a:r>
-              <a:rPr lang="de-DE" dirty="0" smtClean="0"/>
-              <a:t> (</a:t>
-            </a:r>
-            <a:r>
-              <a:rPr lang="de-DE" dirty="0" err="1" smtClean="0"/>
-              <a:t>dummy</a:t>
-            </a:r>
-            <a:r>
-              <a:rPr lang="de-DE" dirty="0" smtClean="0"/>
-              <a:t> </a:t>
-            </a:r>
-            <a:r>
-              <a:rPr lang="de-DE" dirty="0" err="1" smtClean="0"/>
-              <a:t>npc</a:t>
-            </a:r>
-            <a:r>
-              <a:rPr lang="de-DE" dirty="0" smtClean="0"/>
-              <a:t>, </a:t>
-            </a:r>
-            <a:r>
-              <a:rPr lang="de-DE" dirty="0" err="1" smtClean="0"/>
-              <a:t>glass</a:t>
-            </a:r>
-            <a:r>
-              <a:rPr lang="de-DE" dirty="0" smtClean="0"/>
-              <a:t>, top-hat, </a:t>
-            </a:r>
-            <a:r>
-              <a:rPr lang="de-DE" dirty="0" err="1" smtClean="0"/>
-              <a:t>tablet</a:t>
-            </a:r>
-            <a:r>
-              <a:rPr lang="de-DE" dirty="0" smtClean="0"/>
-              <a:t> + </a:t>
-            </a:r>
-            <a:r>
-              <a:rPr lang="de-DE" dirty="0" err="1" smtClean="0"/>
-              <a:t>content</a:t>
-            </a:r>
-            <a:r>
-              <a:rPr lang="de-DE" dirty="0" smtClean="0"/>
-              <a:t>...)</a:t>
+              <a:rPr lang="en-US" dirty="0"/>
+              <a:t>Camera manager</a:t>
             </a:r>
           </a:p>
           <a:p>
@@ -11277,14 +11801,9 @@
               <a:buChar char="•"/>
             </a:pPr>
             <a:r>
-              <a:rPr lang="de-DE" dirty="0" smtClean="0"/>
-              <a:t>Player </a:t>
-            </a:r>
-            <a:r>
-              <a:rPr lang="de-DE" dirty="0" err="1" smtClean="0"/>
-              <a:t>model</a:t>
-            </a:r>
-            <a:endParaRPr lang="de-DE" dirty="0" smtClean="0"/>
+              <a:rPr lang="en-US" dirty="0"/>
+              <a:t>Game 1.1: Meet guests at the bar</a:t>
+            </a:r>
           </a:p>
           <a:p>
             <a:pPr marL="519113" lvl="1" indent="-342900">
@@ -11292,16 +11811,8 @@
               <a:buChar char="•"/>
             </a:pPr>
             <a:r>
-              <a:rPr lang="de-DE" dirty="0" smtClean="0"/>
-              <a:t>Game 2 (</a:t>
-            </a:r>
-            <a:r>
-              <a:rPr lang="de-DE" dirty="0" err="1" smtClean="0"/>
-              <a:t>choreography</a:t>
-            </a:r>
-            <a:r>
-              <a:rPr lang="de-DE" dirty="0" smtClean="0"/>
-              <a:t>)</a:t>
+              <a:rPr lang="en-US" dirty="0"/>
+              <a:t>(Game 2: participating in a dance)</a:t>
             </a:r>
           </a:p>
           <a:p>
@@ -11310,22 +11821,7 @@
               <a:buChar char="•"/>
             </a:pPr>
             <a:r>
-              <a:rPr lang="de-DE" dirty="0" smtClean="0"/>
-              <a:t>Game 3.1: Balance a </a:t>
-            </a:r>
-            <a:r>
-              <a:rPr lang="de-DE" dirty="0" err="1" smtClean="0"/>
-              <a:t>tablet</a:t>
-            </a:r>
-            <a:endParaRPr lang="de-DE" dirty="0" smtClean="0"/>
-          </a:p>
-          <a:p>
-            <a:pPr marL="519113" lvl="1" indent="-342900">
-              <a:buFont typeface="Arial" panose="020B0604020202020204" pitchFamily="34" charset="0"/>
-              <a:buChar char="•"/>
-            </a:pPr>
-            <a:r>
-              <a:rPr lang="de-DE" dirty="0" smtClean="0"/>
+              <a:rPr lang="en-US" dirty="0"/>
               <a:t>Optional:</a:t>
             </a:r>
           </a:p>
@@ -11335,14 +11831,32 @@
               <a:buChar char="•"/>
             </a:pPr>
             <a:r>
-              <a:rPr lang="de-DE" dirty="0" smtClean="0"/>
-              <a:t>Game 1.2: Magic </a:t>
-            </a:r>
-            <a:r>
-              <a:rPr lang="de-DE" dirty="0" err="1" smtClean="0"/>
-              <a:t>trick</a:t>
-            </a:r>
-            <a:endParaRPr lang="en-US" dirty="0" smtClean="0"/>
+              <a:rPr lang="en-US" dirty="0"/>
+              <a:t>Game Start: Taking a photo</a:t>
+            </a:r>
+          </a:p>
+          <a:p>
+            <a:pPr marL="703263" lvl="2" indent="-342900">
+              <a:buFont typeface="Arial" panose="020B0604020202020204" pitchFamily="34" charset="0"/>
+              <a:buChar char="•"/>
+            </a:pPr>
+            <a:r>
+              <a:rPr lang="en-US" dirty="0"/>
+              <a:t>Game 3.2: </a:t>
+            </a:r>
+            <a:r>
+              <a:rPr lang="de-DE" dirty="0" err="1"/>
+              <a:t>Give</a:t>
+            </a:r>
+            <a:r>
+              <a:rPr lang="de-DE" dirty="0"/>
+              <a:t> </a:t>
+            </a:r>
+            <a:r>
+              <a:rPr lang="de-DE" dirty="0" err="1"/>
+              <a:t>directions</a:t>
+            </a:r>
+            <a:endParaRPr lang="en-US" dirty="0"/>
           </a:p>
           <a:p>
             <a:pPr marL="519113" lvl="1" indent="-342900">
@@ -11393,14 +11907,9 @@
           <a:lstStyle/>
           <a:p>
             <a:r>
-              <a:rPr lang="de-DE" dirty="0" smtClean="0"/>
-              <a:t>Konstantin Karas</a:t>
-            </a:r>
-            <a:r>
               <a:rPr lang="de-DE" dirty="0"/>
-              <a:t>, Min Ting Luong, Jakob Raith</a:t>
-            </a:r>
-            <a:endParaRPr lang="de-DE" dirty="0"/>
+              <a:t>Konstantin Karas, Min Ting Luong, Jakob Raith</a:t>
+            </a:r>
           </a:p>
         </p:txBody>
       </p:sp>
@@ -11424,11 +11933,11 @@
           <a:lstStyle/>
           <a:p>
             <a:r>
-              <a:rPr lang="de-DE" dirty="0" smtClean="0"/>
+              <a:rPr lang="de-DE" dirty="0"/>
               <a:t>Task </a:t>
             </a:r>
             <a:r>
-              <a:rPr lang="de-DE" dirty="0" err="1" smtClean="0"/>
+              <a:rPr lang="de-DE" dirty="0" err="1"/>
               <a:t>distribution</a:t>
             </a:r>
             <a:endParaRPr lang="de-DE" sz="3000" dirty="0"/>
@@ -11438,20 +11947,13 @@
     </p:spTree>
     <p:extLst>
       <p:ext uri="{BB962C8B-B14F-4D97-AF65-F5344CB8AC3E}">
-        <p14:creationId xmlns:p14="http://schemas.microsoft.com/office/powerpoint/2010/main" val="1264205990"/>
+        <p14:creationId xmlns:p14="http://schemas.microsoft.com/office/powerpoint/2010/main" val="978109795"/>
       </p:ext>
     </p:extLst>
   </p:cSld>
   <p:clrMapOvr>
     <a:masterClrMapping/>
   </p:clrMapOvr>
-  <p:timing>
-    <p:tnLst>
-      <p:par>
-        <p:cTn id="1" dur="indefinite" restart="never" nodeType="tmRoot"/>
-      </p:par>
-    </p:tnLst>
-  </p:timing>
 </p:sld>
 </file>
 
@@ -11497,18 +11999,14 @@
               <a:buChar char="•"/>
             </a:pPr>
             <a:r>
-              <a:rPr lang="en-US" dirty="0" err="1" smtClean="0"/>
-              <a:t>Jakob</a:t>
-            </a:r>
-            <a:r>
-              <a:rPr lang="en-US" dirty="0" smtClean="0"/>
-              <a:t> </a:t>
-            </a:r>
-            <a:r>
-              <a:rPr lang="en-US" dirty="0" err="1" smtClean="0"/>
-              <a:t>Raith</a:t>
-            </a:r>
-            <a:endParaRPr lang="en-US" dirty="0" smtClean="0"/>
+              <a:rPr lang="en-US" dirty="0"/>
+              <a:t>Min Ting </a:t>
+            </a:r>
+            <a:r>
+              <a:rPr lang="en-US" dirty="0" err="1"/>
+              <a:t>Loung</a:t>
+            </a:r>
+            <a:endParaRPr lang="en-US" dirty="0"/>
           </a:p>
           <a:p>
             <a:pPr marL="519113" lvl="1" indent="-342900">
@@ -11516,9 +12014,18 @@
               <a:buChar char="•"/>
             </a:pPr>
             <a:r>
-              <a:rPr lang="en-US" dirty="0" smtClean="0"/>
-              <a:t>Game manager</a:t>
-            </a:r>
+              <a:rPr lang="de-DE" dirty="0" err="1"/>
+              <a:t>Gesture</a:t>
+            </a:r>
+            <a:r>
+              <a:rPr lang="de-DE" dirty="0"/>
+              <a:t> </a:t>
+            </a:r>
+            <a:r>
+              <a:rPr lang="de-DE" dirty="0" err="1"/>
+              <a:t>evaluation</a:t>
+            </a:r>
+            <a:endParaRPr lang="de-DE" dirty="0"/>
           </a:p>
           <a:p>
             <a:pPr marL="519113" lvl="1" indent="-342900">
@@ -11526,8 +12033,56 @@
               <a:buChar char="•"/>
             </a:pPr>
             <a:r>
-              <a:rPr lang="en-US" dirty="0" smtClean="0"/>
-              <a:t>mini-game manager</a:t>
+              <a:rPr lang="de-DE" dirty="0"/>
+              <a:t>Critical </a:t>
+            </a:r>
+            <a:r>
+              <a:rPr lang="de-DE" dirty="0" err="1"/>
+              <a:t>assets</a:t>
+            </a:r>
+            <a:r>
+              <a:rPr lang="de-DE" dirty="0"/>
+              <a:t> (</a:t>
+            </a:r>
+            <a:r>
+              <a:rPr lang="de-DE" dirty="0" err="1"/>
+              <a:t>dummy</a:t>
+            </a:r>
+            <a:r>
+              <a:rPr lang="de-DE" dirty="0"/>
+              <a:t> </a:t>
+            </a:r>
+            <a:r>
+              <a:rPr lang="de-DE" dirty="0" err="1"/>
+              <a:t>npc</a:t>
+            </a:r>
+            <a:r>
+              <a:rPr lang="de-DE" dirty="0"/>
+              <a:t>, </a:t>
+            </a:r>
+            <a:r>
+              <a:rPr lang="de-DE" dirty="0" err="1"/>
+              <a:t>glass</a:t>
+            </a:r>
+            <a:r>
+              <a:rPr lang="de-DE" dirty="0"/>
+              <a:t>, top-hat, </a:t>
+            </a:r>
+            <a:r>
+              <a:rPr lang="de-DE" dirty="0" err="1"/>
+              <a:t>tablet</a:t>
+            </a:r>
+            <a:r>
+              <a:rPr lang="de-DE" dirty="0"/>
+              <a:t> + </a:t>
+            </a:r>
+            <a:r>
+              <a:rPr lang="de-DE" dirty="0" err="1"/>
+              <a:t>content</a:t>
+            </a:r>
+            <a:r>
+              <a:rPr lang="de-DE" dirty="0"/>
+              <a:t>...)</a:t>
             </a:r>
           </a:p>
           <a:p>
@@ -11536,9 +12091,14 @@
               <a:buChar char="•"/>
             </a:pPr>
             <a:r>
-              <a:rPr lang="en-US" dirty="0" smtClean="0"/>
-              <a:t>Game 2: participating in a dance</a:t>
-            </a:r>
+              <a:rPr lang="de-DE" dirty="0"/>
+              <a:t>Player </a:t>
+            </a:r>
+            <a:r>
+              <a:rPr lang="de-DE" dirty="0" err="1"/>
+              <a:t>model</a:t>
+            </a:r>
+            <a:endParaRPr lang="de-DE" dirty="0"/>
           </a:p>
           <a:p>
             <a:pPr marL="519113" lvl="1" indent="-342900">
@@ -11546,7 +12106,40 @@
               <a:buChar char="•"/>
             </a:pPr>
             <a:r>
-              <a:rPr lang="en-US" dirty="0" smtClean="0"/>
+              <a:rPr lang="de-DE" dirty="0"/>
+              <a:t>Game 2 (</a:t>
+            </a:r>
+            <a:r>
+              <a:rPr lang="de-DE" dirty="0" err="1"/>
+              <a:t>choreography</a:t>
+            </a:r>
+            <a:r>
+              <a:rPr lang="de-DE" dirty="0"/>
+              <a:t>)</a:t>
+            </a:r>
+          </a:p>
+          <a:p>
+            <a:pPr marL="519113" lvl="1" indent="-342900">
+              <a:buFont typeface="Arial" panose="020B0604020202020204" pitchFamily="34" charset="0"/>
+              <a:buChar char="•"/>
+            </a:pPr>
+            <a:r>
+              <a:rPr lang="de-DE" dirty="0"/>
+              <a:t>Game 3.1: Balance a </a:t>
+            </a:r>
+            <a:r>
+              <a:rPr lang="de-DE" dirty="0" err="1"/>
+              <a:t>tablet</a:t>
+            </a:r>
+            <a:endParaRPr lang="de-DE" dirty="0"/>
+          </a:p>
+          <a:p>
+            <a:pPr marL="519113" lvl="1" indent="-342900">
+              <a:buFont typeface="Arial" panose="020B0604020202020204" pitchFamily="34" charset="0"/>
+              <a:buChar char="•"/>
+            </a:pPr>
+            <a:r>
+              <a:rPr lang="de-DE" dirty="0"/>
               <a:t>Optional:</a:t>
             </a:r>
           </a:p>
@@ -11556,32 +12149,14 @@
               <a:buChar char="•"/>
             </a:pPr>
             <a:r>
-              <a:rPr lang="en-US" dirty="0" smtClean="0"/>
-              <a:t>Disguise yourself</a:t>
-            </a:r>
-          </a:p>
-          <a:p>
-            <a:pPr marL="703263" lvl="2" indent="-342900">
-              <a:buFont typeface="Arial" panose="020B0604020202020204" pitchFamily="34" charset="0"/>
-              <a:buChar char="•"/>
-            </a:pPr>
-            <a:r>
-              <a:rPr lang="de-DE" dirty="0" smtClean="0"/>
-              <a:t>Game  End: </a:t>
-            </a:r>
-            <a:r>
-              <a:rPr lang="de-DE" dirty="0" err="1" smtClean="0"/>
-              <a:t>Eliminate</a:t>
-            </a:r>
-            <a:r>
-              <a:rPr lang="de-DE" dirty="0" smtClean="0"/>
-              <a:t> </a:t>
-            </a:r>
-            <a:r>
-              <a:rPr lang="de-DE" dirty="0" err="1" smtClean="0"/>
-              <a:t>target</a:t>
-            </a:r>
-            <a:endParaRPr lang="en-US" dirty="0" smtClean="0"/>
+              <a:rPr lang="de-DE" dirty="0"/>
+              <a:t>Game 1.2: Magic </a:t>
+            </a:r>
+            <a:r>
+              <a:rPr lang="de-DE" dirty="0" err="1"/>
+              <a:t>trick</a:t>
+            </a:r>
+            <a:endParaRPr lang="en-US" dirty="0"/>
           </a:p>
           <a:p>
             <a:pPr marL="519113" lvl="1" indent="-342900">
@@ -11632,14 +12207,9 @@
           <a:lstStyle/>
           <a:p>
             <a:r>
-              <a:rPr lang="de-DE" dirty="0" smtClean="0"/>
-              <a:t>Konstantin Karas</a:t>
-            </a:r>
-            <a:r>
               <a:rPr lang="de-DE" dirty="0"/>
-              <a:t>, Min Ting Luong, Jakob Raith</a:t>
-            </a:r>
-            <a:endParaRPr lang="de-DE" dirty="0"/>
+              <a:t>Konstantin Karas, Min Ting Luong, Jakob Raith</a:t>
+            </a:r>
           </a:p>
         </p:txBody>
       </p:sp>
@@ -11663,11 +12233,11 @@
           <a:lstStyle/>
           <a:p>
             <a:r>
-              <a:rPr lang="de-DE" dirty="0" smtClean="0"/>
+              <a:rPr lang="de-DE" dirty="0"/>
               <a:t>Task </a:t>
             </a:r>
             <a:r>
-              <a:rPr lang="de-DE" dirty="0" err="1" smtClean="0"/>
+              <a:rPr lang="de-DE" dirty="0" err="1"/>
               <a:t>distribution</a:t>
             </a:r>
             <a:endParaRPr lang="de-DE" sz="3000" dirty="0"/>
@@ -11677,20 +12247,13 @@
     </p:spTree>
     <p:extLst>
       <p:ext uri="{BB962C8B-B14F-4D97-AF65-F5344CB8AC3E}">
-        <p14:creationId xmlns:p14="http://schemas.microsoft.com/office/powerpoint/2010/main" val="3898734558"/>
+        <p14:creationId xmlns:p14="http://schemas.microsoft.com/office/powerpoint/2010/main" val="1264205990"/>
       </p:ext>
     </p:extLst>
   </p:cSld>
   <p:clrMapOvr>
     <a:masterClrMapping/>
   </p:clrMapOvr>
-  <p:timing>
-    <p:tnLst>
-      <p:par>
-        <p:cTn id="1" dur="indefinite" restart="never" nodeType="tmRoot"/>
-      </p:par>
-    </p:tnLst>
-  </p:timing>
 </p:sld>
 </file>
 
@@ -11713,6 +12276,126 @@
       </p:grpSpPr>
       <p:sp>
         <p:nvSpPr>
+          <p:cNvPr id="2" name="Inhaltsplatzhalter 1"/>
+          <p:cNvSpPr>
+            <a:spLocks noGrp="1"/>
+          </p:cNvSpPr>
+          <p:nvPr>
+            <p:ph idx="1"/>
+          </p:nvPr>
+        </p:nvSpPr>
+        <p:spPr>
+          <a:xfrm>
+            <a:off x="319091" y="1762188"/>
+            <a:ext cx="8506858" cy="4699572"/>
+          </a:xfrm>
+        </p:spPr>
+        <p:txBody>
+          <a:bodyPr/>
+          <a:lstStyle/>
+          <a:p>
+            <a:pPr marL="342900" indent="-342900">
+              <a:buFont typeface="Arial" panose="020B0604020202020204" pitchFamily="34" charset="0"/>
+              <a:buChar char="•"/>
+            </a:pPr>
+            <a:r>
+              <a:rPr lang="en-US" dirty="0" err="1"/>
+              <a:t>Jakob</a:t>
+            </a:r>
+            <a:r>
+              <a:rPr lang="en-US" dirty="0"/>
+              <a:t> </a:t>
+            </a:r>
+            <a:r>
+              <a:rPr lang="en-US" dirty="0" err="1"/>
+              <a:t>Raith</a:t>
+            </a:r>
+            <a:endParaRPr lang="en-US" dirty="0"/>
+          </a:p>
+          <a:p>
+            <a:pPr marL="519113" lvl="1" indent="-342900">
+              <a:buFont typeface="Arial" panose="020B0604020202020204" pitchFamily="34" charset="0"/>
+              <a:buChar char="•"/>
+            </a:pPr>
+            <a:r>
+              <a:rPr lang="en-US" dirty="0"/>
+              <a:t>Game manager</a:t>
+            </a:r>
+          </a:p>
+          <a:p>
+            <a:pPr marL="519113" lvl="1" indent="-342900">
+              <a:buFont typeface="Arial" panose="020B0604020202020204" pitchFamily="34" charset="0"/>
+              <a:buChar char="•"/>
+            </a:pPr>
+            <a:r>
+              <a:rPr lang="en-US" dirty="0"/>
+              <a:t>mini-game manager</a:t>
+            </a:r>
+          </a:p>
+          <a:p>
+            <a:pPr marL="519113" lvl="1" indent="-342900">
+              <a:buFont typeface="Arial" panose="020B0604020202020204" pitchFamily="34" charset="0"/>
+              <a:buChar char="•"/>
+            </a:pPr>
+            <a:r>
+              <a:rPr lang="en-US" dirty="0"/>
+              <a:t>Game 2: participating in a dance</a:t>
+            </a:r>
+          </a:p>
+          <a:p>
+            <a:pPr marL="519113" lvl="1" indent="-342900">
+              <a:buFont typeface="Arial" panose="020B0604020202020204" pitchFamily="34" charset="0"/>
+              <a:buChar char="•"/>
+            </a:pPr>
+            <a:r>
+              <a:rPr lang="en-US" dirty="0"/>
+              <a:t>Optional:</a:t>
+            </a:r>
+          </a:p>
+          <a:p>
+            <a:pPr marL="703263" lvl="2" indent="-342900">
+              <a:buFont typeface="Arial" panose="020B0604020202020204" pitchFamily="34" charset="0"/>
+              <a:buChar char="•"/>
+            </a:pPr>
+            <a:r>
+              <a:rPr lang="en-US" dirty="0"/>
+              <a:t>Disguise yourself</a:t>
+            </a:r>
+          </a:p>
+          <a:p>
+            <a:pPr marL="703263" lvl="2" indent="-342900">
+              <a:buFont typeface="Arial" panose="020B0604020202020204" pitchFamily="34" charset="0"/>
+              <a:buChar char="•"/>
+            </a:pPr>
+            <a:r>
+              <a:rPr lang="de-DE" dirty="0"/>
+              <a:t>Game  End: </a:t>
+            </a:r>
+            <a:r>
+              <a:rPr lang="de-DE" dirty="0" err="1"/>
+              <a:t>Eliminate</a:t>
+            </a:r>
+            <a:r>
+              <a:rPr lang="de-DE" dirty="0"/>
+              <a:t> </a:t>
+            </a:r>
+            <a:r>
+              <a:rPr lang="de-DE" dirty="0" err="1"/>
+              <a:t>target</a:t>
+            </a:r>
+            <a:endParaRPr lang="en-US" dirty="0"/>
+          </a:p>
+          <a:p>
+            <a:pPr marL="519113" lvl="1" indent="-342900">
+              <a:buFont typeface="Arial" panose="020B0604020202020204" pitchFamily="34" charset="0"/>
+              <a:buChar char="•"/>
+            </a:pPr>
+            <a:endParaRPr lang="en-US" dirty="0"/>
+          </a:p>
+        </p:txBody>
+      </p:sp>
+      <p:sp>
+        <p:nvSpPr>
           <p:cNvPr id="4" name="Foliennummernplatzhalter 3"/>
           <p:cNvSpPr>
             <a:spLocks noGrp="1"/>
@@ -11754,7 +12437,6 @@
               <a:rPr lang="de-DE" dirty="0"/>
               <a:t>Konstantin Karas, Min Ting Luong, Jakob Raith</a:t>
             </a:r>
-            <a:endParaRPr lang="de-DE" dirty="0"/>
           </a:p>
         </p:txBody>
       </p:sp>
@@ -11768,20 +12450,126 @@
             <p:ph type="title"/>
           </p:nvPr>
         </p:nvSpPr>
-        <p:spPr/>
+        <p:spPr>
+          <a:prstGeom prst="rect">
+            <a:avLst/>
+          </a:prstGeom>
+        </p:spPr>
         <p:txBody>
           <a:bodyPr/>
           <a:lstStyle/>
           <a:p>
             <a:r>
-              <a:rPr lang="de-DE" dirty="0" err="1" smtClean="0"/>
+              <a:rPr lang="de-DE" dirty="0"/>
+              <a:t>Task </a:t>
+            </a:r>
+            <a:r>
+              <a:rPr lang="de-DE" dirty="0" err="1"/>
+              <a:t>distribution</a:t>
+            </a:r>
+            <a:endParaRPr lang="de-DE" sz="3000" dirty="0"/>
+          </a:p>
+        </p:txBody>
+      </p:sp>
+    </p:spTree>
+    <p:extLst>
+      <p:ext uri="{BB962C8B-B14F-4D97-AF65-F5344CB8AC3E}">
+        <p14:creationId xmlns:p14="http://schemas.microsoft.com/office/powerpoint/2010/main" val="3898734558"/>
+      </p:ext>
+    </p:extLst>
+  </p:cSld>
+  <p:clrMapOvr>
+    <a:masterClrMapping/>
+  </p:clrMapOvr>
+</p:sld>
+</file>
+
+<file path=ppt/slides/slide18.xml><?xml version="1.0" encoding="utf-8"?>
+<p:sld xmlns:a="http://schemas.openxmlformats.org/drawingml/2006/main" xmlns:r="http://schemas.openxmlformats.org/officeDocument/2006/relationships" xmlns:p="http://schemas.openxmlformats.org/presentationml/2006/main">
+  <p:cSld>
+    <p:spTree>
+      <p:nvGrpSpPr>
+        <p:cNvPr id="1" name=""/>
+        <p:cNvGrpSpPr/>
+        <p:nvPr/>
+      </p:nvGrpSpPr>
+      <p:grpSpPr>
+        <a:xfrm>
+          <a:off x="0" y="0"/>
+          <a:ext cx="0" cy="0"/>
+          <a:chOff x="0" y="0"/>
+          <a:chExt cx="0" cy="0"/>
+        </a:xfrm>
+      </p:grpSpPr>
+      <p:sp>
+        <p:nvSpPr>
+          <p:cNvPr id="4" name="Foliennummernplatzhalter 3"/>
+          <p:cNvSpPr>
+            <a:spLocks noGrp="1"/>
+          </p:cNvSpPr>
+          <p:nvPr>
+            <p:ph type="sldNum" sz="quarter" idx="11"/>
+          </p:nvPr>
+        </p:nvSpPr>
+        <p:spPr/>
+        <p:txBody>
+          <a:bodyPr/>
+          <a:lstStyle/>
+          <a:p>
+            <a:fld id="{CE58CB1E-F828-4F11-99E0-327109AF9DA4}" type="slidenum">
+              <a:rPr lang="de-DE" smtClean="0"/>
+              <a:pPr/>
+              <a:t>18</a:t>
+            </a:fld>
+            <a:endParaRPr lang="de-DE" dirty="0"/>
+          </a:p>
+        </p:txBody>
+      </p:sp>
+      <p:sp>
+        <p:nvSpPr>
+          <p:cNvPr id="7" name="Fußzeilenplatzhalter 4"/>
+          <p:cNvSpPr>
+            <a:spLocks noGrp="1"/>
+          </p:cNvSpPr>
+          <p:nvPr>
+            <p:ph type="ftr" sz="quarter" idx="12"/>
+          </p:nvPr>
+        </p:nvSpPr>
+        <p:spPr/>
+        <p:txBody>
+          <a:bodyPr/>
+          <a:lstStyle/>
+          <a:p>
+            <a:r>
+              <a:rPr lang="de-DE" dirty="0"/>
+              <a:t>Konstantin Karas, Min Ting Luong, Jakob Raith</a:t>
+            </a:r>
+          </a:p>
+        </p:txBody>
+      </p:sp>
+      <p:sp>
+        <p:nvSpPr>
+          <p:cNvPr id="3" name="Titel 2"/>
+          <p:cNvSpPr>
+            <a:spLocks noGrp="1"/>
+          </p:cNvSpPr>
+          <p:nvPr>
+            <p:ph type="title"/>
+          </p:nvPr>
+        </p:nvSpPr>
+        <p:spPr/>
+        <p:txBody>
+          <a:bodyPr/>
+          <a:lstStyle/>
+          <a:p>
+            <a:r>
+              <a:rPr lang="de-DE" dirty="0" err="1"/>
               <a:t>Questions</a:t>
             </a:r>
             <a:r>
-              <a:rPr lang="de-DE" dirty="0" smtClean="0"/>
+              <a:rPr lang="de-DE" dirty="0"/>
               <a:t>?</a:t>
             </a:r>
-            <a:endParaRPr lang="de-DE" dirty="0"/>
           </a:p>
         </p:txBody>
       </p:sp>
@@ -11858,13 +12646,6 @@
   <p:clrMapOvr>
     <a:masterClrMapping/>
   </p:clrMapOvr>
-  <p:timing>
-    <p:tnLst>
-      <p:par>
-        <p:cTn id="1" dur="indefinite" restart="never" nodeType="tmRoot"/>
-      </p:par>
-    </p:tnLst>
-  </p:timing>
 </p:sld>
 </file>
 
@@ -11887,12 +12668,18 @@
       </p:grpSpPr>
       <p:sp>
         <p:nvSpPr>
-          <p:cNvPr id="2" name="Inhaltsplatzhalter 1"/>
+          <p:cNvPr id="2" name="Inhaltsplatzhalter 1">
+            <a:extLst>
+              <a:ext uri="{FF2B5EF4-FFF2-40B4-BE49-F238E27FC236}">
+                <a16:creationId xmlns:a16="http://schemas.microsoft.com/office/drawing/2014/main" id="{78D55584-F8AF-4DD2-BF17-4530DDAEF005}"/>
+              </a:ext>
+            </a:extLst>
+          </p:cNvPr>
           <p:cNvSpPr>
             <a:spLocks noGrp="1"/>
           </p:cNvSpPr>
           <p:nvPr>
-            <p:ph idx="1"/>
+            <p:ph idx="10"/>
           </p:nvPr>
         </p:nvSpPr>
         <p:spPr/>
@@ -11905,8 +12692,24 @@
               <a:buChar char="•"/>
             </a:pPr>
             <a:r>
-              <a:rPr lang="en-US" dirty="0" smtClean="0"/>
-              <a:t>Player is an assassin who is infiltrating an elegant dinner party, seeking to murder a guest</a:t>
+              <a:rPr lang="de-DE" dirty="0"/>
+              <a:t>Not </a:t>
+            </a:r>
+            <a:r>
+              <a:rPr lang="de-DE" dirty="0" err="1"/>
+              <a:t>another</a:t>
+            </a:r>
+            <a:r>
+              <a:rPr lang="de-DE" dirty="0"/>
+              <a:t> </a:t>
+            </a:r>
+            <a:r>
+              <a:rPr lang="de-DE" dirty="0" err="1"/>
+              <a:t>dance</a:t>
+            </a:r>
+            <a:r>
+              <a:rPr lang="de-DE" dirty="0"/>
+              <a:t> game</a:t>
             </a:r>
           </a:p>
           <a:p>
@@ -11915,96 +12718,45 @@
               <a:buChar char="•"/>
             </a:pPr>
             <a:r>
-              <a:rPr lang="en-US" dirty="0" smtClean="0"/>
-              <a:t>Player have to integrate themselves into the crowd – they</a:t>
-            </a:r>
-            <a:r>
-              <a:rPr lang="en-US" dirty="0" smtClean="0"/>
-              <a:t> have to mimic the behavior of the other guests</a:t>
-            </a:r>
-          </a:p>
-          <a:p>
-            <a:pPr marL="285750" indent="-285750">
-              <a:buFont typeface="Arial" panose="020B0604020202020204" pitchFamily="34" charset="0"/>
-              <a:buChar char="•"/>
-            </a:pPr>
-            <a:r>
-              <a:rPr lang="en-US" dirty="0" smtClean="0"/>
-              <a:t>Player raise the guards suspicion when performing poorly</a:t>
-            </a:r>
-          </a:p>
-          <a:p>
-            <a:pPr marL="285750" indent="-285750">
-              <a:buFont typeface="Arial" panose="020B0604020202020204" pitchFamily="34" charset="0"/>
-              <a:buChar char="•"/>
-            </a:pPr>
-            <a:r>
-              <a:rPr lang="en-US" dirty="0" smtClean="0"/>
-              <a:t>Player wins when they reach their target or loose when they get caught</a:t>
-            </a:r>
-          </a:p>
-          <a:p>
-            <a:endParaRPr lang="en-US" dirty="0" smtClean="0"/>
-          </a:p>
-          <a:p>
-            <a:endParaRPr lang="en-US" sz="2200" dirty="0"/>
-          </a:p>
-        </p:txBody>
-      </p:sp>
-      <p:sp>
-        <p:nvSpPr>
-          <p:cNvPr id="4" name="Foliennummernplatzhalter 3"/>
-          <p:cNvSpPr>
-            <a:spLocks noGrp="1"/>
-          </p:cNvSpPr>
-          <p:nvPr>
-            <p:ph type="sldNum" sz="quarter" idx="11"/>
-          </p:nvPr>
-        </p:nvSpPr>
-        <p:spPr/>
-        <p:txBody>
-          <a:bodyPr/>
-          <a:lstStyle/>
-          <a:p>
-            <a:fld id="{CE58CB1E-F828-4F11-99E0-327109AF9DA4}" type="slidenum">
-              <a:rPr lang="de-DE" smtClean="0"/>
-              <a:pPr/>
-              <a:t>2</a:t>
-            </a:fld>
-            <a:endParaRPr lang="de-DE" dirty="0"/>
-          </a:p>
-        </p:txBody>
-      </p:sp>
-      <p:sp>
-        <p:nvSpPr>
-          <p:cNvPr id="7" name="Fußzeilenplatzhalter 4"/>
-          <p:cNvSpPr>
-            <a:spLocks noGrp="1"/>
-          </p:cNvSpPr>
-          <p:nvPr>
-            <p:ph type="ftr" sz="quarter" idx="12"/>
-          </p:nvPr>
-        </p:nvSpPr>
-        <p:spPr/>
-        <p:txBody>
-          <a:bodyPr/>
-          <a:lstStyle/>
-          <a:p>
-            <a:r>
-              <a:rPr lang="de-DE" dirty="0" smtClean="0"/>
-              <a:t>Konstantin Karas</a:t>
-            </a:r>
-            <a:r>
               <a:rPr lang="de-DE" dirty="0"/>
-              <a:t>, Min Ting Luong, Jakob Raith</a:t>
-            </a:r>
-            <a:endParaRPr lang="de-DE" dirty="0"/>
-          </a:p>
-        </p:txBody>
-      </p:sp>
-      <p:sp>
-        <p:nvSpPr>
-          <p:cNvPr id="3" name="Titel 2"/>
+              <a:t>-&gt; </a:t>
+            </a:r>
+            <a:r>
+              <a:rPr lang="de-DE" dirty="0" err="1"/>
+              <a:t>mainly</a:t>
+            </a:r>
+            <a:r>
+              <a:rPr lang="de-DE" dirty="0"/>
+              <a:t> „Schauspiel“ </a:t>
+            </a:r>
+            <a:r>
+              <a:rPr lang="de-DE" dirty="0" err="1"/>
+              <a:t>combined</a:t>
+            </a:r>
+            <a:r>
+              <a:rPr lang="de-DE" dirty="0"/>
+              <a:t> </a:t>
+            </a:r>
+            <a:r>
+              <a:rPr lang="de-DE" dirty="0" err="1"/>
+              <a:t>with</a:t>
+            </a:r>
+            <a:r>
+              <a:rPr lang="de-DE" dirty="0"/>
+              <a:t> „Tanz“</a:t>
+            </a:r>
+          </a:p>
+        </p:txBody>
+      </p:sp>
+      <p:sp>
+        <p:nvSpPr>
+          <p:cNvPr id="3" name="Titel 2">
+            <a:extLst>
+              <a:ext uri="{FF2B5EF4-FFF2-40B4-BE49-F238E27FC236}">
+                <a16:creationId xmlns:a16="http://schemas.microsoft.com/office/drawing/2014/main" id="{E16A3B7F-8CC8-4399-88CD-418B949242F1}"/>
+              </a:ext>
+            </a:extLst>
+          </p:cNvPr>
           <p:cNvSpPr>
             <a:spLocks noGrp="1"/>
           </p:cNvSpPr>
@@ -12012,35 +12764,28 @@
             <p:ph type="title"/>
           </p:nvPr>
         </p:nvSpPr>
-        <p:spPr>
-          <a:prstGeom prst="rect">
-            <a:avLst/>
-          </a:prstGeom>
-        </p:spPr>
+        <p:spPr/>
         <p:txBody>
           <a:bodyPr/>
           <a:lstStyle/>
           <a:p>
             <a:r>
-              <a:rPr lang="de-DE" dirty="0" smtClean="0"/>
-              <a:t>Scenario</a:t>
-            </a:r>
-            <a:endParaRPr lang="de-DE" sz="3000" dirty="0"/>
+              <a:rPr lang="de-DE" dirty="0"/>
+              <a:t>Motivation</a:t>
+            </a:r>
           </a:p>
         </p:txBody>
       </p:sp>
     </p:spTree>
+    <p:extLst>
+      <p:ext uri="{BB962C8B-B14F-4D97-AF65-F5344CB8AC3E}">
+        <p14:creationId xmlns:p14="http://schemas.microsoft.com/office/powerpoint/2010/main" val="1428938616"/>
+      </p:ext>
+    </p:extLst>
   </p:cSld>
   <p:clrMapOvr>
     <a:masterClrMapping/>
   </p:clrMapOvr>
-  <p:timing>
-    <p:tnLst>
-      <p:par>
-        <p:cTn id="1" dur="indefinite" restart="never" nodeType="tmRoot"/>
-      </p:par>
-    </p:tnLst>
-  </p:timing>
 </p:sld>
 </file>
 
@@ -12071,12 +12816,7 @@
             <p:ph idx="1"/>
           </p:nvPr>
         </p:nvSpPr>
-        <p:spPr>
-          <a:xfrm>
-            <a:off x="319091" y="1762188"/>
-            <a:ext cx="4233032" cy="4699572"/>
-          </a:xfrm>
-        </p:spPr>
+        <p:spPr/>
         <p:txBody>
           <a:bodyPr/>
           <a:lstStyle/>
@@ -12086,8 +12826,8 @@
               <a:buChar char="•"/>
             </a:pPr>
             <a:r>
-              <a:rPr lang="en-US" dirty="0" smtClean="0"/>
-              <a:t>Third Person, over the shoulder perspective</a:t>
+              <a:rPr lang="en-US" dirty="0"/>
+              <a:t>Player is an assassin who is infiltrating an elegant dinner party, seeking to murder a guest</a:t>
             </a:r>
           </a:p>
           <a:p>
@@ -12096,8 +12836,8 @@
               <a:buChar char="•"/>
             </a:pPr>
             <a:r>
-              <a:rPr lang="en-US" dirty="0" smtClean="0"/>
-              <a:t>Beamer as screen</a:t>
+              <a:rPr lang="en-US" dirty="0"/>
+              <a:t>Player have to integrate themselves into the crowd – they have to mimic the behavior of the other guests</a:t>
             </a:r>
           </a:p>
           <a:p>
@@ -12106,8 +12846,8 @@
               <a:buChar char="•"/>
             </a:pPr>
             <a:r>
-              <a:rPr lang="en-US" dirty="0" smtClean="0"/>
-              <a:t>Support left and right hand when possible</a:t>
+              <a:rPr lang="en-US" dirty="0"/>
+              <a:t>Player raise the guards suspicion when performing poorly</a:t>
             </a:r>
           </a:p>
           <a:p>
@@ -12116,99 +12856,12 @@
               <a:buChar char="•"/>
             </a:pPr>
             <a:r>
-              <a:rPr lang="en-US" dirty="0" err="1" smtClean="0"/>
-              <a:t>Minigames</a:t>
-            </a:r>
-            <a:endParaRPr lang="en-US" dirty="0" smtClean="0"/>
-          </a:p>
-          <a:p>
-            <a:pPr marL="469900" lvl="2" indent="-285750">
-              <a:buFont typeface="Arial" panose="020B0604020202020204" pitchFamily="34" charset="0"/>
-              <a:buChar char="•"/>
-            </a:pPr>
-            <a:r>
               <a:rPr lang="en-US" dirty="0"/>
-              <a:t>3 </a:t>
-            </a:r>
-            <a:r>
-              <a:rPr lang="en-US" dirty="0" smtClean="0"/>
-              <a:t>Games (might be more if enough time)</a:t>
-            </a:r>
-          </a:p>
-          <a:p>
-            <a:pPr marL="469900" lvl="2" indent="-285750">
-              <a:buFont typeface="Arial" panose="020B0604020202020204" pitchFamily="34" charset="0"/>
-              <a:buChar char="•"/>
-            </a:pPr>
-            <a:r>
-              <a:rPr lang="en-US" dirty="0" smtClean="0"/>
-              <a:t>Start and Ending as </a:t>
-            </a:r>
-            <a:r>
-              <a:rPr lang="en-US" dirty="0" err="1" smtClean="0"/>
-              <a:t>cutscenes</a:t>
-            </a:r>
-            <a:r>
-              <a:rPr lang="en-US" dirty="0" smtClean="0"/>
-              <a:t>, might be </a:t>
-            </a:r>
-            <a:br>
-              <a:rPr lang="en-US" dirty="0" smtClean="0"/>
-            </a:br>
-            <a:r>
-              <a:rPr lang="en-US" dirty="0" smtClean="0"/>
-              <a:t>future games</a:t>
-            </a:r>
-          </a:p>
-          <a:p>
-            <a:pPr marL="461963" lvl="1" indent="-285750">
-              <a:buFont typeface="Arial" panose="020B0604020202020204" pitchFamily="34" charset="0"/>
-              <a:buChar char="•"/>
-            </a:pPr>
-            <a:r>
-              <a:rPr lang="en-US" dirty="0" smtClean="0"/>
-              <a:t>Gestures (2-3/game)</a:t>
-            </a:r>
-            <a:endParaRPr lang="en-US" dirty="0" smtClean="0">
-              <a:solidFill>
-                <a:schemeClr val="bg1">
-                  <a:lumMod val="75000"/>
-                </a:schemeClr>
-              </a:solidFill>
-            </a:endParaRPr>
-          </a:p>
-          <a:p>
-            <a:pPr marL="461963" lvl="1" indent="-285750">
-              <a:buFont typeface="Arial" panose="020B0604020202020204" pitchFamily="34" charset="0"/>
-              <a:buChar char="•"/>
-            </a:pPr>
-            <a:r>
-              <a:rPr lang="en-US" dirty="0" smtClean="0"/>
-              <a:t>Points for good performance</a:t>
-            </a:r>
-          </a:p>
-          <a:p>
-            <a:pPr marL="461963" lvl="1" indent="-285750">
-              <a:buFont typeface="Arial" panose="020B0604020202020204" pitchFamily="34" charset="0"/>
-              <a:buChar char="•"/>
-            </a:pPr>
-            <a:r>
-              <a:rPr lang="en-US" dirty="0" smtClean="0"/>
-              <a:t>thematically fitting (drinking, dancing…)</a:t>
-            </a:r>
-          </a:p>
-          <a:p>
-            <a:pPr marL="285750" indent="-285750">
-              <a:buFont typeface="Arial" panose="020B0604020202020204" pitchFamily="34" charset="0"/>
-              <a:buChar char="•"/>
-            </a:pPr>
-            <a:endParaRPr lang="en-US" dirty="0" smtClean="0"/>
-          </a:p>
-          <a:p>
-            <a:endParaRPr lang="en-US" sz="2200" dirty="0" smtClean="0"/>
-          </a:p>
-          <a:p>
-            <a:endParaRPr lang="en-US" sz="2200" dirty="0" smtClean="0"/>
+              <a:t>Player wins when they reach their target or loose when they get caught</a:t>
+            </a:r>
+          </a:p>
+          <a:p>
+            <a:endParaRPr lang="en-US" dirty="0"/>
           </a:p>
           <a:p>
             <a:endParaRPr lang="en-US" sz="2200" dirty="0"/>
@@ -12255,14 +12908,9 @@
           <a:lstStyle/>
           <a:p>
             <a:r>
-              <a:rPr lang="de-DE" dirty="0" smtClean="0"/>
-              <a:t>Konstantin Karas</a:t>
-            </a:r>
-            <a:r>
               <a:rPr lang="de-DE" dirty="0"/>
-              <a:t>, Min Ting Luong, Jakob Raith</a:t>
-            </a:r>
-            <a:endParaRPr lang="de-DE" dirty="0"/>
+              <a:t>Konstantin Karas, Min Ting Luong, Jakob Raith</a:t>
+            </a:r>
           </a:p>
         </p:txBody>
       </p:sp>
@@ -12286,805 +12934,18 @@
           <a:lstStyle/>
           <a:p>
             <a:r>
-              <a:rPr lang="de-DE" dirty="0" smtClean="0"/>
-              <a:t>Game</a:t>
+              <a:rPr lang="de-DE" dirty="0"/>
+              <a:t>Scenario</a:t>
             </a:r>
             <a:endParaRPr lang="de-DE" sz="3000" dirty="0"/>
           </a:p>
         </p:txBody>
       </p:sp>
-      <p:sp>
-        <p:nvSpPr>
-          <p:cNvPr id="5" name="Ellipse 4"/>
-          <p:cNvSpPr/>
-          <p:nvPr/>
-        </p:nvSpPr>
-        <p:spPr>
-          <a:xfrm>
-            <a:off x="6374293" y="3160119"/>
-            <a:ext cx="972000" cy="791649"/>
-          </a:xfrm>
-          <a:prstGeom prst="ellipse">
-            <a:avLst/>
-          </a:prstGeom>
-          <a:noFill/>
-          <a:ln>
-            <a:solidFill>
-              <a:schemeClr val="tx1"/>
-            </a:solidFill>
-          </a:ln>
-        </p:spPr>
-        <p:style>
-          <a:lnRef idx="2">
-            <a:schemeClr val="accent1">
-              <a:shade val="50000"/>
-            </a:schemeClr>
-          </a:lnRef>
-          <a:fillRef idx="1">
-            <a:schemeClr val="accent1"/>
-          </a:fillRef>
-          <a:effectRef idx="0">
-            <a:schemeClr val="accent1"/>
-          </a:effectRef>
-          <a:fontRef idx="minor">
-            <a:schemeClr val="lt1"/>
-          </a:fontRef>
-        </p:style>
-        <p:txBody>
-          <a:bodyPr rot="0" spcFirstLastPara="0" vertOverflow="overflow" horzOverflow="overflow" vert="horz" wrap="square" lIns="91440" tIns="45720" rIns="91440" bIns="45720" numCol="1" spcCol="0" rtlCol="0" fromWordArt="0" anchor="ctr" anchorCtr="0" forceAA="0" compatLnSpc="1">
-            <a:prstTxWarp prst="textNoShape">
-              <a:avLst/>
-            </a:prstTxWarp>
-            <a:spAutoFit/>
-          </a:bodyPr>
-          <a:lstStyle/>
-          <a:p>
-            <a:pPr algn="ctr">
-              <a:lnSpc>
-                <a:spcPct val="114000"/>
-              </a:lnSpc>
-            </a:pPr>
-            <a:r>
-              <a:rPr lang="de-DE" sz="1400" dirty="0" smtClean="0">
-                <a:solidFill>
-                  <a:schemeClr val="tx1"/>
-                </a:solidFill>
-              </a:rPr>
-              <a:t>Game 2</a:t>
-            </a:r>
-            <a:endParaRPr lang="de-DE" sz="1400" dirty="0" smtClean="0">
-              <a:solidFill>
-                <a:schemeClr val="tx1"/>
-              </a:solidFill>
-            </a:endParaRPr>
-          </a:p>
-        </p:txBody>
-      </p:sp>
-      <p:sp>
-        <p:nvSpPr>
-          <p:cNvPr id="8" name="Ellipse 7"/>
-          <p:cNvSpPr/>
-          <p:nvPr/>
-        </p:nvSpPr>
-        <p:spPr>
-          <a:xfrm>
-            <a:off x="6374293" y="5168378"/>
-            <a:ext cx="972000" cy="792000"/>
-          </a:xfrm>
-          <a:prstGeom prst="ellipse">
-            <a:avLst/>
-          </a:prstGeom>
-          <a:noFill/>
-          <a:ln>
-            <a:solidFill>
-              <a:schemeClr val="bg1">
-                <a:lumMod val="65000"/>
-              </a:schemeClr>
-            </a:solidFill>
-          </a:ln>
-        </p:spPr>
-        <p:style>
-          <a:lnRef idx="2">
-            <a:schemeClr val="accent1">
-              <a:shade val="50000"/>
-            </a:schemeClr>
-          </a:lnRef>
-          <a:fillRef idx="1">
-            <a:schemeClr val="accent1"/>
-          </a:fillRef>
-          <a:effectRef idx="0">
-            <a:schemeClr val="accent1"/>
-          </a:effectRef>
-          <a:fontRef idx="minor">
-            <a:schemeClr val="lt1"/>
-          </a:fontRef>
-        </p:style>
-        <p:txBody>
-          <a:bodyPr rot="0" spcFirstLastPara="0" vertOverflow="overflow" horzOverflow="overflow" vert="horz" wrap="square" lIns="91440" tIns="45720" rIns="91440" bIns="45720" numCol="1" spcCol="0" rtlCol="0" fromWordArt="0" anchor="ctr" anchorCtr="0" forceAA="0" compatLnSpc="1">
-            <a:prstTxWarp prst="textNoShape">
-              <a:avLst/>
-            </a:prstTxWarp>
-            <a:noAutofit/>
-          </a:bodyPr>
-          <a:lstStyle/>
-          <a:p>
-            <a:pPr algn="ctr">
-              <a:lnSpc>
-                <a:spcPct val="114000"/>
-              </a:lnSpc>
-            </a:pPr>
-            <a:r>
-              <a:rPr lang="de-DE" sz="1400" dirty="0" err="1" smtClean="0">
-                <a:solidFill>
-                  <a:srgbClr val="999999"/>
-                </a:solidFill>
-              </a:rPr>
-              <a:t>GameStart</a:t>
-            </a:r>
-            <a:endParaRPr lang="de-DE" sz="1400" dirty="0" smtClean="0">
-              <a:solidFill>
-                <a:srgbClr val="999999"/>
-              </a:solidFill>
-            </a:endParaRPr>
-          </a:p>
-        </p:txBody>
-      </p:sp>
-      <p:sp>
-        <p:nvSpPr>
-          <p:cNvPr id="9" name="Ellipse 8"/>
-          <p:cNvSpPr/>
-          <p:nvPr/>
-        </p:nvSpPr>
-        <p:spPr>
-          <a:xfrm>
-            <a:off x="7524585" y="2148658"/>
-            <a:ext cx="972000" cy="820502"/>
-          </a:xfrm>
-          <a:prstGeom prst="ellipse">
-            <a:avLst/>
-          </a:prstGeom>
-          <a:noFill/>
-          <a:ln>
-            <a:solidFill>
-              <a:schemeClr val="bg1">
-                <a:lumMod val="65000"/>
-              </a:schemeClr>
-            </a:solidFill>
-          </a:ln>
-        </p:spPr>
-        <p:style>
-          <a:lnRef idx="2">
-            <a:schemeClr val="accent1">
-              <a:shade val="50000"/>
-            </a:schemeClr>
-          </a:lnRef>
-          <a:fillRef idx="1">
-            <a:schemeClr val="accent1"/>
-          </a:fillRef>
-          <a:effectRef idx="0">
-            <a:schemeClr val="accent1"/>
-          </a:effectRef>
-          <a:fontRef idx="minor">
-            <a:schemeClr val="lt1"/>
-          </a:fontRef>
-        </p:style>
-        <p:txBody>
-          <a:bodyPr rot="0" spcFirstLastPara="0" vertOverflow="overflow" horzOverflow="overflow" vert="horz" wrap="square" lIns="91440" tIns="45720" rIns="91440" bIns="45720" numCol="1" spcCol="0" rtlCol="0" fromWordArt="0" anchor="ctr" anchorCtr="0" forceAA="0" compatLnSpc="1">
-            <a:prstTxWarp prst="textNoShape">
-              <a:avLst/>
-            </a:prstTxWarp>
-            <a:spAutoFit/>
-          </a:bodyPr>
-          <a:lstStyle/>
-          <a:p>
-            <a:pPr algn="ctr">
-              <a:lnSpc>
-                <a:spcPct val="114000"/>
-              </a:lnSpc>
-            </a:pPr>
-            <a:r>
-              <a:rPr lang="de-DE" sz="1400" dirty="0" smtClean="0">
-                <a:solidFill>
-                  <a:schemeClr val="bg1">
-                    <a:lumMod val="65000"/>
-                  </a:schemeClr>
-                </a:solidFill>
-              </a:rPr>
-              <a:t>Game 3.2</a:t>
-            </a:r>
-          </a:p>
-        </p:txBody>
-      </p:sp>
-      <p:sp>
-        <p:nvSpPr>
-          <p:cNvPr id="10" name="Ellipse 9"/>
-          <p:cNvSpPr/>
-          <p:nvPr/>
-        </p:nvSpPr>
-        <p:spPr>
-          <a:xfrm>
-            <a:off x="5234600" y="2163084"/>
-            <a:ext cx="972000" cy="791649"/>
-          </a:xfrm>
-          <a:prstGeom prst="ellipse">
-            <a:avLst/>
-          </a:prstGeom>
-          <a:noFill/>
-          <a:ln>
-            <a:solidFill>
-              <a:schemeClr val="tx1"/>
-            </a:solidFill>
-          </a:ln>
-        </p:spPr>
-        <p:style>
-          <a:lnRef idx="2">
-            <a:schemeClr val="accent1">
-              <a:shade val="50000"/>
-            </a:schemeClr>
-          </a:lnRef>
-          <a:fillRef idx="1">
-            <a:schemeClr val="accent1"/>
-          </a:fillRef>
-          <a:effectRef idx="0">
-            <a:schemeClr val="accent1"/>
-          </a:effectRef>
-          <a:fontRef idx="minor">
-            <a:schemeClr val="lt1"/>
-          </a:fontRef>
-        </p:style>
-        <p:txBody>
-          <a:bodyPr rot="0" spcFirstLastPara="0" vertOverflow="overflow" horzOverflow="overflow" vert="horz" wrap="square" lIns="91440" tIns="45720" rIns="91440" bIns="45720" numCol="1" spcCol="0" rtlCol="0" fromWordArt="0" anchor="ctr" anchorCtr="0" forceAA="0" compatLnSpc="1">
-            <a:prstTxWarp prst="textNoShape">
-              <a:avLst/>
-            </a:prstTxWarp>
-            <a:spAutoFit/>
-          </a:bodyPr>
-          <a:lstStyle/>
-          <a:p>
-            <a:pPr algn="ctr">
-              <a:lnSpc>
-                <a:spcPct val="114000"/>
-              </a:lnSpc>
-            </a:pPr>
-            <a:r>
-              <a:rPr lang="de-DE" sz="1400" dirty="0" smtClean="0">
-                <a:solidFill>
-                  <a:schemeClr val="tx1"/>
-                </a:solidFill>
-              </a:rPr>
-              <a:t>Game 3.1</a:t>
-            </a:r>
-          </a:p>
-        </p:txBody>
-      </p:sp>
-      <p:sp>
-        <p:nvSpPr>
-          <p:cNvPr id="11" name="Ellipse 10"/>
-          <p:cNvSpPr/>
-          <p:nvPr/>
-        </p:nvSpPr>
-        <p:spPr>
-          <a:xfrm>
-            <a:off x="6374418" y="959605"/>
-            <a:ext cx="977441" cy="820502"/>
-          </a:xfrm>
-          <a:prstGeom prst="ellipse">
-            <a:avLst/>
-          </a:prstGeom>
-          <a:noFill/>
-          <a:ln>
-            <a:solidFill>
-              <a:schemeClr val="bg1">
-                <a:lumMod val="65000"/>
-              </a:schemeClr>
-            </a:solidFill>
-          </a:ln>
-        </p:spPr>
-        <p:style>
-          <a:lnRef idx="2">
-            <a:schemeClr val="accent1">
-              <a:shade val="50000"/>
-            </a:schemeClr>
-          </a:lnRef>
-          <a:fillRef idx="1">
-            <a:schemeClr val="accent1"/>
-          </a:fillRef>
-          <a:effectRef idx="0">
-            <a:schemeClr val="accent1"/>
-          </a:effectRef>
-          <a:fontRef idx="minor">
-            <a:schemeClr val="lt1"/>
-          </a:fontRef>
-        </p:style>
-        <p:txBody>
-          <a:bodyPr rot="0" spcFirstLastPara="0" vertOverflow="overflow" horzOverflow="overflow" vert="horz" wrap="square" lIns="91440" tIns="45720" rIns="91440" bIns="45720" numCol="1" spcCol="0" rtlCol="0" fromWordArt="0" anchor="ctr" anchorCtr="0" forceAA="0" compatLnSpc="1">
-            <a:prstTxWarp prst="textNoShape">
-              <a:avLst/>
-            </a:prstTxWarp>
-            <a:spAutoFit/>
-          </a:bodyPr>
-          <a:lstStyle/>
-          <a:p>
-            <a:pPr algn="ctr">
-              <a:lnSpc>
-                <a:spcPct val="114000"/>
-              </a:lnSpc>
-            </a:pPr>
-            <a:r>
-              <a:rPr lang="de-DE" sz="1400" dirty="0" smtClean="0">
-                <a:solidFill>
-                  <a:schemeClr val="bg1">
-                    <a:lumMod val="65000"/>
-                  </a:schemeClr>
-                </a:solidFill>
-              </a:rPr>
-              <a:t>Game End</a:t>
-            </a:r>
-            <a:endParaRPr lang="de-DE" sz="1400" dirty="0" smtClean="0">
-              <a:solidFill>
-                <a:schemeClr val="bg1">
-                  <a:lumMod val="65000"/>
-                </a:schemeClr>
-              </a:solidFill>
-            </a:endParaRPr>
-          </a:p>
-        </p:txBody>
-      </p:sp>
-      <p:sp>
-        <p:nvSpPr>
-          <p:cNvPr id="12" name="Ellipse 11"/>
-          <p:cNvSpPr/>
-          <p:nvPr/>
-        </p:nvSpPr>
-        <p:spPr>
-          <a:xfrm>
-            <a:off x="7524585" y="4059560"/>
-            <a:ext cx="972000" cy="820502"/>
-          </a:xfrm>
-          <a:prstGeom prst="ellipse">
-            <a:avLst/>
-          </a:prstGeom>
-          <a:noFill/>
-          <a:ln>
-            <a:solidFill>
-              <a:schemeClr val="bg1">
-                <a:lumMod val="65000"/>
-              </a:schemeClr>
-            </a:solidFill>
-          </a:ln>
-        </p:spPr>
-        <p:style>
-          <a:lnRef idx="2">
-            <a:schemeClr val="accent1">
-              <a:shade val="50000"/>
-            </a:schemeClr>
-          </a:lnRef>
-          <a:fillRef idx="1">
-            <a:schemeClr val="accent1"/>
-          </a:fillRef>
-          <a:effectRef idx="0">
-            <a:schemeClr val="accent1"/>
-          </a:effectRef>
-          <a:fontRef idx="minor">
-            <a:schemeClr val="lt1"/>
-          </a:fontRef>
-        </p:style>
-        <p:txBody>
-          <a:bodyPr rot="0" spcFirstLastPara="0" vertOverflow="overflow" horzOverflow="overflow" vert="horz" wrap="square" lIns="91440" tIns="45720" rIns="91440" bIns="45720" numCol="1" spcCol="0" rtlCol="0" fromWordArt="0" anchor="ctr" anchorCtr="0" forceAA="0" compatLnSpc="1">
-            <a:prstTxWarp prst="textNoShape">
-              <a:avLst/>
-            </a:prstTxWarp>
-            <a:spAutoFit/>
-          </a:bodyPr>
-          <a:lstStyle/>
-          <a:p>
-            <a:pPr algn="ctr">
-              <a:lnSpc>
-                <a:spcPct val="114000"/>
-              </a:lnSpc>
-            </a:pPr>
-            <a:r>
-              <a:rPr lang="de-DE" sz="1400" dirty="0" smtClean="0">
-                <a:solidFill>
-                  <a:srgbClr val="999999"/>
-                </a:solidFill>
-              </a:rPr>
-              <a:t>Game 1.2</a:t>
-            </a:r>
-          </a:p>
-        </p:txBody>
-      </p:sp>
-      <p:sp>
-        <p:nvSpPr>
-          <p:cNvPr id="13" name="Ellipse 12"/>
-          <p:cNvSpPr/>
-          <p:nvPr/>
-        </p:nvSpPr>
-        <p:spPr>
-          <a:xfrm>
-            <a:off x="5234600" y="4059560"/>
-            <a:ext cx="972000" cy="820502"/>
-          </a:xfrm>
-          <a:prstGeom prst="ellipse">
-            <a:avLst/>
-          </a:prstGeom>
-          <a:noFill/>
-          <a:ln>
-            <a:solidFill>
-              <a:schemeClr val="tx1"/>
-            </a:solidFill>
-          </a:ln>
-        </p:spPr>
-        <p:style>
-          <a:lnRef idx="2">
-            <a:schemeClr val="accent1">
-              <a:shade val="50000"/>
-            </a:schemeClr>
-          </a:lnRef>
-          <a:fillRef idx="1">
-            <a:schemeClr val="accent1"/>
-          </a:fillRef>
-          <a:effectRef idx="0">
-            <a:schemeClr val="accent1"/>
-          </a:effectRef>
-          <a:fontRef idx="minor">
-            <a:schemeClr val="lt1"/>
-          </a:fontRef>
-        </p:style>
-        <p:txBody>
-          <a:bodyPr rot="0" spcFirstLastPara="0" vertOverflow="overflow" horzOverflow="overflow" vert="horz" wrap="square" lIns="91440" tIns="45720" rIns="91440" bIns="45720" numCol="1" spcCol="0" rtlCol="0" fromWordArt="0" anchor="ctr" anchorCtr="0" forceAA="0" compatLnSpc="1">
-            <a:prstTxWarp prst="textNoShape">
-              <a:avLst/>
-            </a:prstTxWarp>
-            <a:spAutoFit/>
-          </a:bodyPr>
-          <a:lstStyle/>
-          <a:p>
-            <a:pPr algn="ctr">
-              <a:lnSpc>
-                <a:spcPct val="114000"/>
-              </a:lnSpc>
-            </a:pPr>
-            <a:r>
-              <a:rPr lang="de-DE" sz="1400" dirty="0" smtClean="0">
-                <a:solidFill>
-                  <a:schemeClr val="tx1"/>
-                </a:solidFill>
-              </a:rPr>
-              <a:t>Game 1.1</a:t>
-            </a:r>
-          </a:p>
-        </p:txBody>
-      </p:sp>
-      <p:cxnSp>
-        <p:nvCxnSpPr>
-          <p:cNvPr id="16" name="Gerade Verbindung mit Pfeil 15"/>
-          <p:cNvCxnSpPr>
-            <a:stCxn id="8" idx="1"/>
-            <a:endCxn id="13" idx="4"/>
-          </p:cNvCxnSpPr>
-          <p:nvPr/>
-        </p:nvCxnSpPr>
-        <p:spPr>
-          <a:xfrm flipH="1" flipV="1">
-            <a:off x="5720600" y="4880062"/>
-            <a:ext cx="796039" cy="404302"/>
-          </a:xfrm>
-          <a:prstGeom prst="straightConnector1">
-            <a:avLst/>
-          </a:prstGeom>
-          <a:ln w="28575">
-            <a:solidFill>
-              <a:schemeClr val="tx1"/>
-            </a:solidFill>
-            <a:tailEnd type="arrow"/>
-          </a:ln>
-        </p:spPr>
-        <p:style>
-          <a:lnRef idx="1">
-            <a:schemeClr val="accent1"/>
-          </a:lnRef>
-          <a:fillRef idx="0">
-            <a:schemeClr val="accent1"/>
-          </a:fillRef>
-          <a:effectRef idx="0">
-            <a:schemeClr val="accent1"/>
-          </a:effectRef>
-          <a:fontRef idx="minor">
-            <a:schemeClr val="tx1"/>
-          </a:fontRef>
-        </p:style>
-      </p:cxnSp>
-      <p:cxnSp>
-        <p:nvCxnSpPr>
-          <p:cNvPr id="30" name="Gerade Verbindung mit Pfeil 29"/>
-          <p:cNvCxnSpPr>
-            <a:stCxn id="13" idx="7"/>
-            <a:endCxn id="5" idx="4"/>
-          </p:cNvCxnSpPr>
-          <p:nvPr/>
-        </p:nvCxnSpPr>
-        <p:spPr>
-          <a:xfrm flipV="1">
-            <a:off x="6064254" y="3951768"/>
-            <a:ext cx="796039" cy="227952"/>
-          </a:xfrm>
-          <a:prstGeom prst="straightConnector1">
-            <a:avLst/>
-          </a:prstGeom>
-          <a:ln w="28575">
-            <a:solidFill>
-              <a:schemeClr val="tx1"/>
-            </a:solidFill>
-            <a:tailEnd type="arrow"/>
-          </a:ln>
-        </p:spPr>
-        <p:style>
-          <a:lnRef idx="1">
-            <a:schemeClr val="accent1"/>
-          </a:lnRef>
-          <a:fillRef idx="0">
-            <a:schemeClr val="accent1"/>
-          </a:fillRef>
-          <a:effectRef idx="0">
-            <a:schemeClr val="accent1"/>
-          </a:effectRef>
-          <a:fontRef idx="minor">
-            <a:schemeClr val="tx1"/>
-          </a:fontRef>
-        </p:style>
-      </p:cxnSp>
-      <p:cxnSp>
-        <p:nvCxnSpPr>
-          <p:cNvPr id="32" name="Gerade Verbindung mit Pfeil 31"/>
-          <p:cNvCxnSpPr>
-            <a:stCxn id="12" idx="1"/>
-            <a:endCxn id="5" idx="4"/>
-          </p:cNvCxnSpPr>
-          <p:nvPr/>
-        </p:nvCxnSpPr>
-        <p:spPr>
-          <a:xfrm flipH="1" flipV="1">
-            <a:off x="6860293" y="3951768"/>
-            <a:ext cx="806638" cy="227952"/>
-          </a:xfrm>
-          <a:prstGeom prst="straightConnector1">
-            <a:avLst/>
-          </a:prstGeom>
-          <a:ln w="28575">
-            <a:solidFill>
-              <a:srgbClr val="999999"/>
-            </a:solidFill>
-            <a:tailEnd type="arrow"/>
-          </a:ln>
-        </p:spPr>
-        <p:style>
-          <a:lnRef idx="1">
-            <a:schemeClr val="accent1"/>
-          </a:lnRef>
-          <a:fillRef idx="0">
-            <a:schemeClr val="accent1"/>
-          </a:fillRef>
-          <a:effectRef idx="0">
-            <a:schemeClr val="accent1"/>
-          </a:effectRef>
-          <a:fontRef idx="minor">
-            <a:schemeClr val="tx1"/>
-          </a:fontRef>
-        </p:style>
-      </p:cxnSp>
-      <p:cxnSp>
-        <p:nvCxnSpPr>
-          <p:cNvPr id="34" name="Gerade Verbindung mit Pfeil 33"/>
-          <p:cNvCxnSpPr>
-            <a:stCxn id="5" idx="1"/>
-            <a:endCxn id="10" idx="4"/>
-          </p:cNvCxnSpPr>
-          <p:nvPr/>
-        </p:nvCxnSpPr>
-        <p:spPr>
-          <a:xfrm flipH="1" flipV="1">
-            <a:off x="5720600" y="2954733"/>
-            <a:ext cx="796039" cy="321320"/>
-          </a:xfrm>
-          <a:prstGeom prst="straightConnector1">
-            <a:avLst/>
-          </a:prstGeom>
-          <a:ln w="28575">
-            <a:solidFill>
-              <a:schemeClr val="tx1"/>
-            </a:solidFill>
-            <a:tailEnd type="arrow"/>
-          </a:ln>
-        </p:spPr>
-        <p:style>
-          <a:lnRef idx="1">
-            <a:schemeClr val="accent1"/>
-          </a:lnRef>
-          <a:fillRef idx="0">
-            <a:schemeClr val="accent1"/>
-          </a:fillRef>
-          <a:effectRef idx="0">
-            <a:schemeClr val="accent1"/>
-          </a:effectRef>
-          <a:fontRef idx="minor">
-            <a:schemeClr val="tx1"/>
-          </a:fontRef>
-        </p:style>
-      </p:cxnSp>
-      <p:cxnSp>
-        <p:nvCxnSpPr>
-          <p:cNvPr id="36" name="Gerade Verbindung mit Pfeil 35"/>
-          <p:cNvCxnSpPr>
-            <a:stCxn id="5" idx="7"/>
-            <a:endCxn id="9" idx="4"/>
-          </p:cNvCxnSpPr>
-          <p:nvPr/>
-        </p:nvCxnSpPr>
-        <p:spPr>
-          <a:xfrm flipV="1">
-            <a:off x="7203947" y="2969160"/>
-            <a:ext cx="806638" cy="306893"/>
-          </a:xfrm>
-          <a:prstGeom prst="straightConnector1">
-            <a:avLst/>
-          </a:prstGeom>
-          <a:ln w="28575">
-            <a:solidFill>
-              <a:srgbClr val="999999"/>
-            </a:solidFill>
-            <a:tailEnd type="arrow"/>
-          </a:ln>
-        </p:spPr>
-        <p:style>
-          <a:lnRef idx="1">
-            <a:schemeClr val="accent1"/>
-          </a:lnRef>
-          <a:fillRef idx="0">
-            <a:schemeClr val="accent1"/>
-          </a:fillRef>
-          <a:effectRef idx="0">
-            <a:schemeClr val="accent1"/>
-          </a:effectRef>
-          <a:fontRef idx="minor">
-            <a:schemeClr val="tx1"/>
-          </a:fontRef>
-        </p:style>
-      </p:cxnSp>
-      <p:cxnSp>
-        <p:nvCxnSpPr>
-          <p:cNvPr id="38" name="Gerade Verbindung mit Pfeil 37"/>
-          <p:cNvCxnSpPr>
-            <a:stCxn id="10" idx="0"/>
-            <a:endCxn id="11" idx="4"/>
-          </p:cNvCxnSpPr>
-          <p:nvPr/>
-        </p:nvCxnSpPr>
-        <p:spPr>
-          <a:xfrm flipV="1">
-            <a:off x="5720600" y="1780107"/>
-            <a:ext cx="1142539" cy="382977"/>
-          </a:xfrm>
-          <a:prstGeom prst="straightConnector1">
-            <a:avLst/>
-          </a:prstGeom>
-          <a:ln w="28575">
-            <a:solidFill>
-              <a:schemeClr val="tx1"/>
-            </a:solidFill>
-            <a:tailEnd type="arrow"/>
-          </a:ln>
-        </p:spPr>
-        <p:style>
-          <a:lnRef idx="1">
-            <a:schemeClr val="accent1"/>
-          </a:lnRef>
-          <a:fillRef idx="0">
-            <a:schemeClr val="accent1"/>
-          </a:fillRef>
-          <a:effectRef idx="0">
-            <a:schemeClr val="accent1"/>
-          </a:effectRef>
-          <a:fontRef idx="minor">
-            <a:schemeClr val="tx1"/>
-          </a:fontRef>
-        </p:style>
-      </p:cxnSp>
-      <p:cxnSp>
-        <p:nvCxnSpPr>
-          <p:cNvPr id="40" name="Gerade Verbindung mit Pfeil 39"/>
-          <p:cNvCxnSpPr>
-            <a:stCxn id="9" idx="0"/>
-            <a:endCxn id="11" idx="4"/>
-          </p:cNvCxnSpPr>
-          <p:nvPr/>
-        </p:nvCxnSpPr>
-        <p:spPr>
-          <a:xfrm flipH="1" flipV="1">
-            <a:off x="6863139" y="1780107"/>
-            <a:ext cx="1147446" cy="368551"/>
-          </a:xfrm>
-          <a:prstGeom prst="straightConnector1">
-            <a:avLst/>
-          </a:prstGeom>
-          <a:ln w="28575">
-            <a:solidFill>
-              <a:srgbClr val="999999"/>
-            </a:solidFill>
-            <a:tailEnd type="arrow"/>
-          </a:ln>
-        </p:spPr>
-        <p:style>
-          <a:lnRef idx="1">
-            <a:schemeClr val="accent1"/>
-          </a:lnRef>
-          <a:fillRef idx="0">
-            <a:schemeClr val="accent1"/>
-          </a:fillRef>
-          <a:effectRef idx="0">
-            <a:schemeClr val="accent1"/>
-          </a:effectRef>
-          <a:fontRef idx="minor">
-            <a:schemeClr val="tx1"/>
-          </a:fontRef>
-        </p:style>
-      </p:cxnSp>
-      <p:cxnSp>
-        <p:nvCxnSpPr>
-          <p:cNvPr id="42" name="Gerade Verbindung mit Pfeil 41"/>
-          <p:cNvCxnSpPr>
-            <a:stCxn id="8" idx="7"/>
-            <a:endCxn id="12" idx="4"/>
-          </p:cNvCxnSpPr>
-          <p:nvPr/>
-        </p:nvCxnSpPr>
-        <p:spPr>
-          <a:xfrm flipV="1">
-            <a:off x="7203947" y="4880062"/>
-            <a:ext cx="806638" cy="404302"/>
-          </a:xfrm>
-          <a:prstGeom prst="straightConnector1">
-            <a:avLst/>
-          </a:prstGeom>
-          <a:ln w="28575">
-            <a:solidFill>
-              <a:srgbClr val="999999"/>
-            </a:solidFill>
-            <a:tailEnd type="arrow"/>
-          </a:ln>
-        </p:spPr>
-        <p:style>
-          <a:lnRef idx="1">
-            <a:schemeClr val="accent1"/>
-          </a:lnRef>
-          <a:fillRef idx="0">
-            <a:schemeClr val="accent1"/>
-          </a:fillRef>
-          <a:effectRef idx="0">
-            <a:schemeClr val="accent1"/>
-          </a:effectRef>
-          <a:fontRef idx="minor">
-            <a:schemeClr val="tx1"/>
-          </a:fontRef>
-        </p:style>
-      </p:cxnSp>
     </p:spTree>
-    <p:extLst>
-      <p:ext uri="{BB962C8B-B14F-4D97-AF65-F5344CB8AC3E}">
-        <p14:creationId xmlns:p14="http://schemas.microsoft.com/office/powerpoint/2010/main" val="3011784295"/>
-      </p:ext>
-    </p:extLst>
   </p:cSld>
   <p:clrMapOvr>
     <a:masterClrMapping/>
   </p:clrMapOvr>
-  <p:timing>
-    <p:tnLst>
-      <p:par>
-        <p:cTn id="1" dur="indefinite" restart="never" nodeType="tmRoot"/>
-      </p:par>
-    </p:tnLst>
-  </p:timing>
 </p:sld>
 </file>
 
@@ -13130,12 +12991,8 @@
               <a:buChar char="•"/>
             </a:pPr>
             <a:r>
-              <a:rPr lang="en-US" dirty="0" err="1" smtClean="0"/>
-              <a:t>Cutscene</a:t>
-            </a:r>
-            <a:r>
-              <a:rPr lang="en-US" dirty="0" smtClean="0"/>
-              <a:t>: player enters the party</a:t>
+              <a:rPr lang="en-US" dirty="0"/>
+              <a:t>Third Person, over the shoulder perspective</a:t>
             </a:r>
           </a:p>
           <a:p>
@@ -13144,8 +13001,64 @@
               <a:buChar char="•"/>
             </a:pPr>
             <a:r>
-              <a:rPr lang="en-US" dirty="0" smtClean="0"/>
-              <a:t>Game:</a:t>
+              <a:rPr lang="en-US" dirty="0"/>
+              <a:t>Beamer as screen</a:t>
+            </a:r>
+          </a:p>
+          <a:p>
+            <a:pPr marL="285750" indent="-285750">
+              <a:buFont typeface="Arial" panose="020B0604020202020204" pitchFamily="34" charset="0"/>
+              <a:buChar char="•"/>
+            </a:pPr>
+            <a:r>
+              <a:rPr lang="en-US" dirty="0"/>
+              <a:t>Support left and right hand when possible</a:t>
+            </a:r>
+          </a:p>
+          <a:p>
+            <a:pPr marL="285750" indent="-285750">
+              <a:buFont typeface="Arial" panose="020B0604020202020204" pitchFamily="34" charset="0"/>
+              <a:buChar char="•"/>
+            </a:pPr>
+            <a:r>
+              <a:rPr lang="en-US" dirty="0" err="1"/>
+              <a:t>Minigames</a:t>
+            </a:r>
+            <a:endParaRPr lang="en-US" dirty="0"/>
+          </a:p>
+          <a:p>
+            <a:pPr marL="469900" lvl="2" indent="-285750">
+              <a:buFont typeface="Arial" panose="020B0604020202020204" pitchFamily="34" charset="0"/>
+              <a:buChar char="•"/>
+            </a:pPr>
+            <a:r>
+              <a:rPr lang="en-US" dirty="0"/>
+              <a:t>3 Games (might be more if enough time)</a:t>
+            </a:r>
+          </a:p>
+          <a:p>
+            <a:pPr marL="469900" lvl="2" indent="-285750">
+              <a:buFont typeface="Arial" panose="020B0604020202020204" pitchFamily="34" charset="0"/>
+              <a:buChar char="•"/>
+            </a:pPr>
+            <a:r>
+              <a:rPr lang="en-US" dirty="0"/>
+              <a:t>Start and Ending as </a:t>
+            </a:r>
+            <a:r>
+              <a:rPr lang="en-US" dirty="0" err="1"/>
+              <a:t>cutscenes</a:t>
+            </a:r>
+            <a:r>
+              <a:rPr lang="en-US" dirty="0"/>
+              <a:t>, might be </a:t>
+            </a:r>
+            <a:br>
+              <a:rPr lang="en-US" dirty="0"/>
+            </a:br>
+            <a:r>
+              <a:rPr lang="en-US" dirty="0"/>
+              <a:t>future games</a:t>
             </a:r>
           </a:p>
           <a:p>
@@ -13154,18 +13067,16 @@
               <a:buChar char="•"/>
             </a:pPr>
             <a:r>
-              <a:rPr lang="en-US" dirty="0" smtClean="0"/>
-              <a:t>player </a:t>
-            </a:r>
-            <a:r>
               <a:rPr lang="en-US" dirty="0"/>
-              <a:t>is standing in front of the camera and has a picture </a:t>
-            </a:r>
-            <a:r>
-              <a:rPr lang="en-US" dirty="0" smtClean="0"/>
-              <a:t>taken (countdown)</a:t>
-            </a:r>
-            <a:endParaRPr lang="en-US" dirty="0"/>
+              <a:t>Gestures (2-3/game)</a:t>
+            </a:r>
+            <a:endParaRPr lang="en-US" dirty="0">
+              <a:solidFill>
+                <a:schemeClr val="bg1">
+                  <a:lumMod val="75000"/>
+                </a:schemeClr>
+              </a:solidFill>
+            </a:endParaRPr>
           </a:p>
           <a:p>
             <a:pPr marL="461963" lvl="1" indent="-285750">
@@ -13173,19 +13084,32 @@
               <a:buChar char="•"/>
             </a:pPr>
             <a:r>
-              <a:rPr lang="en-US" dirty="0" smtClean="0"/>
-              <a:t>picture </a:t>
-            </a:r>
-            <a:r>
               <a:rPr lang="en-US" dirty="0"/>
-              <a:t>will be presented at the end of the game</a:t>
-            </a:r>
-          </a:p>
-          <a:p>
-            <a:endParaRPr lang="en-US" sz="2200" dirty="0" smtClean="0"/>
-          </a:p>
-          <a:p>
-            <a:endParaRPr lang="en-US" sz="2200" dirty="0" smtClean="0"/>
+              <a:t>Points for good performance</a:t>
+            </a:r>
+          </a:p>
+          <a:p>
+            <a:pPr marL="461963" lvl="1" indent="-285750">
+              <a:buFont typeface="Arial" panose="020B0604020202020204" pitchFamily="34" charset="0"/>
+              <a:buChar char="•"/>
+            </a:pPr>
+            <a:r>
+              <a:rPr lang="en-US" dirty="0"/>
+              <a:t>thematically fitting (drinking, dancing…)</a:t>
+            </a:r>
+          </a:p>
+          <a:p>
+            <a:pPr marL="285750" indent="-285750">
+              <a:buFont typeface="Arial" panose="020B0604020202020204" pitchFamily="34" charset="0"/>
+              <a:buChar char="•"/>
+            </a:pPr>
+            <a:endParaRPr lang="en-US" dirty="0"/>
+          </a:p>
+          <a:p>
+            <a:endParaRPr lang="en-US" sz="2200" dirty="0"/>
+          </a:p>
+          <a:p>
+            <a:endParaRPr lang="en-US" sz="2200" dirty="0"/>
           </a:p>
           <a:p>
             <a:endParaRPr lang="en-US" sz="2200" dirty="0"/>
@@ -13232,14 +13156,9 @@
           <a:lstStyle/>
           <a:p>
             <a:r>
-              <a:rPr lang="de-DE" dirty="0" smtClean="0"/>
-              <a:t>Konstantin Karas</a:t>
-            </a:r>
-            <a:r>
               <a:rPr lang="de-DE" dirty="0"/>
-              <a:t>, Min Ting Luong, Jakob Raith</a:t>
-            </a:r>
-            <a:endParaRPr lang="de-DE" dirty="0"/>
+              <a:t>Konstantin Karas, Min Ting Luong, Jakob Raith</a:t>
+            </a:r>
           </a:p>
         </p:txBody>
       </p:sp>
@@ -13263,20 +13182,8 @@
           <a:lstStyle/>
           <a:p>
             <a:r>
-              <a:rPr lang="de-DE" dirty="0" smtClean="0"/>
-              <a:t>Game Start: </a:t>
-            </a:r>
-            <a:r>
-              <a:rPr lang="de-DE" dirty="0" err="1" smtClean="0"/>
-              <a:t>Taking</a:t>
-            </a:r>
-            <a:r>
-              <a:rPr lang="de-DE" dirty="0" smtClean="0"/>
-              <a:t> a </a:t>
-            </a:r>
-            <a:r>
-              <a:rPr lang="de-DE" dirty="0" err="1" smtClean="0"/>
-              <a:t>photo</a:t>
+              <a:rPr lang="de-DE" dirty="0"/>
+              <a:t>Game</a:t>
             </a:r>
             <a:endParaRPr lang="de-DE" sz="3000" dirty="0"/>
           </a:p>
@@ -13334,18 +13241,13 @@
               </a:lnSpc>
             </a:pPr>
             <a:r>
-              <a:rPr lang="de-DE" sz="1400" dirty="0" smtClean="0">
+              <a:rPr lang="de-DE" sz="1400" dirty="0">
                 <a:solidFill>
                   <a:schemeClr val="tx1"/>
                 </a:solidFill>
               </a:rPr>
               <a:t>Game 2</a:t>
             </a:r>
-            <a:endParaRPr lang="de-DE" sz="1400" dirty="0" smtClean="0">
-              <a:solidFill>
-                <a:schemeClr val="tx1"/>
-              </a:solidFill>
-            </a:endParaRPr>
           </a:p>
         </p:txBody>
       </p:sp>
@@ -13359,76 +13261,6 @@
           <a:xfrm>
             <a:off x="6374293" y="5168378"/>
             <a:ext cx="972000" cy="792000"/>
-          </a:xfrm>
-          <a:prstGeom prst="ellipse">
-            <a:avLst/>
-          </a:prstGeom>
-          <a:noFill/>
-          <a:ln>
-            <a:solidFill>
-              <a:schemeClr val="tx2">
-                <a:lumMod val="75000"/>
-                <a:lumOff val="25000"/>
-              </a:schemeClr>
-            </a:solidFill>
-          </a:ln>
-        </p:spPr>
-        <p:style>
-          <a:lnRef idx="2">
-            <a:schemeClr val="accent1">
-              <a:shade val="50000"/>
-            </a:schemeClr>
-          </a:lnRef>
-          <a:fillRef idx="1">
-            <a:schemeClr val="accent1"/>
-          </a:fillRef>
-          <a:effectRef idx="0">
-            <a:schemeClr val="accent1"/>
-          </a:effectRef>
-          <a:fontRef idx="minor">
-            <a:schemeClr val="lt1"/>
-          </a:fontRef>
-        </p:style>
-        <p:txBody>
-          <a:bodyPr rot="0" spcFirstLastPara="0" vertOverflow="overflow" horzOverflow="overflow" vert="horz" wrap="square" lIns="91440" tIns="45720" rIns="91440" bIns="45720" numCol="1" spcCol="0" rtlCol="0" fromWordArt="0" anchor="ctr" anchorCtr="0" forceAA="0" compatLnSpc="1">
-            <a:prstTxWarp prst="textNoShape">
-              <a:avLst/>
-            </a:prstTxWarp>
-            <a:noAutofit/>
-          </a:bodyPr>
-          <a:lstStyle/>
-          <a:p>
-            <a:pPr algn="ctr">
-              <a:lnSpc>
-                <a:spcPct val="114000"/>
-              </a:lnSpc>
-            </a:pPr>
-            <a:r>
-              <a:rPr lang="de-DE" sz="1400" dirty="0" err="1" smtClean="0">
-                <a:solidFill>
-                  <a:srgbClr val="999999"/>
-                </a:solidFill>
-              </a:rPr>
-              <a:t>GameStart</a:t>
-            </a:r>
-            <a:endParaRPr lang="de-DE" sz="1400" dirty="0" smtClean="0">
-              <a:solidFill>
-                <a:srgbClr val="999999"/>
-              </a:solidFill>
-            </a:endParaRPr>
-          </a:p>
-        </p:txBody>
-      </p:sp>
-      <p:sp>
-        <p:nvSpPr>
-          <p:cNvPr id="9" name="Ellipse 8"/>
-          <p:cNvSpPr/>
-          <p:nvPr/>
-        </p:nvSpPr>
-        <p:spPr>
-          <a:xfrm>
-            <a:off x="7524585" y="2148658"/>
-            <a:ext cx="972000" cy="820502"/>
           </a:xfrm>
           <a:prstGeom prst="ellipse">
             <a:avLst/>
@@ -13463,7 +13295,7 @@
             <a:prstTxWarp prst="textNoShape">
               <a:avLst/>
             </a:prstTxWarp>
-            <a:spAutoFit/>
+            <a:noAutofit/>
           </a:bodyPr>
           <a:lstStyle/>
           <a:p>
@@ -13473,90 +13305,31 @@
               </a:lnSpc>
             </a:pPr>
             <a:r>
-              <a:rPr lang="de-DE" sz="1400" dirty="0" smtClean="0">
+              <a:rPr lang="de-DE" sz="1400" dirty="0" err="1">
                 <a:solidFill>
-                  <a:schemeClr val="bg1">
-                    <a:lumMod val="65000"/>
-                  </a:schemeClr>
+                  <a:srgbClr val="999999"/>
                 </a:solidFill>
               </a:rPr>
-              <a:t>Game 3.2</a:t>
-            </a:r>
-          </a:p>
-        </p:txBody>
-      </p:sp>
-      <p:sp>
-        <p:nvSpPr>
-          <p:cNvPr id="10" name="Ellipse 9"/>
+              <a:t>GameStart</a:t>
+            </a:r>
+            <a:endParaRPr lang="de-DE" sz="1400" dirty="0">
+              <a:solidFill>
+                <a:srgbClr val="999999"/>
+              </a:solidFill>
+            </a:endParaRPr>
+          </a:p>
+        </p:txBody>
+      </p:sp>
+      <p:sp>
+        <p:nvSpPr>
+          <p:cNvPr id="9" name="Ellipse 8"/>
           <p:cNvSpPr/>
           <p:nvPr/>
         </p:nvSpPr>
         <p:spPr>
           <a:xfrm>
-            <a:off x="5234600" y="2163084"/>
-            <a:ext cx="972000" cy="791649"/>
-          </a:xfrm>
-          <a:prstGeom prst="ellipse">
-            <a:avLst/>
-          </a:prstGeom>
-          <a:noFill/>
-          <a:ln>
-            <a:solidFill>
-              <a:schemeClr val="tx1"/>
-            </a:solidFill>
-          </a:ln>
-        </p:spPr>
-        <p:style>
-          <a:lnRef idx="2">
-            <a:schemeClr val="accent1">
-              <a:shade val="50000"/>
-            </a:schemeClr>
-          </a:lnRef>
-          <a:fillRef idx="1">
-            <a:schemeClr val="accent1"/>
-          </a:fillRef>
-          <a:effectRef idx="0">
-            <a:schemeClr val="accent1"/>
-          </a:effectRef>
-          <a:fontRef idx="minor">
-            <a:schemeClr val="lt1"/>
-          </a:fontRef>
-        </p:style>
-        <p:txBody>
-          <a:bodyPr rot="0" spcFirstLastPara="0" vertOverflow="overflow" horzOverflow="overflow" vert="horz" wrap="square" lIns="91440" tIns="45720" rIns="91440" bIns="45720" numCol="1" spcCol="0" rtlCol="0" fromWordArt="0" anchor="ctr" anchorCtr="0" forceAA="0" compatLnSpc="1">
-            <a:prstTxWarp prst="textNoShape">
-              <a:avLst/>
-            </a:prstTxWarp>
-            <a:spAutoFit/>
-          </a:bodyPr>
-          <a:lstStyle/>
-          <a:p>
-            <a:pPr algn="ctr">
-              <a:lnSpc>
-                <a:spcPct val="114000"/>
-              </a:lnSpc>
-            </a:pPr>
-            <a:r>
-              <a:rPr lang="de-DE" sz="1400" dirty="0" smtClean="0">
-                <a:solidFill>
-                  <a:schemeClr val="tx1"/>
-                </a:solidFill>
-              </a:rPr>
-              <a:t>Game 3.1</a:t>
-            </a:r>
-          </a:p>
-        </p:txBody>
-      </p:sp>
-      <p:sp>
-        <p:nvSpPr>
-          <p:cNvPr id="11" name="Ellipse 10"/>
-          <p:cNvSpPr/>
-          <p:nvPr/>
-        </p:nvSpPr>
-        <p:spPr>
-          <a:xfrm>
-            <a:off x="6374418" y="959605"/>
-            <a:ext cx="977441" cy="820502"/>
+            <a:off x="7524585" y="2148658"/>
+            <a:ext cx="972000" cy="820502"/>
           </a:xfrm>
           <a:prstGeom prst="ellipse">
             <a:avLst/>
@@ -13601,35 +13374,90 @@
               </a:lnSpc>
             </a:pPr>
             <a:r>
-              <a:rPr lang="de-DE" sz="1400" dirty="0" smtClean="0">
+              <a:rPr lang="de-DE" sz="1400" dirty="0">
                 <a:solidFill>
                   <a:schemeClr val="bg1">
                     <a:lumMod val="65000"/>
                   </a:schemeClr>
                 </a:solidFill>
               </a:rPr>
-              <a:t>Game End</a:t>
-            </a:r>
-            <a:endParaRPr lang="de-DE" sz="1400" dirty="0" smtClean="0">
-              <a:solidFill>
-                <a:schemeClr val="bg1">
-                  <a:lumMod val="65000"/>
-                </a:schemeClr>
-              </a:solidFill>
-            </a:endParaRPr>
-          </a:p>
-        </p:txBody>
-      </p:sp>
-      <p:sp>
-        <p:nvSpPr>
-          <p:cNvPr id="12" name="Ellipse 11"/>
+              <a:t>Game 3.2</a:t>
+            </a:r>
+          </a:p>
+        </p:txBody>
+      </p:sp>
+      <p:sp>
+        <p:nvSpPr>
+          <p:cNvPr id="10" name="Ellipse 9"/>
           <p:cNvSpPr/>
           <p:nvPr/>
         </p:nvSpPr>
         <p:spPr>
           <a:xfrm>
-            <a:off x="7524585" y="4059560"/>
-            <a:ext cx="972000" cy="820502"/>
+            <a:off x="5234600" y="2163084"/>
+            <a:ext cx="972000" cy="791649"/>
+          </a:xfrm>
+          <a:prstGeom prst="ellipse">
+            <a:avLst/>
+          </a:prstGeom>
+          <a:noFill/>
+          <a:ln>
+            <a:solidFill>
+              <a:schemeClr val="tx1"/>
+            </a:solidFill>
+          </a:ln>
+        </p:spPr>
+        <p:style>
+          <a:lnRef idx="2">
+            <a:schemeClr val="accent1">
+              <a:shade val="50000"/>
+            </a:schemeClr>
+          </a:lnRef>
+          <a:fillRef idx="1">
+            <a:schemeClr val="accent1"/>
+          </a:fillRef>
+          <a:effectRef idx="0">
+            <a:schemeClr val="accent1"/>
+          </a:effectRef>
+          <a:fontRef idx="minor">
+            <a:schemeClr val="lt1"/>
+          </a:fontRef>
+        </p:style>
+        <p:txBody>
+          <a:bodyPr rot="0" spcFirstLastPara="0" vertOverflow="overflow" horzOverflow="overflow" vert="horz" wrap="square" lIns="91440" tIns="45720" rIns="91440" bIns="45720" numCol="1" spcCol="0" rtlCol="0" fromWordArt="0" anchor="ctr" anchorCtr="0" forceAA="0" compatLnSpc="1">
+            <a:prstTxWarp prst="textNoShape">
+              <a:avLst/>
+            </a:prstTxWarp>
+            <a:spAutoFit/>
+          </a:bodyPr>
+          <a:lstStyle/>
+          <a:p>
+            <a:pPr algn="ctr">
+              <a:lnSpc>
+                <a:spcPct val="114000"/>
+              </a:lnSpc>
+            </a:pPr>
+            <a:r>
+              <a:rPr lang="de-DE" sz="1400" dirty="0">
+                <a:solidFill>
+                  <a:schemeClr val="tx1"/>
+                </a:solidFill>
+              </a:rPr>
+              <a:t>Game 3.1</a:t>
+            </a:r>
+          </a:p>
+        </p:txBody>
+      </p:sp>
+      <p:sp>
+        <p:nvSpPr>
+          <p:cNvPr id="11" name="Ellipse 10"/>
+          <p:cNvSpPr/>
+          <p:nvPr/>
+        </p:nvSpPr>
+        <p:spPr>
+          <a:xfrm>
+            <a:off x="6374418" y="959605"/>
+            <a:ext cx="977441" cy="820502"/>
           </a:xfrm>
           <a:prstGeom prst="ellipse">
             <a:avLst/>
@@ -13674,25 +13502,27 @@
               </a:lnSpc>
             </a:pPr>
             <a:r>
-              <a:rPr lang="de-DE" sz="1400" dirty="0" smtClean="0">
+              <a:rPr lang="de-DE" sz="1400" dirty="0">
                 <a:solidFill>
-                  <a:srgbClr val="999999"/>
+                  <a:schemeClr val="bg1">
+                    <a:lumMod val="65000"/>
+                  </a:schemeClr>
                 </a:solidFill>
               </a:rPr>
-              <a:t>Game 1.2</a:t>
-            </a:r>
-          </a:p>
-        </p:txBody>
-      </p:sp>
-      <p:sp>
-        <p:nvSpPr>
-          <p:cNvPr id="13" name="Ellipse 12"/>
+              <a:t>Game End</a:t>
+            </a:r>
+          </a:p>
+        </p:txBody>
+      </p:sp>
+      <p:sp>
+        <p:nvSpPr>
+          <p:cNvPr id="12" name="Ellipse 11"/>
           <p:cNvSpPr/>
           <p:nvPr/>
         </p:nvSpPr>
         <p:spPr>
           <a:xfrm>
-            <a:off x="5234600" y="4059560"/>
+            <a:off x="7524585" y="4059560"/>
             <a:ext cx="972000" cy="820502"/>
           </a:xfrm>
           <a:prstGeom prst="ellipse">
@@ -13701,7 +13531,9 @@
           <a:noFill/>
           <a:ln>
             <a:solidFill>
-              <a:schemeClr val="tx1"/>
+              <a:schemeClr val="bg1">
+                <a:lumMod val="65000"/>
+              </a:schemeClr>
             </a:solidFill>
           </a:ln>
         </p:spPr>
@@ -13736,7 +13568,69 @@
               </a:lnSpc>
             </a:pPr>
             <a:r>
-              <a:rPr lang="de-DE" sz="1400" dirty="0" smtClean="0">
+              <a:rPr lang="de-DE" sz="1400" dirty="0">
+                <a:solidFill>
+                  <a:srgbClr val="999999"/>
+                </a:solidFill>
+              </a:rPr>
+              <a:t>Game 1.2</a:t>
+            </a:r>
+          </a:p>
+        </p:txBody>
+      </p:sp>
+      <p:sp>
+        <p:nvSpPr>
+          <p:cNvPr id="13" name="Ellipse 12"/>
+          <p:cNvSpPr/>
+          <p:nvPr/>
+        </p:nvSpPr>
+        <p:spPr>
+          <a:xfrm>
+            <a:off x="5234600" y="4059560"/>
+            <a:ext cx="972000" cy="820502"/>
+          </a:xfrm>
+          <a:prstGeom prst="ellipse">
+            <a:avLst/>
+          </a:prstGeom>
+          <a:noFill/>
+          <a:ln>
+            <a:solidFill>
+              <a:schemeClr val="tx1"/>
+            </a:solidFill>
+          </a:ln>
+        </p:spPr>
+        <p:style>
+          <a:lnRef idx="2">
+            <a:schemeClr val="accent1">
+              <a:shade val="50000"/>
+            </a:schemeClr>
+          </a:lnRef>
+          <a:fillRef idx="1">
+            <a:schemeClr val="accent1"/>
+          </a:fillRef>
+          <a:effectRef idx="0">
+            <a:schemeClr val="accent1"/>
+          </a:effectRef>
+          <a:fontRef idx="minor">
+            <a:schemeClr val="lt1"/>
+          </a:fontRef>
+        </p:style>
+        <p:txBody>
+          <a:bodyPr rot="0" spcFirstLastPara="0" vertOverflow="overflow" horzOverflow="overflow" vert="horz" wrap="square" lIns="91440" tIns="45720" rIns="91440" bIns="45720" numCol="1" spcCol="0" rtlCol="0" fromWordArt="0" anchor="ctr" anchorCtr="0" forceAA="0" compatLnSpc="1">
+            <a:prstTxWarp prst="textNoShape">
+              <a:avLst/>
+            </a:prstTxWarp>
+            <a:spAutoFit/>
+          </a:bodyPr>
+          <a:lstStyle/>
+          <a:p>
+            <a:pPr algn="ctr">
+              <a:lnSpc>
+                <a:spcPct val="114000"/>
+              </a:lnSpc>
+            </a:pPr>
+            <a:r>
+              <a:rPr lang="de-DE" sz="1400" dirty="0">
                 <a:solidFill>
                   <a:schemeClr val="tx1"/>
                 </a:solidFill>
@@ -14061,20 +13955,13 @@
     </p:spTree>
     <p:extLst>
       <p:ext uri="{BB962C8B-B14F-4D97-AF65-F5344CB8AC3E}">
-        <p14:creationId xmlns:p14="http://schemas.microsoft.com/office/powerpoint/2010/main" val="2261604825"/>
+        <p14:creationId xmlns:p14="http://schemas.microsoft.com/office/powerpoint/2010/main" val="3011784295"/>
       </p:ext>
     </p:extLst>
   </p:cSld>
   <p:clrMapOvr>
     <a:masterClrMapping/>
   </p:clrMapOvr>
-  <p:timing>
-    <p:tnLst>
-      <p:par>
-        <p:cTn id="1" dur="indefinite" restart="never" nodeType="tmRoot"/>
-      </p:par>
-    </p:tnLst>
-  </p:timing>
 </p:sld>
 </file>
 
@@ -14120,18 +14007,23 @@
               <a:buChar char="•"/>
             </a:pPr>
             <a:r>
-              <a:rPr lang="en-US" dirty="0" smtClean="0"/>
-              <a:t>Gesture </a:t>
+              <a:rPr lang="en-US" dirty="0" err="1"/>
+              <a:t>Cutscene</a:t>
             </a:r>
             <a:r>
               <a:rPr lang="en-US" dirty="0"/>
-              <a:t>1: Tip </a:t>
-            </a:r>
-            <a:r>
-              <a:rPr lang="en-US" dirty="0" smtClean="0"/>
-              <a:t>your hat </a:t>
-            </a:r>
-            <a:endParaRPr lang="en-US" dirty="0"/>
+              <a:t>: player enters the party</a:t>
+            </a:r>
+          </a:p>
+          <a:p>
+            <a:pPr marL="285750" indent="-285750">
+              <a:buFont typeface="Arial" panose="020B0604020202020204" pitchFamily="34" charset="0"/>
+              <a:buChar char="•"/>
+            </a:pPr>
+            <a:r>
+              <a:rPr lang="en-US" dirty="0"/>
+              <a:t>Game:</a:t>
+            </a:r>
           </a:p>
           <a:p>
             <a:pPr marL="461963" lvl="1" indent="-285750">
@@ -14139,14 +14031,9 @@
               <a:buChar char="•"/>
             </a:pPr>
             <a:r>
-              <a:rPr lang="en-US" dirty="0" smtClean="0"/>
-              <a:t>Raise </a:t>
-            </a:r>
-            <a:r>
               <a:rPr lang="en-US" dirty="0"/>
-              <a:t>a hand to the head </a:t>
-            </a:r>
-            <a:endParaRPr lang="en-US" dirty="0" smtClean="0"/>
+              <a:t>player is standing in front of the camera and has a picture taken (countdown)</a:t>
+            </a:r>
           </a:p>
           <a:p>
             <a:pPr marL="461963" lvl="1" indent="-285750">
@@ -14154,79 +14041,15 @@
               <a:buChar char="•"/>
             </a:pPr>
             <a:r>
-              <a:rPr lang="en-US" dirty="0" smtClean="0"/>
-              <a:t>Move </a:t>
-            </a:r>
-            <a:r>
               <a:rPr lang="en-US" dirty="0"/>
-              <a:t>hand forward and to the </a:t>
-            </a:r>
-            <a:r>
-              <a:rPr lang="en-US" dirty="0" smtClean="0"/>
-              <a:t>side</a:t>
-            </a:r>
-          </a:p>
-          <a:p>
-            <a:pPr marL="285750" indent="-285750">
-              <a:buFont typeface="Arial" panose="020B0604020202020204" pitchFamily="34" charset="0"/>
-              <a:buChar char="•"/>
-            </a:pPr>
-            <a:r>
-              <a:rPr lang="en-US" dirty="0" smtClean="0"/>
-              <a:t>Gesture </a:t>
-            </a:r>
-            <a:r>
-              <a:rPr lang="en-US" dirty="0"/>
-              <a:t>2: </a:t>
-            </a:r>
-            <a:r>
-              <a:rPr lang="en-US" dirty="0" smtClean="0"/>
-              <a:t>drink an aperitif</a:t>
-            </a:r>
-          </a:p>
-          <a:p>
-            <a:pPr marL="461963" lvl="1" indent="-285750">
-              <a:buFont typeface="Arial" panose="020B0604020202020204" pitchFamily="34" charset="0"/>
-              <a:buChar char="•"/>
-            </a:pPr>
-            <a:r>
-              <a:rPr lang="en-US" dirty="0" smtClean="0"/>
-              <a:t>Raise </a:t>
-            </a:r>
-            <a:r>
-              <a:rPr lang="en-US" dirty="0"/>
-              <a:t>a hand to your throat </a:t>
-            </a:r>
-            <a:endParaRPr lang="en-US" dirty="0" smtClean="0"/>
-          </a:p>
-          <a:p>
-            <a:pPr marL="461963" lvl="1" indent="-285750">
-              <a:buFont typeface="Arial" panose="020B0604020202020204" pitchFamily="34" charset="0"/>
-              <a:buChar char="•"/>
-            </a:pPr>
-            <a:r>
-              <a:rPr lang="en-US" dirty="0" smtClean="0"/>
-              <a:t>Tilt </a:t>
-            </a:r>
-            <a:r>
-              <a:rPr lang="en-US" dirty="0"/>
-              <a:t>your head backwards and raise your </a:t>
-            </a:r>
-            <a:r>
-              <a:rPr lang="en-US" dirty="0" smtClean="0"/>
-              <a:t>elbow</a:t>
-            </a:r>
-          </a:p>
-          <a:p>
-            <a:pPr marL="461963" lvl="1" indent="-285750">
-              <a:buFont typeface="Arial" panose="020B0604020202020204" pitchFamily="34" charset="0"/>
-              <a:buChar char="•"/>
-            </a:pPr>
-            <a:r>
-              <a:rPr lang="en-US" dirty="0" smtClean="0"/>
-              <a:t>Interaction: grab / put glass back</a:t>
-            </a:r>
-            <a:endParaRPr lang="en-US" sz="2200" dirty="0" smtClean="0"/>
+              <a:t>picture will be presented at the end of the game</a:t>
+            </a:r>
+          </a:p>
+          <a:p>
+            <a:endParaRPr lang="en-US" sz="2200" dirty="0"/>
+          </a:p>
+          <a:p>
+            <a:endParaRPr lang="en-US" sz="2200" dirty="0"/>
           </a:p>
           <a:p>
             <a:endParaRPr lang="en-US" sz="2200" dirty="0"/>
@@ -14273,14 +14096,9 @@
           <a:lstStyle/>
           <a:p>
             <a:r>
-              <a:rPr lang="de-DE" dirty="0" smtClean="0"/>
-              <a:t>Konstantin Karas</a:t>
-            </a:r>
-            <a:r>
               <a:rPr lang="de-DE" dirty="0"/>
-              <a:t>, Min Ting Luong, Jakob Raith</a:t>
-            </a:r>
-            <a:endParaRPr lang="de-DE" dirty="0"/>
+              <a:t>Konstantin Karas, Min Ting Luong, Jakob Raith</a:t>
+            </a:r>
           </a:p>
         </p:txBody>
       </p:sp>
@@ -14304,32 +14122,20 @@
           <a:lstStyle/>
           <a:p>
             <a:r>
-              <a:rPr lang="de-DE" dirty="0" smtClean="0"/>
-              <a:t>Game 1.1: </a:t>
-            </a:r>
-            <a:r>
-              <a:rPr lang="de-DE" dirty="0" err="1" smtClean="0"/>
-              <a:t>Meet</a:t>
-            </a:r>
-            <a:r>
-              <a:rPr lang="de-DE" dirty="0" smtClean="0"/>
-              <a:t> </a:t>
-            </a:r>
-            <a:r>
-              <a:rPr lang="de-DE" dirty="0" err="1" smtClean="0"/>
-              <a:t>guests</a:t>
-            </a:r>
-            <a:r>
-              <a:rPr lang="de-DE" dirty="0" smtClean="0"/>
-              <a:t> at </a:t>
-            </a:r>
-            <a:r>
-              <a:rPr lang="de-DE" dirty="0" err="1" smtClean="0"/>
-              <a:t>the</a:t>
-            </a:r>
-            <a:r>
-              <a:rPr lang="de-DE" dirty="0" smtClean="0"/>
-              <a:t> bar</a:t>
+              <a:rPr lang="de-DE" dirty="0"/>
+              <a:t>Game Start: </a:t>
+            </a:r>
+            <a:r>
+              <a:rPr lang="de-DE" dirty="0" err="1"/>
+              <a:t>Taking</a:t>
+            </a:r>
+            <a:r>
+              <a:rPr lang="de-DE" dirty="0"/>
+              <a:t> a </a:t>
+            </a:r>
+            <a:r>
+              <a:rPr lang="de-DE" dirty="0" err="1"/>
+              <a:t>photo</a:t>
             </a:r>
             <a:endParaRPr lang="de-DE" sz="3000" dirty="0"/>
           </a:p>
@@ -14387,18 +14193,13 @@
               </a:lnSpc>
             </a:pPr>
             <a:r>
-              <a:rPr lang="de-DE" sz="1400" dirty="0" smtClean="0">
+              <a:rPr lang="de-DE" sz="1400" dirty="0">
                 <a:solidFill>
                   <a:schemeClr val="tx1"/>
                 </a:solidFill>
               </a:rPr>
               <a:t>Game 2</a:t>
             </a:r>
-            <a:endParaRPr lang="de-DE" sz="1400" dirty="0" smtClean="0">
-              <a:solidFill>
-                <a:schemeClr val="tx1"/>
-              </a:solidFill>
-            </a:endParaRPr>
           </a:p>
         </p:txBody>
       </p:sp>
@@ -14412,338 +14213,6 @@
           <a:xfrm>
             <a:off x="6374293" y="5168378"/>
             <a:ext cx="972000" cy="792000"/>
-          </a:xfrm>
-          <a:prstGeom prst="ellipse">
-            <a:avLst/>
-          </a:prstGeom>
-          <a:noFill/>
-          <a:ln>
-            <a:solidFill>
-              <a:srgbClr val="999999"/>
-            </a:solidFill>
-          </a:ln>
-        </p:spPr>
-        <p:style>
-          <a:lnRef idx="2">
-            <a:schemeClr val="accent1">
-              <a:shade val="50000"/>
-            </a:schemeClr>
-          </a:lnRef>
-          <a:fillRef idx="1">
-            <a:schemeClr val="accent1"/>
-          </a:fillRef>
-          <a:effectRef idx="0">
-            <a:schemeClr val="accent1"/>
-          </a:effectRef>
-          <a:fontRef idx="minor">
-            <a:schemeClr val="lt1"/>
-          </a:fontRef>
-        </p:style>
-        <p:txBody>
-          <a:bodyPr rot="0" spcFirstLastPara="0" vertOverflow="overflow" horzOverflow="overflow" vert="horz" wrap="square" lIns="91440" tIns="45720" rIns="91440" bIns="45720" numCol="1" spcCol="0" rtlCol="0" fromWordArt="0" anchor="ctr" anchorCtr="0" forceAA="0" compatLnSpc="1">
-            <a:prstTxWarp prst="textNoShape">
-              <a:avLst/>
-            </a:prstTxWarp>
-            <a:noAutofit/>
-          </a:bodyPr>
-          <a:lstStyle/>
-          <a:p>
-            <a:pPr algn="ctr">
-              <a:lnSpc>
-                <a:spcPct val="114000"/>
-              </a:lnSpc>
-            </a:pPr>
-            <a:r>
-              <a:rPr lang="de-DE" sz="1400" dirty="0" err="1" smtClean="0">
-                <a:solidFill>
-                  <a:srgbClr val="999999"/>
-                </a:solidFill>
-              </a:rPr>
-              <a:t>GameStart</a:t>
-            </a:r>
-            <a:endParaRPr lang="de-DE" sz="1400" dirty="0" smtClean="0">
-              <a:solidFill>
-                <a:srgbClr val="999999"/>
-              </a:solidFill>
-            </a:endParaRPr>
-          </a:p>
-        </p:txBody>
-      </p:sp>
-      <p:sp>
-        <p:nvSpPr>
-          <p:cNvPr id="9" name="Ellipse 8"/>
-          <p:cNvSpPr/>
-          <p:nvPr/>
-        </p:nvSpPr>
-        <p:spPr>
-          <a:xfrm>
-            <a:off x="7524585" y="2148658"/>
-            <a:ext cx="972000" cy="820502"/>
-          </a:xfrm>
-          <a:prstGeom prst="ellipse">
-            <a:avLst/>
-          </a:prstGeom>
-          <a:noFill/>
-          <a:ln>
-            <a:solidFill>
-              <a:schemeClr val="bg1">
-                <a:lumMod val="65000"/>
-              </a:schemeClr>
-            </a:solidFill>
-          </a:ln>
-        </p:spPr>
-        <p:style>
-          <a:lnRef idx="2">
-            <a:schemeClr val="accent1">
-              <a:shade val="50000"/>
-            </a:schemeClr>
-          </a:lnRef>
-          <a:fillRef idx="1">
-            <a:schemeClr val="accent1"/>
-          </a:fillRef>
-          <a:effectRef idx="0">
-            <a:schemeClr val="accent1"/>
-          </a:effectRef>
-          <a:fontRef idx="minor">
-            <a:schemeClr val="lt1"/>
-          </a:fontRef>
-        </p:style>
-        <p:txBody>
-          <a:bodyPr rot="0" spcFirstLastPara="0" vertOverflow="overflow" horzOverflow="overflow" vert="horz" wrap="square" lIns="91440" tIns="45720" rIns="91440" bIns="45720" numCol="1" spcCol="0" rtlCol="0" fromWordArt="0" anchor="ctr" anchorCtr="0" forceAA="0" compatLnSpc="1">
-            <a:prstTxWarp prst="textNoShape">
-              <a:avLst/>
-            </a:prstTxWarp>
-            <a:spAutoFit/>
-          </a:bodyPr>
-          <a:lstStyle/>
-          <a:p>
-            <a:pPr algn="ctr">
-              <a:lnSpc>
-                <a:spcPct val="114000"/>
-              </a:lnSpc>
-            </a:pPr>
-            <a:r>
-              <a:rPr lang="de-DE" sz="1400" dirty="0" smtClean="0">
-                <a:solidFill>
-                  <a:schemeClr val="bg1">
-                    <a:lumMod val="65000"/>
-                  </a:schemeClr>
-                </a:solidFill>
-              </a:rPr>
-              <a:t>Game 3.2</a:t>
-            </a:r>
-          </a:p>
-        </p:txBody>
-      </p:sp>
-      <p:sp>
-        <p:nvSpPr>
-          <p:cNvPr id="10" name="Ellipse 9"/>
-          <p:cNvSpPr/>
-          <p:nvPr/>
-        </p:nvSpPr>
-        <p:spPr>
-          <a:xfrm>
-            <a:off x="5234600" y="2163084"/>
-            <a:ext cx="972000" cy="791649"/>
-          </a:xfrm>
-          <a:prstGeom prst="ellipse">
-            <a:avLst/>
-          </a:prstGeom>
-          <a:noFill/>
-          <a:ln>
-            <a:solidFill>
-              <a:schemeClr val="tx1"/>
-            </a:solidFill>
-          </a:ln>
-        </p:spPr>
-        <p:style>
-          <a:lnRef idx="2">
-            <a:schemeClr val="accent1">
-              <a:shade val="50000"/>
-            </a:schemeClr>
-          </a:lnRef>
-          <a:fillRef idx="1">
-            <a:schemeClr val="accent1"/>
-          </a:fillRef>
-          <a:effectRef idx="0">
-            <a:schemeClr val="accent1"/>
-          </a:effectRef>
-          <a:fontRef idx="minor">
-            <a:schemeClr val="lt1"/>
-          </a:fontRef>
-        </p:style>
-        <p:txBody>
-          <a:bodyPr rot="0" spcFirstLastPara="0" vertOverflow="overflow" horzOverflow="overflow" vert="horz" wrap="square" lIns="91440" tIns="45720" rIns="91440" bIns="45720" numCol="1" spcCol="0" rtlCol="0" fromWordArt="0" anchor="ctr" anchorCtr="0" forceAA="0" compatLnSpc="1">
-            <a:prstTxWarp prst="textNoShape">
-              <a:avLst/>
-            </a:prstTxWarp>
-            <a:spAutoFit/>
-          </a:bodyPr>
-          <a:lstStyle/>
-          <a:p>
-            <a:pPr algn="ctr">
-              <a:lnSpc>
-                <a:spcPct val="114000"/>
-              </a:lnSpc>
-            </a:pPr>
-            <a:r>
-              <a:rPr lang="de-DE" sz="1400" dirty="0" smtClean="0">
-                <a:solidFill>
-                  <a:schemeClr val="tx1"/>
-                </a:solidFill>
-              </a:rPr>
-              <a:t>Game 3.1</a:t>
-            </a:r>
-          </a:p>
-        </p:txBody>
-      </p:sp>
-      <p:sp>
-        <p:nvSpPr>
-          <p:cNvPr id="11" name="Ellipse 10"/>
-          <p:cNvSpPr/>
-          <p:nvPr/>
-        </p:nvSpPr>
-        <p:spPr>
-          <a:xfrm>
-            <a:off x="6374418" y="959605"/>
-            <a:ext cx="977441" cy="820502"/>
-          </a:xfrm>
-          <a:prstGeom prst="ellipse">
-            <a:avLst/>
-          </a:prstGeom>
-          <a:noFill/>
-          <a:ln>
-            <a:solidFill>
-              <a:schemeClr val="bg1">
-                <a:lumMod val="65000"/>
-              </a:schemeClr>
-            </a:solidFill>
-          </a:ln>
-        </p:spPr>
-        <p:style>
-          <a:lnRef idx="2">
-            <a:schemeClr val="accent1">
-              <a:shade val="50000"/>
-            </a:schemeClr>
-          </a:lnRef>
-          <a:fillRef idx="1">
-            <a:schemeClr val="accent1"/>
-          </a:fillRef>
-          <a:effectRef idx="0">
-            <a:schemeClr val="accent1"/>
-          </a:effectRef>
-          <a:fontRef idx="minor">
-            <a:schemeClr val="lt1"/>
-          </a:fontRef>
-        </p:style>
-        <p:txBody>
-          <a:bodyPr rot="0" spcFirstLastPara="0" vertOverflow="overflow" horzOverflow="overflow" vert="horz" wrap="square" lIns="91440" tIns="45720" rIns="91440" bIns="45720" numCol="1" spcCol="0" rtlCol="0" fromWordArt="0" anchor="ctr" anchorCtr="0" forceAA="0" compatLnSpc="1">
-            <a:prstTxWarp prst="textNoShape">
-              <a:avLst/>
-            </a:prstTxWarp>
-            <a:spAutoFit/>
-          </a:bodyPr>
-          <a:lstStyle/>
-          <a:p>
-            <a:pPr algn="ctr">
-              <a:lnSpc>
-                <a:spcPct val="114000"/>
-              </a:lnSpc>
-            </a:pPr>
-            <a:r>
-              <a:rPr lang="de-DE" sz="1400" dirty="0" smtClean="0">
-                <a:solidFill>
-                  <a:schemeClr val="bg1">
-                    <a:lumMod val="65000"/>
-                  </a:schemeClr>
-                </a:solidFill>
-              </a:rPr>
-              <a:t>Game End</a:t>
-            </a:r>
-            <a:endParaRPr lang="de-DE" sz="1400" dirty="0" smtClean="0">
-              <a:solidFill>
-                <a:schemeClr val="bg1">
-                  <a:lumMod val="65000"/>
-                </a:schemeClr>
-              </a:solidFill>
-            </a:endParaRPr>
-          </a:p>
-        </p:txBody>
-      </p:sp>
-      <p:sp>
-        <p:nvSpPr>
-          <p:cNvPr id="12" name="Ellipse 11"/>
-          <p:cNvSpPr/>
-          <p:nvPr/>
-        </p:nvSpPr>
-        <p:spPr>
-          <a:xfrm>
-            <a:off x="7524585" y="4059560"/>
-            <a:ext cx="972000" cy="820502"/>
-          </a:xfrm>
-          <a:prstGeom prst="ellipse">
-            <a:avLst/>
-          </a:prstGeom>
-          <a:noFill/>
-          <a:ln>
-            <a:solidFill>
-              <a:schemeClr val="bg1">
-                <a:lumMod val="65000"/>
-              </a:schemeClr>
-            </a:solidFill>
-          </a:ln>
-        </p:spPr>
-        <p:style>
-          <a:lnRef idx="2">
-            <a:schemeClr val="accent1">
-              <a:shade val="50000"/>
-            </a:schemeClr>
-          </a:lnRef>
-          <a:fillRef idx="1">
-            <a:schemeClr val="accent1"/>
-          </a:fillRef>
-          <a:effectRef idx="0">
-            <a:schemeClr val="accent1"/>
-          </a:effectRef>
-          <a:fontRef idx="minor">
-            <a:schemeClr val="lt1"/>
-          </a:fontRef>
-        </p:style>
-        <p:txBody>
-          <a:bodyPr rot="0" spcFirstLastPara="0" vertOverflow="overflow" horzOverflow="overflow" vert="horz" wrap="square" lIns="91440" tIns="45720" rIns="91440" bIns="45720" numCol="1" spcCol="0" rtlCol="0" fromWordArt="0" anchor="ctr" anchorCtr="0" forceAA="0" compatLnSpc="1">
-            <a:prstTxWarp prst="textNoShape">
-              <a:avLst/>
-            </a:prstTxWarp>
-            <a:spAutoFit/>
-          </a:bodyPr>
-          <a:lstStyle/>
-          <a:p>
-            <a:pPr algn="ctr">
-              <a:lnSpc>
-                <a:spcPct val="114000"/>
-              </a:lnSpc>
-            </a:pPr>
-            <a:r>
-              <a:rPr lang="de-DE" sz="1400" dirty="0" smtClean="0">
-                <a:solidFill>
-                  <a:srgbClr val="999999"/>
-                </a:solidFill>
-              </a:rPr>
-              <a:t>Game 1.2</a:t>
-            </a:r>
-          </a:p>
-        </p:txBody>
-      </p:sp>
-      <p:sp>
-        <p:nvSpPr>
-          <p:cNvPr id="13" name="Ellipse 12"/>
-          <p:cNvSpPr/>
-          <p:nvPr/>
-        </p:nvSpPr>
-        <p:spPr>
-          <a:xfrm>
-            <a:off x="5234600" y="4059560"/>
-            <a:ext cx="972000" cy="820502"/>
           </a:xfrm>
           <a:prstGeom prst="ellipse">
             <a:avLst/>
@@ -14779,7 +14248,7 @@
             <a:prstTxWarp prst="textNoShape">
               <a:avLst/>
             </a:prstTxWarp>
-            <a:spAutoFit/>
+            <a:noAutofit/>
           </a:bodyPr>
           <a:lstStyle/>
           <a:p>
@@ -14789,7 +14258,332 @@
               </a:lnSpc>
             </a:pPr>
             <a:r>
-              <a:rPr lang="de-DE" sz="1400" dirty="0" smtClean="0">
+              <a:rPr lang="de-DE" sz="1400" dirty="0" err="1">
+                <a:solidFill>
+                  <a:srgbClr val="999999"/>
+                </a:solidFill>
+              </a:rPr>
+              <a:t>GameStart</a:t>
+            </a:r>
+            <a:endParaRPr lang="de-DE" sz="1400" dirty="0">
+              <a:solidFill>
+                <a:srgbClr val="999999"/>
+              </a:solidFill>
+            </a:endParaRPr>
+          </a:p>
+        </p:txBody>
+      </p:sp>
+      <p:sp>
+        <p:nvSpPr>
+          <p:cNvPr id="9" name="Ellipse 8"/>
+          <p:cNvSpPr/>
+          <p:nvPr/>
+        </p:nvSpPr>
+        <p:spPr>
+          <a:xfrm>
+            <a:off x="7524585" y="2148658"/>
+            <a:ext cx="972000" cy="820502"/>
+          </a:xfrm>
+          <a:prstGeom prst="ellipse">
+            <a:avLst/>
+          </a:prstGeom>
+          <a:noFill/>
+          <a:ln>
+            <a:solidFill>
+              <a:schemeClr val="bg1">
+                <a:lumMod val="65000"/>
+              </a:schemeClr>
+            </a:solidFill>
+          </a:ln>
+        </p:spPr>
+        <p:style>
+          <a:lnRef idx="2">
+            <a:schemeClr val="accent1">
+              <a:shade val="50000"/>
+            </a:schemeClr>
+          </a:lnRef>
+          <a:fillRef idx="1">
+            <a:schemeClr val="accent1"/>
+          </a:fillRef>
+          <a:effectRef idx="0">
+            <a:schemeClr val="accent1"/>
+          </a:effectRef>
+          <a:fontRef idx="minor">
+            <a:schemeClr val="lt1"/>
+          </a:fontRef>
+        </p:style>
+        <p:txBody>
+          <a:bodyPr rot="0" spcFirstLastPara="0" vertOverflow="overflow" horzOverflow="overflow" vert="horz" wrap="square" lIns="91440" tIns="45720" rIns="91440" bIns="45720" numCol="1" spcCol="0" rtlCol="0" fromWordArt="0" anchor="ctr" anchorCtr="0" forceAA="0" compatLnSpc="1">
+            <a:prstTxWarp prst="textNoShape">
+              <a:avLst/>
+            </a:prstTxWarp>
+            <a:spAutoFit/>
+          </a:bodyPr>
+          <a:lstStyle/>
+          <a:p>
+            <a:pPr algn="ctr">
+              <a:lnSpc>
+                <a:spcPct val="114000"/>
+              </a:lnSpc>
+            </a:pPr>
+            <a:r>
+              <a:rPr lang="de-DE" sz="1400" dirty="0">
+                <a:solidFill>
+                  <a:schemeClr val="bg1">
+                    <a:lumMod val="65000"/>
+                  </a:schemeClr>
+                </a:solidFill>
+              </a:rPr>
+              <a:t>Game 3.2</a:t>
+            </a:r>
+          </a:p>
+        </p:txBody>
+      </p:sp>
+      <p:sp>
+        <p:nvSpPr>
+          <p:cNvPr id="10" name="Ellipse 9"/>
+          <p:cNvSpPr/>
+          <p:nvPr/>
+        </p:nvSpPr>
+        <p:spPr>
+          <a:xfrm>
+            <a:off x="5234600" y="2163084"/>
+            <a:ext cx="972000" cy="791649"/>
+          </a:xfrm>
+          <a:prstGeom prst="ellipse">
+            <a:avLst/>
+          </a:prstGeom>
+          <a:noFill/>
+          <a:ln>
+            <a:solidFill>
+              <a:schemeClr val="tx1"/>
+            </a:solidFill>
+          </a:ln>
+        </p:spPr>
+        <p:style>
+          <a:lnRef idx="2">
+            <a:schemeClr val="accent1">
+              <a:shade val="50000"/>
+            </a:schemeClr>
+          </a:lnRef>
+          <a:fillRef idx="1">
+            <a:schemeClr val="accent1"/>
+          </a:fillRef>
+          <a:effectRef idx="0">
+            <a:schemeClr val="accent1"/>
+          </a:effectRef>
+          <a:fontRef idx="minor">
+            <a:schemeClr val="lt1"/>
+          </a:fontRef>
+        </p:style>
+        <p:txBody>
+          <a:bodyPr rot="0" spcFirstLastPara="0" vertOverflow="overflow" horzOverflow="overflow" vert="horz" wrap="square" lIns="91440" tIns="45720" rIns="91440" bIns="45720" numCol="1" spcCol="0" rtlCol="0" fromWordArt="0" anchor="ctr" anchorCtr="0" forceAA="0" compatLnSpc="1">
+            <a:prstTxWarp prst="textNoShape">
+              <a:avLst/>
+            </a:prstTxWarp>
+            <a:spAutoFit/>
+          </a:bodyPr>
+          <a:lstStyle/>
+          <a:p>
+            <a:pPr algn="ctr">
+              <a:lnSpc>
+                <a:spcPct val="114000"/>
+              </a:lnSpc>
+            </a:pPr>
+            <a:r>
+              <a:rPr lang="de-DE" sz="1400" dirty="0">
+                <a:solidFill>
+                  <a:schemeClr val="tx1"/>
+                </a:solidFill>
+              </a:rPr>
+              <a:t>Game 3.1</a:t>
+            </a:r>
+          </a:p>
+        </p:txBody>
+      </p:sp>
+      <p:sp>
+        <p:nvSpPr>
+          <p:cNvPr id="11" name="Ellipse 10"/>
+          <p:cNvSpPr/>
+          <p:nvPr/>
+        </p:nvSpPr>
+        <p:spPr>
+          <a:xfrm>
+            <a:off x="6374418" y="959605"/>
+            <a:ext cx="977441" cy="820502"/>
+          </a:xfrm>
+          <a:prstGeom prst="ellipse">
+            <a:avLst/>
+          </a:prstGeom>
+          <a:noFill/>
+          <a:ln>
+            <a:solidFill>
+              <a:schemeClr val="bg1">
+                <a:lumMod val="65000"/>
+              </a:schemeClr>
+            </a:solidFill>
+          </a:ln>
+        </p:spPr>
+        <p:style>
+          <a:lnRef idx="2">
+            <a:schemeClr val="accent1">
+              <a:shade val="50000"/>
+            </a:schemeClr>
+          </a:lnRef>
+          <a:fillRef idx="1">
+            <a:schemeClr val="accent1"/>
+          </a:fillRef>
+          <a:effectRef idx="0">
+            <a:schemeClr val="accent1"/>
+          </a:effectRef>
+          <a:fontRef idx="minor">
+            <a:schemeClr val="lt1"/>
+          </a:fontRef>
+        </p:style>
+        <p:txBody>
+          <a:bodyPr rot="0" spcFirstLastPara="0" vertOverflow="overflow" horzOverflow="overflow" vert="horz" wrap="square" lIns="91440" tIns="45720" rIns="91440" bIns="45720" numCol="1" spcCol="0" rtlCol="0" fromWordArt="0" anchor="ctr" anchorCtr="0" forceAA="0" compatLnSpc="1">
+            <a:prstTxWarp prst="textNoShape">
+              <a:avLst/>
+            </a:prstTxWarp>
+            <a:spAutoFit/>
+          </a:bodyPr>
+          <a:lstStyle/>
+          <a:p>
+            <a:pPr algn="ctr">
+              <a:lnSpc>
+                <a:spcPct val="114000"/>
+              </a:lnSpc>
+            </a:pPr>
+            <a:r>
+              <a:rPr lang="de-DE" sz="1400" dirty="0">
+                <a:solidFill>
+                  <a:schemeClr val="bg1">
+                    <a:lumMod val="65000"/>
+                  </a:schemeClr>
+                </a:solidFill>
+              </a:rPr>
+              <a:t>Game End</a:t>
+            </a:r>
+          </a:p>
+        </p:txBody>
+      </p:sp>
+      <p:sp>
+        <p:nvSpPr>
+          <p:cNvPr id="12" name="Ellipse 11"/>
+          <p:cNvSpPr/>
+          <p:nvPr/>
+        </p:nvSpPr>
+        <p:spPr>
+          <a:xfrm>
+            <a:off x="7524585" y="4059560"/>
+            <a:ext cx="972000" cy="820502"/>
+          </a:xfrm>
+          <a:prstGeom prst="ellipse">
+            <a:avLst/>
+          </a:prstGeom>
+          <a:noFill/>
+          <a:ln>
+            <a:solidFill>
+              <a:schemeClr val="bg1">
+                <a:lumMod val="65000"/>
+              </a:schemeClr>
+            </a:solidFill>
+          </a:ln>
+        </p:spPr>
+        <p:style>
+          <a:lnRef idx="2">
+            <a:schemeClr val="accent1">
+              <a:shade val="50000"/>
+            </a:schemeClr>
+          </a:lnRef>
+          <a:fillRef idx="1">
+            <a:schemeClr val="accent1"/>
+          </a:fillRef>
+          <a:effectRef idx="0">
+            <a:schemeClr val="accent1"/>
+          </a:effectRef>
+          <a:fontRef idx="minor">
+            <a:schemeClr val="lt1"/>
+          </a:fontRef>
+        </p:style>
+        <p:txBody>
+          <a:bodyPr rot="0" spcFirstLastPara="0" vertOverflow="overflow" horzOverflow="overflow" vert="horz" wrap="square" lIns="91440" tIns="45720" rIns="91440" bIns="45720" numCol="1" spcCol="0" rtlCol="0" fromWordArt="0" anchor="ctr" anchorCtr="0" forceAA="0" compatLnSpc="1">
+            <a:prstTxWarp prst="textNoShape">
+              <a:avLst/>
+            </a:prstTxWarp>
+            <a:spAutoFit/>
+          </a:bodyPr>
+          <a:lstStyle/>
+          <a:p>
+            <a:pPr algn="ctr">
+              <a:lnSpc>
+                <a:spcPct val="114000"/>
+              </a:lnSpc>
+            </a:pPr>
+            <a:r>
+              <a:rPr lang="de-DE" sz="1400" dirty="0">
+                <a:solidFill>
+                  <a:srgbClr val="999999"/>
+                </a:solidFill>
+              </a:rPr>
+              <a:t>Game 1.2</a:t>
+            </a:r>
+          </a:p>
+        </p:txBody>
+      </p:sp>
+      <p:sp>
+        <p:nvSpPr>
+          <p:cNvPr id="13" name="Ellipse 12"/>
+          <p:cNvSpPr/>
+          <p:nvPr/>
+        </p:nvSpPr>
+        <p:spPr>
+          <a:xfrm>
+            <a:off x="5234600" y="4059560"/>
+            <a:ext cx="972000" cy="820502"/>
+          </a:xfrm>
+          <a:prstGeom prst="ellipse">
+            <a:avLst/>
+          </a:prstGeom>
+          <a:noFill/>
+          <a:ln>
+            <a:solidFill>
+              <a:schemeClr val="tx1"/>
+            </a:solidFill>
+          </a:ln>
+        </p:spPr>
+        <p:style>
+          <a:lnRef idx="2">
+            <a:schemeClr val="accent1">
+              <a:shade val="50000"/>
+            </a:schemeClr>
+          </a:lnRef>
+          <a:fillRef idx="1">
+            <a:schemeClr val="accent1"/>
+          </a:fillRef>
+          <a:effectRef idx="0">
+            <a:schemeClr val="accent1"/>
+          </a:effectRef>
+          <a:fontRef idx="minor">
+            <a:schemeClr val="lt1"/>
+          </a:fontRef>
+        </p:style>
+        <p:txBody>
+          <a:bodyPr rot="0" spcFirstLastPara="0" vertOverflow="overflow" horzOverflow="overflow" vert="horz" wrap="square" lIns="91440" tIns="45720" rIns="91440" bIns="45720" numCol="1" spcCol="0" rtlCol="0" fromWordArt="0" anchor="ctr" anchorCtr="0" forceAA="0" compatLnSpc="1">
+            <a:prstTxWarp prst="textNoShape">
+              <a:avLst/>
+            </a:prstTxWarp>
+            <a:spAutoFit/>
+          </a:bodyPr>
+          <a:lstStyle/>
+          <a:p>
+            <a:pPr algn="ctr">
+              <a:lnSpc>
+                <a:spcPct val="114000"/>
+              </a:lnSpc>
+            </a:pPr>
+            <a:r>
+              <a:rPr lang="de-DE" sz="1400" dirty="0">
                 <a:solidFill>
                   <a:schemeClr val="tx1"/>
                 </a:solidFill>
@@ -15114,20 +14908,13 @@
     </p:spTree>
     <p:extLst>
       <p:ext uri="{BB962C8B-B14F-4D97-AF65-F5344CB8AC3E}">
-        <p14:creationId xmlns:p14="http://schemas.microsoft.com/office/powerpoint/2010/main" val="2727193028"/>
+        <p14:creationId xmlns:p14="http://schemas.microsoft.com/office/powerpoint/2010/main" val="2261604825"/>
       </p:ext>
     </p:extLst>
   </p:cSld>
   <p:clrMapOvr>
     <a:masterClrMapping/>
   </p:clrMapOvr>
-  <p:timing>
-    <p:tnLst>
-      <p:par>
-        <p:cTn id="1" dur="indefinite" restart="never" nodeType="tmRoot"/>
-      </p:par>
-    </p:tnLst>
-  </p:timing>
 </p:sld>
 </file>
 
@@ -15174,9 +14961,8 @@
             </a:pPr>
             <a:r>
               <a:rPr lang="en-US" dirty="0"/>
-              <a:t>Gesture 1: Pull a rabbit out of your hat </a:t>
-            </a:r>
-            <a:endParaRPr lang="en-US" dirty="0" smtClean="0"/>
+              <a:t>Gesture 1: Tip your hat </a:t>
+            </a:r>
           </a:p>
           <a:p>
             <a:pPr marL="461963" lvl="1" indent="-285750">
@@ -15184,16 +14970,8 @@
               <a:buChar char="•"/>
             </a:pPr>
             <a:r>
-              <a:rPr lang="en-US" dirty="0" smtClean="0"/>
-              <a:t>Hold </a:t>
-            </a:r>
-            <a:r>
               <a:rPr lang="en-US" dirty="0"/>
-              <a:t>an arm stretched out in front of </a:t>
-            </a:r>
-            <a:r>
-              <a:rPr lang="en-US" dirty="0" smtClean="0"/>
-              <a:t>you</a:t>
+              <a:t>Raise a hand to the head </a:t>
             </a:r>
           </a:p>
           <a:p>
@@ -15202,14 +14980,19 @@
               <a:buChar char="•"/>
             </a:pPr>
             <a:r>
-              <a:rPr lang="en-US" dirty="0" smtClean="0"/>
-              <a:t>Move </a:t>
-            </a:r>
-            <a:r>
               <a:rPr lang="en-US" dirty="0"/>
-              <a:t>the other arm towards the stretched out hand </a:t>
-            </a:r>
-            <a:endParaRPr lang="en-US" dirty="0" smtClean="0"/>
+              <a:t>Move hand forward and to the side</a:t>
+            </a:r>
+          </a:p>
+          <a:p>
+            <a:pPr marL="285750" indent="-285750">
+              <a:buFont typeface="Arial" panose="020B0604020202020204" pitchFamily="34" charset="0"/>
+              <a:buChar char="•"/>
+            </a:pPr>
+            <a:r>
+              <a:rPr lang="en-US" dirty="0"/>
+              <a:t>Gesture 2: drink an aperitif</a:t>
+            </a:r>
           </a:p>
           <a:p>
             <a:pPr marL="461963" lvl="1" indent="-285750">
@@ -15217,16 +15000,8 @@
               <a:buChar char="•"/>
             </a:pPr>
             <a:r>
-              <a:rPr lang="en-US" dirty="0" smtClean="0"/>
-              <a:t>Sharply </a:t>
-            </a:r>
-            <a:r>
               <a:rPr lang="en-US" dirty="0"/>
-              <a:t>pull your hands apart </a:t>
-            </a:r>
-            <a:r>
-              <a:rPr lang="en-US" dirty="0" smtClean="0"/>
-              <a:t>vertically</a:t>
+              <a:t>Raise a hand to your throat </a:t>
             </a:r>
           </a:p>
           <a:p>
@@ -15235,27 +15010,8 @@
               <a:buChar char="•"/>
             </a:pPr>
             <a:r>
-              <a:rPr lang="en-US" dirty="0" smtClean="0"/>
-              <a:t>Applause </a:t>
-            </a:r>
-            <a:r>
               <a:rPr lang="en-US" dirty="0"/>
-              <a:t>(nice to have) </a:t>
-            </a:r>
-            <a:endParaRPr lang="en-US" dirty="0" smtClean="0"/>
-          </a:p>
-          <a:p>
-            <a:pPr marL="285750" indent="-285750">
-              <a:buFont typeface="Arial" panose="020B0604020202020204" pitchFamily="34" charset="0"/>
-              <a:buChar char="•"/>
-            </a:pPr>
-            <a:r>
-              <a:rPr lang="en-US" dirty="0" smtClean="0"/>
-              <a:t>Gesture </a:t>
-            </a:r>
-            <a:r>
-              <a:rPr lang="en-US" dirty="0"/>
-              <a:t>2: Pet the rabbit </a:t>
+              <a:t>Tilt your head backwards and raise your elbow</a:t>
             </a:r>
           </a:p>
           <a:p>
@@ -15264,43 +15020,10 @@
               <a:buChar char="•"/>
             </a:pPr>
             <a:r>
-              <a:rPr lang="en-US" dirty="0" smtClean="0"/>
-              <a:t>Move </a:t>
-            </a:r>
-            <a:r>
               <a:rPr lang="en-US" dirty="0"/>
-              <a:t>a hand to the rabbit’s head </a:t>
-            </a:r>
-            <a:endParaRPr lang="en-US" dirty="0" smtClean="0"/>
-          </a:p>
-          <a:p>
-            <a:pPr marL="461963" lvl="1" indent="-285750">
-              <a:buFont typeface="Arial" panose="020B0604020202020204" pitchFamily="34" charset="0"/>
-              <a:buChar char="•"/>
-            </a:pPr>
-            <a:r>
-              <a:rPr lang="en-US" dirty="0" smtClean="0"/>
-              <a:t>Gently </a:t>
-            </a:r>
-            <a:r>
-              <a:rPr lang="en-US" dirty="0"/>
-              <a:t>trace the rabbit’s back </a:t>
-            </a:r>
-            <a:endParaRPr lang="en-US" dirty="0" smtClean="0"/>
-          </a:p>
-          <a:p>
-            <a:pPr marL="461963" lvl="1" indent="-285750">
-              <a:buFont typeface="Arial" panose="020B0604020202020204" pitchFamily="34" charset="0"/>
-              <a:buChar char="•"/>
-            </a:pPr>
-            <a:r>
-              <a:rPr lang="en-US" dirty="0" smtClean="0"/>
-              <a:t>Do </a:t>
-            </a:r>
-            <a:r>
-              <a:rPr lang="en-US" dirty="0"/>
-              <a:t>not startle the rabbit (nice to have) </a:t>
-            </a:r>
+              <a:t>Interaction: grab / put glass back</a:t>
+            </a:r>
+            <a:endParaRPr lang="en-US" sz="2200" dirty="0"/>
           </a:p>
           <a:p>
             <a:endParaRPr lang="en-US" sz="2200" dirty="0"/>
@@ -15347,14 +15070,9 @@
           <a:lstStyle/>
           <a:p>
             <a:r>
-              <a:rPr lang="de-DE" dirty="0" smtClean="0"/>
-              <a:t>Konstantin Karas</a:t>
-            </a:r>
-            <a:r>
               <a:rPr lang="de-DE" dirty="0"/>
-              <a:t>, Min Ting Luong, Jakob Raith</a:t>
-            </a:r>
-            <a:endParaRPr lang="de-DE" dirty="0"/>
+              <a:t>Konstantin Karas, Min Ting Luong, Jakob Raith</a:t>
+            </a:r>
           </a:p>
         </p:txBody>
       </p:sp>
@@ -15378,24 +15096,32 @@
           <a:lstStyle/>
           <a:p>
             <a:r>
-              <a:rPr lang="de-DE" dirty="0" smtClean="0"/>
-              <a:t>Game 1.2: </a:t>
-            </a:r>
-            <a:r>
               <a:rPr lang="de-DE" dirty="0"/>
-              <a:t>M</a:t>
-            </a:r>
-            <a:r>
-              <a:rPr lang="de-DE" dirty="0" smtClean="0"/>
-              <a:t>agic </a:t>
-            </a:r>
-            <a:r>
-              <a:rPr lang="de-DE" dirty="0" err="1" smtClean="0"/>
-              <a:t>trick</a:t>
-            </a:r>
-            <a:r>
-              <a:rPr lang="de-DE" dirty="0" smtClean="0"/>
-              <a:t> (optional)</a:t>
+              <a:t>Game 1.1: </a:t>
+            </a:r>
+            <a:r>
+              <a:rPr lang="de-DE" dirty="0" err="1"/>
+              <a:t>Meet</a:t>
+            </a:r>
+            <a:r>
+              <a:rPr lang="de-DE" dirty="0"/>
+              <a:t> </a:t>
+            </a:r>
+            <a:r>
+              <a:rPr lang="de-DE" dirty="0" err="1"/>
+              <a:t>guests</a:t>
+            </a:r>
+            <a:r>
+              <a:rPr lang="de-DE" dirty="0"/>
+              <a:t> at </a:t>
+            </a:r>
+            <a:r>
+              <a:rPr lang="de-DE" dirty="0" err="1"/>
+              <a:t>the</a:t>
+            </a:r>
+            <a:r>
+              <a:rPr lang="de-DE" dirty="0"/>
+              <a:t> bar</a:t>
             </a:r>
             <a:endParaRPr lang="de-DE" sz="3000" dirty="0"/>
           </a:p>
@@ -15453,18 +15179,13 @@
               </a:lnSpc>
             </a:pPr>
             <a:r>
-              <a:rPr lang="de-DE" sz="1400" dirty="0" smtClean="0">
+              <a:rPr lang="de-DE" sz="1400" dirty="0">
                 <a:solidFill>
                   <a:schemeClr val="tx1"/>
                 </a:solidFill>
               </a:rPr>
               <a:t>Game 2</a:t>
             </a:r>
-            <a:endParaRPr lang="de-DE" sz="1400" dirty="0" smtClean="0">
-              <a:solidFill>
-                <a:schemeClr val="tx1"/>
-              </a:solidFill>
-            </a:endParaRPr>
           </a:p>
         </p:txBody>
       </p:sp>
@@ -15520,14 +15241,14 @@
               </a:lnSpc>
             </a:pPr>
             <a:r>
-              <a:rPr lang="de-DE" sz="1400" dirty="0" err="1" smtClean="0">
+              <a:rPr lang="de-DE" sz="1400" dirty="0" err="1">
                 <a:solidFill>
                   <a:srgbClr val="999999"/>
                 </a:solidFill>
               </a:rPr>
               <a:t>GameStart</a:t>
             </a:r>
-            <a:endParaRPr lang="de-DE" sz="1400" dirty="0" smtClean="0">
+            <a:endParaRPr lang="de-DE" sz="1400" dirty="0">
               <a:solidFill>
                 <a:srgbClr val="999999"/>
               </a:solidFill>
@@ -15589,7 +15310,7 @@
               </a:lnSpc>
             </a:pPr>
             <a:r>
-              <a:rPr lang="de-DE" sz="1400" dirty="0" smtClean="0">
+              <a:rPr lang="de-DE" sz="1400" dirty="0">
                 <a:solidFill>
                   <a:schemeClr val="bg1">
                     <a:lumMod val="65000"/>
@@ -15653,7 +15374,7 @@
               </a:lnSpc>
             </a:pPr>
             <a:r>
-              <a:rPr lang="de-DE" sz="1400" dirty="0" smtClean="0">
+              <a:rPr lang="de-DE" sz="1400" dirty="0">
                 <a:solidFill>
                   <a:schemeClr val="tx1"/>
                 </a:solidFill>
@@ -15717,7 +15438,7 @@
               </a:lnSpc>
             </a:pPr>
             <a:r>
-              <a:rPr lang="de-DE" sz="1400" dirty="0" smtClean="0">
+              <a:rPr lang="de-DE" sz="1400" dirty="0">
                 <a:solidFill>
                   <a:schemeClr val="bg1">
                     <a:lumMod val="65000"/>
@@ -15726,13 +15447,6 @@
               </a:rPr>
               <a:t>Game End</a:t>
             </a:r>
-            <a:endParaRPr lang="de-DE" sz="1400" dirty="0" smtClean="0">
-              <a:solidFill>
-                <a:schemeClr val="bg1">
-                  <a:lumMod val="65000"/>
-                </a:schemeClr>
-              </a:solidFill>
-            </a:endParaRPr>
           </a:p>
         </p:txBody>
       </p:sp>
@@ -15745,6 +15459,70 @@
         <p:spPr>
           <a:xfrm>
             <a:off x="7524585" y="4059560"/>
+            <a:ext cx="972000" cy="820502"/>
+          </a:xfrm>
+          <a:prstGeom prst="ellipse">
+            <a:avLst/>
+          </a:prstGeom>
+          <a:noFill/>
+          <a:ln>
+            <a:solidFill>
+              <a:schemeClr val="bg1">
+                <a:lumMod val="65000"/>
+              </a:schemeClr>
+            </a:solidFill>
+          </a:ln>
+        </p:spPr>
+        <p:style>
+          <a:lnRef idx="2">
+            <a:schemeClr val="accent1">
+              <a:shade val="50000"/>
+            </a:schemeClr>
+          </a:lnRef>
+          <a:fillRef idx="1">
+            <a:schemeClr val="accent1"/>
+          </a:fillRef>
+          <a:effectRef idx="0">
+            <a:schemeClr val="accent1"/>
+          </a:effectRef>
+          <a:fontRef idx="minor">
+            <a:schemeClr val="lt1"/>
+          </a:fontRef>
+        </p:style>
+        <p:txBody>
+          <a:bodyPr rot="0" spcFirstLastPara="0" vertOverflow="overflow" horzOverflow="overflow" vert="horz" wrap="square" lIns="91440" tIns="45720" rIns="91440" bIns="45720" numCol="1" spcCol="0" rtlCol="0" fromWordArt="0" anchor="ctr" anchorCtr="0" forceAA="0" compatLnSpc="1">
+            <a:prstTxWarp prst="textNoShape">
+              <a:avLst/>
+            </a:prstTxWarp>
+            <a:spAutoFit/>
+          </a:bodyPr>
+          <a:lstStyle/>
+          <a:p>
+            <a:pPr algn="ctr">
+              <a:lnSpc>
+                <a:spcPct val="114000"/>
+              </a:lnSpc>
+            </a:pPr>
+            <a:r>
+              <a:rPr lang="de-DE" sz="1400" dirty="0">
+                <a:solidFill>
+                  <a:srgbClr val="999999"/>
+                </a:solidFill>
+              </a:rPr>
+              <a:t>Game 1.2</a:t>
+            </a:r>
+          </a:p>
+        </p:txBody>
+      </p:sp>
+      <p:sp>
+        <p:nvSpPr>
+          <p:cNvPr id="13" name="Ellipse 12"/>
+          <p:cNvSpPr/>
+          <p:nvPr/>
+        </p:nvSpPr>
+        <p:spPr>
+          <a:xfrm>
+            <a:off x="5234600" y="4059560"/>
             <a:ext cx="972000" cy="820502"/>
           </a:xfrm>
           <a:prstGeom prst="ellipse">
@@ -15791,69 +15569,7 @@
               </a:lnSpc>
             </a:pPr>
             <a:r>
-              <a:rPr lang="de-DE" sz="1400" dirty="0" smtClean="0">
-                <a:solidFill>
-                  <a:srgbClr val="999999"/>
-                </a:solidFill>
-              </a:rPr>
-              <a:t>Game 1.2</a:t>
-            </a:r>
-          </a:p>
-        </p:txBody>
-      </p:sp>
-      <p:sp>
-        <p:nvSpPr>
-          <p:cNvPr id="13" name="Ellipse 12"/>
-          <p:cNvSpPr/>
-          <p:nvPr/>
-        </p:nvSpPr>
-        <p:spPr>
-          <a:xfrm>
-            <a:off x="5234600" y="4059560"/>
-            <a:ext cx="972000" cy="820502"/>
-          </a:xfrm>
-          <a:prstGeom prst="ellipse">
-            <a:avLst/>
-          </a:prstGeom>
-          <a:noFill/>
-          <a:ln>
-            <a:solidFill>
-              <a:schemeClr val="tx1"/>
-            </a:solidFill>
-          </a:ln>
-        </p:spPr>
-        <p:style>
-          <a:lnRef idx="2">
-            <a:schemeClr val="accent1">
-              <a:shade val="50000"/>
-            </a:schemeClr>
-          </a:lnRef>
-          <a:fillRef idx="1">
-            <a:schemeClr val="accent1"/>
-          </a:fillRef>
-          <a:effectRef idx="0">
-            <a:schemeClr val="accent1"/>
-          </a:effectRef>
-          <a:fontRef idx="minor">
-            <a:schemeClr val="lt1"/>
-          </a:fontRef>
-        </p:style>
-        <p:txBody>
-          <a:bodyPr rot="0" spcFirstLastPara="0" vertOverflow="overflow" horzOverflow="overflow" vert="horz" wrap="square" lIns="91440" tIns="45720" rIns="91440" bIns="45720" numCol="1" spcCol="0" rtlCol="0" fromWordArt="0" anchor="ctr" anchorCtr="0" forceAA="0" compatLnSpc="1">
-            <a:prstTxWarp prst="textNoShape">
-              <a:avLst/>
-            </a:prstTxWarp>
-            <a:spAutoFit/>
-          </a:bodyPr>
-          <a:lstStyle/>
-          <a:p>
-            <a:pPr algn="ctr">
-              <a:lnSpc>
-                <a:spcPct val="114000"/>
-              </a:lnSpc>
-            </a:pPr>
-            <a:r>
-              <a:rPr lang="de-DE" sz="1400" dirty="0" smtClean="0">
+              <a:rPr lang="de-DE" sz="1400" dirty="0">
                 <a:solidFill>
                   <a:schemeClr val="tx1"/>
                 </a:solidFill>
@@ -16178,20 +15894,13 @@
     </p:spTree>
     <p:extLst>
       <p:ext uri="{BB962C8B-B14F-4D97-AF65-F5344CB8AC3E}">
-        <p14:creationId xmlns:p14="http://schemas.microsoft.com/office/powerpoint/2010/main" val="3002712694"/>
+        <p14:creationId xmlns:p14="http://schemas.microsoft.com/office/powerpoint/2010/main" val="2727193028"/>
       </p:ext>
     </p:extLst>
   </p:cSld>
   <p:clrMapOvr>
     <a:masterClrMapping/>
   </p:clrMapOvr>
-  <p:timing>
-    <p:tnLst>
-      <p:par>
-        <p:cTn id="1" dur="indefinite" restart="never" nodeType="tmRoot"/>
-      </p:par>
-    </p:tnLst>
-  </p:timing>
 </p:sld>
 </file>
 
@@ -16232,60 +15941,97 @@
           <a:bodyPr/>
           <a:lstStyle/>
           <a:p>
-            <a:pPr marL="342900" indent="-342900">
+            <a:pPr marL="285750" indent="-285750">
               <a:buFont typeface="Arial" panose="020B0604020202020204" pitchFamily="34" charset="0"/>
               <a:buChar char="•"/>
             </a:pPr>
             <a:r>
-              <a:rPr lang="en-US" dirty="0" smtClean="0"/>
-              <a:t>3 dance moves in random order</a:t>
-            </a:r>
-          </a:p>
-          <a:p>
-            <a:pPr marL="342900" indent="-342900">
+              <a:rPr lang="en-US" dirty="0"/>
+              <a:t>Gesture 1: Pull a rabbit out of your hat </a:t>
+            </a:r>
+          </a:p>
+          <a:p>
+            <a:pPr marL="461963" lvl="1" indent="-285750">
               <a:buFont typeface="Arial" panose="020B0604020202020204" pitchFamily="34" charset="0"/>
               <a:buChar char="•"/>
             </a:pPr>
             <a:r>
-              <a:rPr lang="en-US" dirty="0" smtClean="0"/>
-              <a:t>Player is shown a small image of the dance move to perform</a:t>
-            </a:r>
-          </a:p>
-          <a:p>
-            <a:pPr marL="342900" indent="-342900">
+              <a:rPr lang="en-US" dirty="0"/>
+              <a:t>Hold an arm stretched out in front of you</a:t>
+            </a:r>
+          </a:p>
+          <a:p>
+            <a:pPr marL="461963" lvl="1" indent="-285750">
               <a:buFont typeface="Arial" panose="020B0604020202020204" pitchFamily="34" charset="0"/>
               <a:buChar char="•"/>
             </a:pPr>
             <a:r>
-              <a:rPr lang="en-US" dirty="0" smtClean="0"/>
-              <a:t>Player can see upcoming sequence</a:t>
-            </a:r>
-          </a:p>
-          <a:p>
-            <a:pPr marL="342900" indent="-342900">
+              <a:rPr lang="en-US" dirty="0"/>
+              <a:t>Move the other arm towards the stretched out hand </a:t>
+            </a:r>
+          </a:p>
+          <a:p>
+            <a:pPr marL="461963" lvl="1" indent="-285750">
               <a:buFont typeface="Arial" panose="020B0604020202020204" pitchFamily="34" charset="0"/>
               <a:buChar char="•"/>
             </a:pPr>
             <a:r>
-              <a:rPr lang="en-US" dirty="0" smtClean="0"/>
-              <a:t>Include in-game movement (</a:t>
-            </a:r>
-            <a:r>
-              <a:rPr lang="en-US" dirty="0" err="1" smtClean="0"/>
-              <a:t>e.g</a:t>
-            </a:r>
-            <a:r>
-              <a:rPr lang="en-US" dirty="0" smtClean="0"/>
-              <a:t> step to the left)</a:t>
-            </a:r>
-            <a:br>
-              <a:rPr lang="en-US" dirty="0" smtClean="0"/>
-            </a:br>
-            <a:r>
-              <a:rPr lang="en-US" dirty="0" smtClean="0"/>
-              <a:t>(nice to have)</a:t>
-            </a:r>
-            <a:endParaRPr lang="en-US" dirty="0"/>
+              <a:rPr lang="en-US" dirty="0"/>
+              <a:t>Sharply pull your hands apart vertically</a:t>
+            </a:r>
+          </a:p>
+          <a:p>
+            <a:pPr marL="461963" lvl="1" indent="-285750">
+              <a:buFont typeface="Arial" panose="020B0604020202020204" pitchFamily="34" charset="0"/>
+              <a:buChar char="•"/>
+            </a:pPr>
+            <a:r>
+              <a:rPr lang="en-US" dirty="0"/>
+              <a:t>Applause (nice to have) </a:t>
+            </a:r>
+          </a:p>
+          <a:p>
+            <a:pPr marL="285750" indent="-285750">
+              <a:buFont typeface="Arial" panose="020B0604020202020204" pitchFamily="34" charset="0"/>
+              <a:buChar char="•"/>
+            </a:pPr>
+            <a:r>
+              <a:rPr lang="en-US" dirty="0"/>
+              <a:t>Gesture 2: Pet the rabbit </a:t>
+            </a:r>
+          </a:p>
+          <a:p>
+            <a:pPr marL="461963" lvl="1" indent="-285750">
+              <a:buFont typeface="Arial" panose="020B0604020202020204" pitchFamily="34" charset="0"/>
+              <a:buChar char="•"/>
+            </a:pPr>
+            <a:r>
+              <a:rPr lang="en-US" dirty="0"/>
+              <a:t>Move a hand to the rabbit’s head </a:t>
+            </a:r>
+          </a:p>
+          <a:p>
+            <a:pPr marL="461963" lvl="1" indent="-285750">
+              <a:buFont typeface="Arial" panose="020B0604020202020204" pitchFamily="34" charset="0"/>
+              <a:buChar char="•"/>
+            </a:pPr>
+            <a:r>
+              <a:rPr lang="en-US" dirty="0"/>
+              <a:t>Gently trace the rabbit’s back </a:t>
+            </a:r>
+          </a:p>
+          <a:p>
+            <a:pPr marL="461963" lvl="1" indent="-285750">
+              <a:buFont typeface="Arial" panose="020B0604020202020204" pitchFamily="34" charset="0"/>
+              <a:buChar char="•"/>
+            </a:pPr>
+            <a:r>
+              <a:rPr lang="en-US" dirty="0"/>
+              <a:t>Do not startle the rabbit (nice to have) </a:t>
+            </a:r>
+          </a:p>
+          <a:p>
+            <a:endParaRPr lang="en-US" sz="2200" dirty="0"/>
           </a:p>
         </p:txBody>
       </p:sp>
@@ -16329,14 +16075,9 @@
           <a:lstStyle/>
           <a:p>
             <a:r>
-              <a:rPr lang="de-DE" dirty="0" smtClean="0"/>
-              <a:t>Konstantin Karas</a:t>
-            </a:r>
-            <a:r>
               <a:rPr lang="de-DE" dirty="0"/>
-              <a:t>, Min Ting Luong, Jakob Raith</a:t>
-            </a:r>
-            <a:endParaRPr lang="de-DE" dirty="0"/>
+              <a:t>Konstantin Karas, Min Ting Luong, Jakob Raith</a:t>
+            </a:r>
           </a:p>
         </p:txBody>
       </p:sp>
@@ -16360,24 +16101,16 @@
           <a:lstStyle/>
           <a:p>
             <a:r>
-              <a:rPr lang="de-DE" dirty="0" smtClean="0"/>
-              <a:t>Game 2: </a:t>
+              <a:rPr lang="de-DE" dirty="0"/>
+              <a:t>Game 1.2: Magic </a:t>
             </a:r>
             <a:r>
               <a:rPr lang="de-DE" dirty="0" err="1"/>
-              <a:t>P</a:t>
-            </a:r>
-            <a:r>
-              <a:rPr lang="de-DE" dirty="0" err="1" smtClean="0"/>
-              <a:t>articipate</a:t>
-            </a:r>
-            <a:r>
-              <a:rPr lang="de-DE" dirty="0" smtClean="0"/>
-              <a:t> in a </a:t>
-            </a:r>
-            <a:r>
-              <a:rPr lang="de-DE" dirty="0" err="1" smtClean="0"/>
-              <a:t>dance</a:t>
+              <a:t>trick</a:t>
+            </a:r>
+            <a:r>
+              <a:rPr lang="de-DE" dirty="0"/>
+              <a:t> (optional)</a:t>
             </a:r>
             <a:endParaRPr lang="de-DE" sz="3000" dirty="0"/>
           </a:p>
@@ -16393,6 +16126,329 @@
           <a:xfrm>
             <a:off x="6374293" y="3160119"/>
             <a:ext cx="972000" cy="791649"/>
+          </a:xfrm>
+          <a:prstGeom prst="ellipse">
+            <a:avLst/>
+          </a:prstGeom>
+          <a:noFill/>
+          <a:ln>
+            <a:solidFill>
+              <a:schemeClr val="tx1"/>
+            </a:solidFill>
+          </a:ln>
+        </p:spPr>
+        <p:style>
+          <a:lnRef idx="2">
+            <a:schemeClr val="accent1">
+              <a:shade val="50000"/>
+            </a:schemeClr>
+          </a:lnRef>
+          <a:fillRef idx="1">
+            <a:schemeClr val="accent1"/>
+          </a:fillRef>
+          <a:effectRef idx="0">
+            <a:schemeClr val="accent1"/>
+          </a:effectRef>
+          <a:fontRef idx="minor">
+            <a:schemeClr val="lt1"/>
+          </a:fontRef>
+        </p:style>
+        <p:txBody>
+          <a:bodyPr rot="0" spcFirstLastPara="0" vertOverflow="overflow" horzOverflow="overflow" vert="horz" wrap="square" lIns="91440" tIns="45720" rIns="91440" bIns="45720" numCol="1" spcCol="0" rtlCol="0" fromWordArt="0" anchor="ctr" anchorCtr="0" forceAA="0" compatLnSpc="1">
+            <a:prstTxWarp prst="textNoShape">
+              <a:avLst/>
+            </a:prstTxWarp>
+            <a:spAutoFit/>
+          </a:bodyPr>
+          <a:lstStyle/>
+          <a:p>
+            <a:pPr algn="ctr">
+              <a:lnSpc>
+                <a:spcPct val="114000"/>
+              </a:lnSpc>
+            </a:pPr>
+            <a:r>
+              <a:rPr lang="de-DE" sz="1400" dirty="0">
+                <a:solidFill>
+                  <a:schemeClr val="tx1"/>
+                </a:solidFill>
+              </a:rPr>
+              <a:t>Game 2</a:t>
+            </a:r>
+          </a:p>
+        </p:txBody>
+      </p:sp>
+      <p:sp>
+        <p:nvSpPr>
+          <p:cNvPr id="8" name="Ellipse 7"/>
+          <p:cNvSpPr/>
+          <p:nvPr/>
+        </p:nvSpPr>
+        <p:spPr>
+          <a:xfrm>
+            <a:off x="6374293" y="5168378"/>
+            <a:ext cx="972000" cy="792000"/>
+          </a:xfrm>
+          <a:prstGeom prst="ellipse">
+            <a:avLst/>
+          </a:prstGeom>
+          <a:noFill/>
+          <a:ln>
+            <a:solidFill>
+              <a:srgbClr val="999999"/>
+            </a:solidFill>
+          </a:ln>
+        </p:spPr>
+        <p:style>
+          <a:lnRef idx="2">
+            <a:schemeClr val="accent1">
+              <a:shade val="50000"/>
+            </a:schemeClr>
+          </a:lnRef>
+          <a:fillRef idx="1">
+            <a:schemeClr val="accent1"/>
+          </a:fillRef>
+          <a:effectRef idx="0">
+            <a:schemeClr val="accent1"/>
+          </a:effectRef>
+          <a:fontRef idx="minor">
+            <a:schemeClr val="lt1"/>
+          </a:fontRef>
+        </p:style>
+        <p:txBody>
+          <a:bodyPr rot="0" spcFirstLastPara="0" vertOverflow="overflow" horzOverflow="overflow" vert="horz" wrap="square" lIns="91440" tIns="45720" rIns="91440" bIns="45720" numCol="1" spcCol="0" rtlCol="0" fromWordArt="0" anchor="ctr" anchorCtr="0" forceAA="0" compatLnSpc="1">
+            <a:prstTxWarp prst="textNoShape">
+              <a:avLst/>
+            </a:prstTxWarp>
+            <a:noAutofit/>
+          </a:bodyPr>
+          <a:lstStyle/>
+          <a:p>
+            <a:pPr algn="ctr">
+              <a:lnSpc>
+                <a:spcPct val="114000"/>
+              </a:lnSpc>
+            </a:pPr>
+            <a:r>
+              <a:rPr lang="de-DE" sz="1400" dirty="0" err="1">
+                <a:solidFill>
+                  <a:srgbClr val="999999"/>
+                </a:solidFill>
+              </a:rPr>
+              <a:t>GameStart</a:t>
+            </a:r>
+            <a:endParaRPr lang="de-DE" sz="1400" dirty="0">
+              <a:solidFill>
+                <a:srgbClr val="999999"/>
+              </a:solidFill>
+            </a:endParaRPr>
+          </a:p>
+        </p:txBody>
+      </p:sp>
+      <p:sp>
+        <p:nvSpPr>
+          <p:cNvPr id="9" name="Ellipse 8"/>
+          <p:cNvSpPr/>
+          <p:nvPr/>
+        </p:nvSpPr>
+        <p:spPr>
+          <a:xfrm>
+            <a:off x="7524585" y="2148658"/>
+            <a:ext cx="972000" cy="820502"/>
+          </a:xfrm>
+          <a:prstGeom prst="ellipse">
+            <a:avLst/>
+          </a:prstGeom>
+          <a:noFill/>
+          <a:ln>
+            <a:solidFill>
+              <a:schemeClr val="bg1">
+                <a:lumMod val="65000"/>
+              </a:schemeClr>
+            </a:solidFill>
+          </a:ln>
+        </p:spPr>
+        <p:style>
+          <a:lnRef idx="2">
+            <a:schemeClr val="accent1">
+              <a:shade val="50000"/>
+            </a:schemeClr>
+          </a:lnRef>
+          <a:fillRef idx="1">
+            <a:schemeClr val="accent1"/>
+          </a:fillRef>
+          <a:effectRef idx="0">
+            <a:schemeClr val="accent1"/>
+          </a:effectRef>
+          <a:fontRef idx="minor">
+            <a:schemeClr val="lt1"/>
+          </a:fontRef>
+        </p:style>
+        <p:txBody>
+          <a:bodyPr rot="0" spcFirstLastPara="0" vertOverflow="overflow" horzOverflow="overflow" vert="horz" wrap="square" lIns="91440" tIns="45720" rIns="91440" bIns="45720" numCol="1" spcCol="0" rtlCol="0" fromWordArt="0" anchor="ctr" anchorCtr="0" forceAA="0" compatLnSpc="1">
+            <a:prstTxWarp prst="textNoShape">
+              <a:avLst/>
+            </a:prstTxWarp>
+            <a:spAutoFit/>
+          </a:bodyPr>
+          <a:lstStyle/>
+          <a:p>
+            <a:pPr algn="ctr">
+              <a:lnSpc>
+                <a:spcPct val="114000"/>
+              </a:lnSpc>
+            </a:pPr>
+            <a:r>
+              <a:rPr lang="de-DE" sz="1400" dirty="0">
+                <a:solidFill>
+                  <a:schemeClr val="bg1">
+                    <a:lumMod val="65000"/>
+                  </a:schemeClr>
+                </a:solidFill>
+              </a:rPr>
+              <a:t>Game 3.2</a:t>
+            </a:r>
+          </a:p>
+        </p:txBody>
+      </p:sp>
+      <p:sp>
+        <p:nvSpPr>
+          <p:cNvPr id="10" name="Ellipse 9"/>
+          <p:cNvSpPr/>
+          <p:nvPr/>
+        </p:nvSpPr>
+        <p:spPr>
+          <a:xfrm>
+            <a:off x="5234600" y="2163084"/>
+            <a:ext cx="972000" cy="791649"/>
+          </a:xfrm>
+          <a:prstGeom prst="ellipse">
+            <a:avLst/>
+          </a:prstGeom>
+          <a:noFill/>
+          <a:ln>
+            <a:solidFill>
+              <a:schemeClr val="tx1"/>
+            </a:solidFill>
+          </a:ln>
+        </p:spPr>
+        <p:style>
+          <a:lnRef idx="2">
+            <a:schemeClr val="accent1">
+              <a:shade val="50000"/>
+            </a:schemeClr>
+          </a:lnRef>
+          <a:fillRef idx="1">
+            <a:schemeClr val="accent1"/>
+          </a:fillRef>
+          <a:effectRef idx="0">
+            <a:schemeClr val="accent1"/>
+          </a:effectRef>
+          <a:fontRef idx="minor">
+            <a:schemeClr val="lt1"/>
+          </a:fontRef>
+        </p:style>
+        <p:txBody>
+          <a:bodyPr rot="0" spcFirstLastPara="0" vertOverflow="overflow" horzOverflow="overflow" vert="horz" wrap="square" lIns="91440" tIns="45720" rIns="91440" bIns="45720" numCol="1" spcCol="0" rtlCol="0" fromWordArt="0" anchor="ctr" anchorCtr="0" forceAA="0" compatLnSpc="1">
+            <a:prstTxWarp prst="textNoShape">
+              <a:avLst/>
+            </a:prstTxWarp>
+            <a:spAutoFit/>
+          </a:bodyPr>
+          <a:lstStyle/>
+          <a:p>
+            <a:pPr algn="ctr">
+              <a:lnSpc>
+                <a:spcPct val="114000"/>
+              </a:lnSpc>
+            </a:pPr>
+            <a:r>
+              <a:rPr lang="de-DE" sz="1400" dirty="0">
+                <a:solidFill>
+                  <a:schemeClr val="tx1"/>
+                </a:solidFill>
+              </a:rPr>
+              <a:t>Game 3.1</a:t>
+            </a:r>
+          </a:p>
+        </p:txBody>
+      </p:sp>
+      <p:sp>
+        <p:nvSpPr>
+          <p:cNvPr id="11" name="Ellipse 10"/>
+          <p:cNvSpPr/>
+          <p:nvPr/>
+        </p:nvSpPr>
+        <p:spPr>
+          <a:xfrm>
+            <a:off x="6374418" y="959605"/>
+            <a:ext cx="977441" cy="820502"/>
+          </a:xfrm>
+          <a:prstGeom prst="ellipse">
+            <a:avLst/>
+          </a:prstGeom>
+          <a:noFill/>
+          <a:ln>
+            <a:solidFill>
+              <a:schemeClr val="bg1">
+                <a:lumMod val="65000"/>
+              </a:schemeClr>
+            </a:solidFill>
+          </a:ln>
+        </p:spPr>
+        <p:style>
+          <a:lnRef idx="2">
+            <a:schemeClr val="accent1">
+              <a:shade val="50000"/>
+            </a:schemeClr>
+          </a:lnRef>
+          <a:fillRef idx="1">
+            <a:schemeClr val="accent1"/>
+          </a:fillRef>
+          <a:effectRef idx="0">
+            <a:schemeClr val="accent1"/>
+          </a:effectRef>
+          <a:fontRef idx="minor">
+            <a:schemeClr val="lt1"/>
+          </a:fontRef>
+        </p:style>
+        <p:txBody>
+          <a:bodyPr rot="0" spcFirstLastPara="0" vertOverflow="overflow" horzOverflow="overflow" vert="horz" wrap="square" lIns="91440" tIns="45720" rIns="91440" bIns="45720" numCol="1" spcCol="0" rtlCol="0" fromWordArt="0" anchor="ctr" anchorCtr="0" forceAA="0" compatLnSpc="1">
+            <a:prstTxWarp prst="textNoShape">
+              <a:avLst/>
+            </a:prstTxWarp>
+            <a:spAutoFit/>
+          </a:bodyPr>
+          <a:lstStyle/>
+          <a:p>
+            <a:pPr algn="ctr">
+              <a:lnSpc>
+                <a:spcPct val="114000"/>
+              </a:lnSpc>
+            </a:pPr>
+            <a:r>
+              <a:rPr lang="de-DE" sz="1400" dirty="0">
+                <a:solidFill>
+                  <a:schemeClr val="bg1">
+                    <a:lumMod val="65000"/>
+                  </a:schemeClr>
+                </a:solidFill>
+              </a:rPr>
+              <a:t>Game End</a:t>
+            </a:r>
+          </a:p>
+        </p:txBody>
+      </p:sp>
+      <p:sp>
+        <p:nvSpPr>
+          <p:cNvPr id="12" name="Ellipse 11"/>
+          <p:cNvSpPr/>
+          <p:nvPr/>
+        </p:nvSpPr>
+        <p:spPr>
+          <a:xfrm>
+            <a:off x="7524585" y="4059560"/>
+            <a:ext cx="972000" cy="820502"/>
           </a:xfrm>
           <a:prstGeom prst="ellipse">
             <a:avLst/>
@@ -16438,31 +16494,26 @@
               </a:lnSpc>
             </a:pPr>
             <a:r>
-              <a:rPr lang="de-DE" sz="1400" dirty="0" smtClean="0">
+              <a:rPr lang="de-DE" sz="1400" dirty="0">
                 <a:solidFill>
-                  <a:schemeClr val="tx1"/>
+                  <a:srgbClr val="999999"/>
                 </a:solidFill>
               </a:rPr>
-              <a:t>Game 2</a:t>
-            </a:r>
-            <a:endParaRPr lang="de-DE" sz="1400" dirty="0" smtClean="0">
-              <a:solidFill>
-                <a:schemeClr val="tx1"/>
-              </a:solidFill>
-            </a:endParaRPr>
-          </a:p>
-        </p:txBody>
-      </p:sp>
-      <p:sp>
-        <p:nvSpPr>
-          <p:cNvPr id="8" name="Ellipse 7"/>
+              <a:t>Game 1.2</a:t>
+            </a:r>
+          </a:p>
+        </p:txBody>
+      </p:sp>
+      <p:sp>
+        <p:nvSpPr>
+          <p:cNvPr id="13" name="Ellipse 12"/>
           <p:cNvSpPr/>
           <p:nvPr/>
         </p:nvSpPr>
         <p:spPr>
           <a:xfrm>
-            <a:off x="6374293" y="5168378"/>
-            <a:ext cx="972000" cy="792000"/>
+            <a:off x="5234600" y="4059560"/>
+            <a:ext cx="972000" cy="820502"/>
           </a:xfrm>
           <a:prstGeom prst="ellipse">
             <a:avLst/>
@@ -16470,7 +16521,7 @@
           <a:noFill/>
           <a:ln>
             <a:solidFill>
-              <a:srgbClr val="999999"/>
+              <a:schemeClr val="tx1"/>
             </a:solidFill>
           </a:ln>
         </p:spPr>
@@ -16495,7 +16546,7 @@
             <a:prstTxWarp prst="textNoShape">
               <a:avLst/>
             </a:prstTxWarp>
-            <a:noAutofit/>
+            <a:spAutoFit/>
           </a:bodyPr>
           <a:lstStyle/>
           <a:p>
@@ -16505,339 +16556,7 @@
               </a:lnSpc>
             </a:pPr>
             <a:r>
-              <a:rPr lang="de-DE" sz="1400" dirty="0" err="1" smtClean="0">
-                <a:solidFill>
-                  <a:srgbClr val="999999"/>
-                </a:solidFill>
-              </a:rPr>
-              <a:t>GameStart</a:t>
-            </a:r>
-            <a:endParaRPr lang="de-DE" sz="1400" dirty="0" smtClean="0">
-              <a:solidFill>
-                <a:srgbClr val="999999"/>
-              </a:solidFill>
-            </a:endParaRPr>
-          </a:p>
-        </p:txBody>
-      </p:sp>
-      <p:sp>
-        <p:nvSpPr>
-          <p:cNvPr id="9" name="Ellipse 8"/>
-          <p:cNvSpPr/>
-          <p:nvPr/>
-        </p:nvSpPr>
-        <p:spPr>
-          <a:xfrm>
-            <a:off x="7524585" y="2148658"/>
-            <a:ext cx="972000" cy="820502"/>
-          </a:xfrm>
-          <a:prstGeom prst="ellipse">
-            <a:avLst/>
-          </a:prstGeom>
-          <a:noFill/>
-          <a:ln>
-            <a:solidFill>
-              <a:schemeClr val="bg1">
-                <a:lumMod val="65000"/>
-              </a:schemeClr>
-            </a:solidFill>
-          </a:ln>
-        </p:spPr>
-        <p:style>
-          <a:lnRef idx="2">
-            <a:schemeClr val="accent1">
-              <a:shade val="50000"/>
-            </a:schemeClr>
-          </a:lnRef>
-          <a:fillRef idx="1">
-            <a:schemeClr val="accent1"/>
-          </a:fillRef>
-          <a:effectRef idx="0">
-            <a:schemeClr val="accent1"/>
-          </a:effectRef>
-          <a:fontRef idx="minor">
-            <a:schemeClr val="lt1"/>
-          </a:fontRef>
-        </p:style>
-        <p:txBody>
-          <a:bodyPr rot="0" spcFirstLastPara="0" vertOverflow="overflow" horzOverflow="overflow" vert="horz" wrap="square" lIns="91440" tIns="45720" rIns="91440" bIns="45720" numCol="1" spcCol="0" rtlCol="0" fromWordArt="0" anchor="ctr" anchorCtr="0" forceAA="0" compatLnSpc="1">
-            <a:prstTxWarp prst="textNoShape">
-              <a:avLst/>
-            </a:prstTxWarp>
-            <a:spAutoFit/>
-          </a:bodyPr>
-          <a:lstStyle/>
-          <a:p>
-            <a:pPr algn="ctr">
-              <a:lnSpc>
-                <a:spcPct val="114000"/>
-              </a:lnSpc>
-            </a:pPr>
-            <a:r>
-              <a:rPr lang="de-DE" sz="1400" dirty="0" smtClean="0">
-                <a:solidFill>
-                  <a:schemeClr val="bg1">
-                    <a:lumMod val="65000"/>
-                  </a:schemeClr>
-                </a:solidFill>
-              </a:rPr>
-              <a:t>Game 3.2</a:t>
-            </a:r>
-          </a:p>
-        </p:txBody>
-      </p:sp>
-      <p:sp>
-        <p:nvSpPr>
-          <p:cNvPr id="10" name="Ellipse 9"/>
-          <p:cNvSpPr/>
-          <p:nvPr/>
-        </p:nvSpPr>
-        <p:spPr>
-          <a:xfrm>
-            <a:off x="5234600" y="2163084"/>
-            <a:ext cx="972000" cy="791649"/>
-          </a:xfrm>
-          <a:prstGeom prst="ellipse">
-            <a:avLst/>
-          </a:prstGeom>
-          <a:noFill/>
-          <a:ln>
-            <a:solidFill>
-              <a:schemeClr val="tx1"/>
-            </a:solidFill>
-          </a:ln>
-        </p:spPr>
-        <p:style>
-          <a:lnRef idx="2">
-            <a:schemeClr val="accent1">
-              <a:shade val="50000"/>
-            </a:schemeClr>
-          </a:lnRef>
-          <a:fillRef idx="1">
-            <a:schemeClr val="accent1"/>
-          </a:fillRef>
-          <a:effectRef idx="0">
-            <a:schemeClr val="accent1"/>
-          </a:effectRef>
-          <a:fontRef idx="minor">
-            <a:schemeClr val="lt1"/>
-          </a:fontRef>
-        </p:style>
-        <p:txBody>
-          <a:bodyPr rot="0" spcFirstLastPara="0" vertOverflow="overflow" horzOverflow="overflow" vert="horz" wrap="square" lIns="91440" tIns="45720" rIns="91440" bIns="45720" numCol="1" spcCol="0" rtlCol="0" fromWordArt="0" anchor="ctr" anchorCtr="0" forceAA="0" compatLnSpc="1">
-            <a:prstTxWarp prst="textNoShape">
-              <a:avLst/>
-            </a:prstTxWarp>
-            <a:spAutoFit/>
-          </a:bodyPr>
-          <a:lstStyle/>
-          <a:p>
-            <a:pPr algn="ctr">
-              <a:lnSpc>
-                <a:spcPct val="114000"/>
-              </a:lnSpc>
-            </a:pPr>
-            <a:r>
-              <a:rPr lang="de-DE" sz="1400" dirty="0" smtClean="0">
-                <a:solidFill>
-                  <a:schemeClr val="tx1"/>
-                </a:solidFill>
-              </a:rPr>
-              <a:t>Game 3.1</a:t>
-            </a:r>
-          </a:p>
-        </p:txBody>
-      </p:sp>
-      <p:sp>
-        <p:nvSpPr>
-          <p:cNvPr id="11" name="Ellipse 10"/>
-          <p:cNvSpPr/>
-          <p:nvPr/>
-        </p:nvSpPr>
-        <p:spPr>
-          <a:xfrm>
-            <a:off x="6374418" y="959605"/>
-            <a:ext cx="977441" cy="820502"/>
-          </a:xfrm>
-          <a:prstGeom prst="ellipse">
-            <a:avLst/>
-          </a:prstGeom>
-          <a:noFill/>
-          <a:ln>
-            <a:solidFill>
-              <a:schemeClr val="bg1">
-                <a:lumMod val="65000"/>
-              </a:schemeClr>
-            </a:solidFill>
-          </a:ln>
-        </p:spPr>
-        <p:style>
-          <a:lnRef idx="2">
-            <a:schemeClr val="accent1">
-              <a:shade val="50000"/>
-            </a:schemeClr>
-          </a:lnRef>
-          <a:fillRef idx="1">
-            <a:schemeClr val="accent1"/>
-          </a:fillRef>
-          <a:effectRef idx="0">
-            <a:schemeClr val="accent1"/>
-          </a:effectRef>
-          <a:fontRef idx="minor">
-            <a:schemeClr val="lt1"/>
-          </a:fontRef>
-        </p:style>
-        <p:txBody>
-          <a:bodyPr rot="0" spcFirstLastPara="0" vertOverflow="overflow" horzOverflow="overflow" vert="horz" wrap="square" lIns="91440" tIns="45720" rIns="91440" bIns="45720" numCol="1" spcCol="0" rtlCol="0" fromWordArt="0" anchor="ctr" anchorCtr="0" forceAA="0" compatLnSpc="1">
-            <a:prstTxWarp prst="textNoShape">
-              <a:avLst/>
-            </a:prstTxWarp>
-            <a:spAutoFit/>
-          </a:bodyPr>
-          <a:lstStyle/>
-          <a:p>
-            <a:pPr algn="ctr">
-              <a:lnSpc>
-                <a:spcPct val="114000"/>
-              </a:lnSpc>
-            </a:pPr>
-            <a:r>
-              <a:rPr lang="de-DE" sz="1400" dirty="0" smtClean="0">
-                <a:solidFill>
-                  <a:schemeClr val="bg1">
-                    <a:lumMod val="65000"/>
-                  </a:schemeClr>
-                </a:solidFill>
-              </a:rPr>
-              <a:t>Game End</a:t>
-            </a:r>
-            <a:endParaRPr lang="de-DE" sz="1400" dirty="0" smtClean="0">
-              <a:solidFill>
-                <a:schemeClr val="bg1">
-                  <a:lumMod val="65000"/>
-                </a:schemeClr>
-              </a:solidFill>
-            </a:endParaRPr>
-          </a:p>
-        </p:txBody>
-      </p:sp>
-      <p:sp>
-        <p:nvSpPr>
-          <p:cNvPr id="12" name="Ellipse 11"/>
-          <p:cNvSpPr/>
-          <p:nvPr/>
-        </p:nvSpPr>
-        <p:spPr>
-          <a:xfrm>
-            <a:off x="7524585" y="4059560"/>
-            <a:ext cx="972000" cy="820502"/>
-          </a:xfrm>
-          <a:prstGeom prst="ellipse">
-            <a:avLst/>
-          </a:prstGeom>
-          <a:noFill/>
-          <a:ln>
-            <a:solidFill>
-              <a:schemeClr val="bg1">
-                <a:lumMod val="65000"/>
-              </a:schemeClr>
-            </a:solidFill>
-          </a:ln>
-        </p:spPr>
-        <p:style>
-          <a:lnRef idx="2">
-            <a:schemeClr val="accent1">
-              <a:shade val="50000"/>
-            </a:schemeClr>
-          </a:lnRef>
-          <a:fillRef idx="1">
-            <a:schemeClr val="accent1"/>
-          </a:fillRef>
-          <a:effectRef idx="0">
-            <a:schemeClr val="accent1"/>
-          </a:effectRef>
-          <a:fontRef idx="minor">
-            <a:schemeClr val="lt1"/>
-          </a:fontRef>
-        </p:style>
-        <p:txBody>
-          <a:bodyPr rot="0" spcFirstLastPara="0" vertOverflow="overflow" horzOverflow="overflow" vert="horz" wrap="square" lIns="91440" tIns="45720" rIns="91440" bIns="45720" numCol="1" spcCol="0" rtlCol="0" fromWordArt="0" anchor="ctr" anchorCtr="0" forceAA="0" compatLnSpc="1">
-            <a:prstTxWarp prst="textNoShape">
-              <a:avLst/>
-            </a:prstTxWarp>
-            <a:spAutoFit/>
-          </a:bodyPr>
-          <a:lstStyle/>
-          <a:p>
-            <a:pPr algn="ctr">
-              <a:lnSpc>
-                <a:spcPct val="114000"/>
-              </a:lnSpc>
-            </a:pPr>
-            <a:r>
-              <a:rPr lang="de-DE" sz="1400" dirty="0" smtClean="0">
-                <a:solidFill>
-                  <a:srgbClr val="999999"/>
-                </a:solidFill>
-              </a:rPr>
-              <a:t>Game 1.2</a:t>
-            </a:r>
-          </a:p>
-        </p:txBody>
-      </p:sp>
-      <p:sp>
-        <p:nvSpPr>
-          <p:cNvPr id="13" name="Ellipse 12"/>
-          <p:cNvSpPr/>
-          <p:nvPr/>
-        </p:nvSpPr>
-        <p:spPr>
-          <a:xfrm>
-            <a:off x="5234600" y="4059560"/>
-            <a:ext cx="972000" cy="820502"/>
-          </a:xfrm>
-          <a:prstGeom prst="ellipse">
-            <a:avLst/>
-          </a:prstGeom>
-          <a:noFill/>
-          <a:ln>
-            <a:solidFill>
-              <a:schemeClr val="tx1"/>
-            </a:solidFill>
-          </a:ln>
-        </p:spPr>
-        <p:style>
-          <a:lnRef idx="2">
-            <a:schemeClr val="accent1">
-              <a:shade val="50000"/>
-            </a:schemeClr>
-          </a:lnRef>
-          <a:fillRef idx="1">
-            <a:schemeClr val="accent1"/>
-          </a:fillRef>
-          <a:effectRef idx="0">
-            <a:schemeClr val="accent1"/>
-          </a:effectRef>
-          <a:fontRef idx="minor">
-            <a:schemeClr val="lt1"/>
-          </a:fontRef>
-        </p:style>
-        <p:txBody>
-          <a:bodyPr rot="0" spcFirstLastPara="0" vertOverflow="overflow" horzOverflow="overflow" vert="horz" wrap="square" lIns="91440" tIns="45720" rIns="91440" bIns="45720" numCol="1" spcCol="0" rtlCol="0" fromWordArt="0" anchor="ctr" anchorCtr="0" forceAA="0" compatLnSpc="1">
-            <a:prstTxWarp prst="textNoShape">
-              <a:avLst/>
-            </a:prstTxWarp>
-            <a:spAutoFit/>
-          </a:bodyPr>
-          <a:lstStyle/>
-          <a:p>
-            <a:pPr algn="ctr">
-              <a:lnSpc>
-                <a:spcPct val="114000"/>
-              </a:lnSpc>
-            </a:pPr>
-            <a:r>
-              <a:rPr lang="de-DE" sz="1400" dirty="0" smtClean="0">
+              <a:rPr lang="de-DE" sz="1400" dirty="0">
                 <a:solidFill>
                   <a:schemeClr val="tx1"/>
                 </a:solidFill>
@@ -17162,20 +16881,13 @@
     </p:spTree>
     <p:extLst>
       <p:ext uri="{BB962C8B-B14F-4D97-AF65-F5344CB8AC3E}">
-        <p14:creationId xmlns:p14="http://schemas.microsoft.com/office/powerpoint/2010/main" val="3822161539"/>
+        <p14:creationId xmlns:p14="http://schemas.microsoft.com/office/powerpoint/2010/main" val="3002712694"/>
       </p:ext>
     </p:extLst>
   </p:cSld>
   <p:clrMapOvr>
     <a:masterClrMapping/>
   </p:clrMapOvr>
-  <p:timing>
-    <p:tnLst>
-      <p:par>
-        <p:cTn id="1" dur="indefinite" restart="never" nodeType="tmRoot"/>
-      </p:par>
-    </p:tnLst>
-  </p:timing>
 </p:sld>
 </file>
 
@@ -17216,25 +16928,59 @@
           <a:bodyPr/>
           <a:lstStyle/>
           <a:p>
-            <a:pPr marL="285750" indent="-285750">
+            <a:pPr marL="342900" indent="-342900">
               <a:buFont typeface="Arial" panose="020B0604020202020204" pitchFamily="34" charset="0"/>
               <a:buChar char="•"/>
             </a:pPr>
             <a:r>
-              <a:rPr lang="en-US" dirty="0" smtClean="0"/>
-              <a:t>Player holds hands in front of body to carry a virtual tablet of e.g. drinks</a:t>
-            </a:r>
-          </a:p>
-          <a:p>
-            <a:pPr marL="285750" indent="-285750">
+              <a:rPr lang="en-US" dirty="0"/>
+              <a:t>3 dance moves in random order</a:t>
+            </a:r>
+          </a:p>
+          <a:p>
+            <a:pPr marL="342900" indent="-342900">
               <a:buFont typeface="Arial" panose="020B0604020202020204" pitchFamily="34" charset="0"/>
               <a:buChar char="•"/>
             </a:pPr>
             <a:r>
-              <a:rPr lang="en-US" dirty="0" smtClean="0"/>
-              <a:t>Player has to stabilize the objects by raising and lowering their hands accordingly</a:t>
-            </a:r>
-            <a:endParaRPr lang="en-US" dirty="0"/>
+              <a:rPr lang="en-US" dirty="0"/>
+              <a:t>Player is shown a small image of the dance move to perform</a:t>
+            </a:r>
+          </a:p>
+          <a:p>
+            <a:pPr marL="342900" indent="-342900">
+              <a:buFont typeface="Arial" panose="020B0604020202020204" pitchFamily="34" charset="0"/>
+              <a:buChar char="•"/>
+            </a:pPr>
+            <a:r>
+              <a:rPr lang="en-US" dirty="0"/>
+              <a:t>Player can see upcoming sequence</a:t>
+            </a:r>
+          </a:p>
+          <a:p>
+            <a:pPr marL="342900" indent="-342900">
+              <a:buFont typeface="Arial" panose="020B0604020202020204" pitchFamily="34" charset="0"/>
+              <a:buChar char="•"/>
+            </a:pPr>
+            <a:r>
+              <a:rPr lang="en-US" dirty="0"/>
+              <a:t>Include in-game movement (</a:t>
+            </a:r>
+            <a:r>
+              <a:rPr lang="en-US" dirty="0" err="1"/>
+              <a:t>e.g</a:t>
+            </a:r>
+            <a:r>
+              <a:rPr lang="en-US" dirty="0"/>
+              <a:t> step to the left)</a:t>
+            </a:r>
+            <a:br>
+              <a:rPr lang="en-US" dirty="0"/>
+            </a:br>
+            <a:r>
+              <a:rPr lang="en-US" dirty="0"/>
+              <a:t>(nice to have)</a:t>
+            </a:r>
           </a:p>
         </p:txBody>
       </p:sp>
@@ -17278,14 +17024,9 @@
           <a:lstStyle/>
           <a:p>
             <a:r>
-              <a:rPr lang="de-DE" dirty="0" smtClean="0"/>
-              <a:t>Konstantin Karas</a:t>
-            </a:r>
-            <a:r>
               <a:rPr lang="de-DE" dirty="0"/>
-              <a:t>, Min Ting Luong, Jakob Raith</a:t>
-            </a:r>
-            <a:endParaRPr lang="de-DE" dirty="0"/>
+              <a:t>Konstantin Karas, Min Ting Luong, Jakob Raith</a:t>
+            </a:r>
           </a:p>
         </p:txBody>
       </p:sp>
@@ -17309,12 +17050,20 @@
           <a:lstStyle/>
           <a:p>
             <a:r>
-              <a:rPr lang="de-DE" dirty="0" smtClean="0"/>
-              <a:t>Game 3.1: Balance a </a:t>
-            </a:r>
-            <a:r>
-              <a:rPr lang="de-DE" dirty="0" err="1" smtClean="0"/>
-              <a:t>tablet</a:t>
+              <a:rPr lang="de-DE" dirty="0"/>
+              <a:t>Game 2: </a:t>
+            </a:r>
+            <a:r>
+              <a:rPr lang="de-DE" dirty="0" err="1"/>
+              <a:t>Participate</a:t>
+            </a:r>
+            <a:r>
+              <a:rPr lang="de-DE" dirty="0"/>
+              <a:t> in a </a:t>
+            </a:r>
+            <a:r>
+              <a:rPr lang="de-DE" dirty="0" err="1"/>
+              <a:t>dance</a:t>
             </a:r>
             <a:endParaRPr lang="de-DE" sz="3000" dirty="0"/>
           </a:p>
@@ -17330,140 +17079,6 @@
           <a:xfrm>
             <a:off x="6374293" y="3160119"/>
             <a:ext cx="972000" cy="791649"/>
-          </a:xfrm>
-          <a:prstGeom prst="ellipse">
-            <a:avLst/>
-          </a:prstGeom>
-          <a:noFill/>
-          <a:ln>
-            <a:solidFill>
-              <a:schemeClr val="tx1"/>
-            </a:solidFill>
-          </a:ln>
-        </p:spPr>
-        <p:style>
-          <a:lnRef idx="2">
-            <a:schemeClr val="accent1">
-              <a:shade val="50000"/>
-            </a:schemeClr>
-          </a:lnRef>
-          <a:fillRef idx="1">
-            <a:schemeClr val="accent1"/>
-          </a:fillRef>
-          <a:effectRef idx="0">
-            <a:schemeClr val="accent1"/>
-          </a:effectRef>
-          <a:fontRef idx="minor">
-            <a:schemeClr val="lt1"/>
-          </a:fontRef>
-        </p:style>
-        <p:txBody>
-          <a:bodyPr rot="0" spcFirstLastPara="0" vertOverflow="overflow" horzOverflow="overflow" vert="horz" wrap="square" lIns="91440" tIns="45720" rIns="91440" bIns="45720" numCol="1" spcCol="0" rtlCol="0" fromWordArt="0" anchor="ctr" anchorCtr="0" forceAA="0" compatLnSpc="1">
-            <a:prstTxWarp prst="textNoShape">
-              <a:avLst/>
-            </a:prstTxWarp>
-            <a:spAutoFit/>
-          </a:bodyPr>
-          <a:lstStyle/>
-          <a:p>
-            <a:pPr algn="ctr">
-              <a:lnSpc>
-                <a:spcPct val="114000"/>
-              </a:lnSpc>
-            </a:pPr>
-            <a:r>
-              <a:rPr lang="de-DE" sz="1400" dirty="0" smtClean="0">
-                <a:solidFill>
-                  <a:schemeClr val="tx1"/>
-                </a:solidFill>
-              </a:rPr>
-              <a:t>Game 2</a:t>
-            </a:r>
-            <a:endParaRPr lang="de-DE" sz="1400" dirty="0" smtClean="0">
-              <a:solidFill>
-                <a:schemeClr val="tx1"/>
-              </a:solidFill>
-            </a:endParaRPr>
-          </a:p>
-        </p:txBody>
-      </p:sp>
-      <p:sp>
-        <p:nvSpPr>
-          <p:cNvPr id="8" name="Ellipse 7"/>
-          <p:cNvSpPr/>
-          <p:nvPr/>
-        </p:nvSpPr>
-        <p:spPr>
-          <a:xfrm>
-            <a:off x="6374293" y="5168378"/>
-            <a:ext cx="972000" cy="792000"/>
-          </a:xfrm>
-          <a:prstGeom prst="ellipse">
-            <a:avLst/>
-          </a:prstGeom>
-          <a:noFill/>
-          <a:ln>
-            <a:solidFill>
-              <a:srgbClr val="999999"/>
-            </a:solidFill>
-          </a:ln>
-        </p:spPr>
-        <p:style>
-          <a:lnRef idx="2">
-            <a:schemeClr val="accent1">
-              <a:shade val="50000"/>
-            </a:schemeClr>
-          </a:lnRef>
-          <a:fillRef idx="1">
-            <a:schemeClr val="accent1"/>
-          </a:fillRef>
-          <a:effectRef idx="0">
-            <a:schemeClr val="accent1"/>
-          </a:effectRef>
-          <a:fontRef idx="minor">
-            <a:schemeClr val="lt1"/>
-          </a:fontRef>
-        </p:style>
-        <p:txBody>
-          <a:bodyPr rot="0" spcFirstLastPara="0" vertOverflow="overflow" horzOverflow="overflow" vert="horz" wrap="square" lIns="91440" tIns="45720" rIns="91440" bIns="45720" numCol="1" spcCol="0" rtlCol="0" fromWordArt="0" anchor="ctr" anchorCtr="0" forceAA="0" compatLnSpc="1">
-            <a:prstTxWarp prst="textNoShape">
-              <a:avLst/>
-            </a:prstTxWarp>
-            <a:noAutofit/>
-          </a:bodyPr>
-          <a:lstStyle/>
-          <a:p>
-            <a:pPr algn="ctr">
-              <a:lnSpc>
-                <a:spcPct val="114000"/>
-              </a:lnSpc>
-            </a:pPr>
-            <a:r>
-              <a:rPr lang="de-DE" sz="1400" dirty="0" err="1" smtClean="0">
-                <a:solidFill>
-                  <a:srgbClr val="999999"/>
-                </a:solidFill>
-              </a:rPr>
-              <a:t>GameStart</a:t>
-            </a:r>
-            <a:endParaRPr lang="de-DE" sz="1400" dirty="0" smtClean="0">
-              <a:solidFill>
-                <a:srgbClr val="999999"/>
-              </a:solidFill>
-            </a:endParaRPr>
-          </a:p>
-        </p:txBody>
-      </p:sp>
-      <p:sp>
-        <p:nvSpPr>
-          <p:cNvPr id="9" name="Ellipse 8"/>
-          <p:cNvSpPr/>
-          <p:nvPr/>
-        </p:nvSpPr>
-        <p:spPr>
-          <a:xfrm>
-            <a:off x="7524585" y="2148658"/>
-            <a:ext cx="972000" cy="820502"/>
           </a:xfrm>
           <a:prstGeom prst="ellipse">
             <a:avLst/>
@@ -17509,28 +17124,26 @@
               </a:lnSpc>
             </a:pPr>
             <a:r>
-              <a:rPr lang="de-DE" sz="1400" dirty="0" smtClean="0">
+              <a:rPr lang="de-DE" sz="1400" dirty="0">
                 <a:solidFill>
-                  <a:schemeClr val="bg1">
-                    <a:lumMod val="65000"/>
-                  </a:schemeClr>
+                  <a:schemeClr val="tx1"/>
                 </a:solidFill>
               </a:rPr>
-              <a:t>Game 3.2</a:t>
-            </a:r>
-          </a:p>
-        </p:txBody>
-      </p:sp>
-      <p:sp>
-        <p:nvSpPr>
-          <p:cNvPr id="10" name="Ellipse 9"/>
+              <a:t>Game 2</a:t>
+            </a:r>
+          </a:p>
+        </p:txBody>
+      </p:sp>
+      <p:sp>
+        <p:nvSpPr>
+          <p:cNvPr id="8" name="Ellipse 7"/>
           <p:cNvSpPr/>
           <p:nvPr/>
         </p:nvSpPr>
         <p:spPr>
           <a:xfrm>
-            <a:off x="5234600" y="2163084"/>
-            <a:ext cx="972000" cy="791649"/>
+            <a:off x="6374293" y="5168378"/>
+            <a:ext cx="972000" cy="792000"/>
           </a:xfrm>
           <a:prstGeom prst="ellipse">
             <a:avLst/>
@@ -17538,7 +17151,7 @@
           <a:noFill/>
           <a:ln>
             <a:solidFill>
-              <a:schemeClr val="tx1"/>
+              <a:srgbClr val="999999"/>
             </a:solidFill>
           </a:ln>
         </p:spPr>
@@ -17563,7 +17176,7 @@
             <a:prstTxWarp prst="textNoShape">
               <a:avLst/>
             </a:prstTxWarp>
-            <a:spAutoFit/>
+            <a:noAutofit/>
           </a:bodyPr>
           <a:lstStyle/>
           <a:p>
@@ -17573,26 +17186,31 @@
               </a:lnSpc>
             </a:pPr>
             <a:r>
-              <a:rPr lang="de-DE" sz="1400" dirty="0" smtClean="0">
+              <a:rPr lang="de-DE" sz="1400" dirty="0" err="1">
                 <a:solidFill>
-                  <a:schemeClr val="tx1"/>
+                  <a:srgbClr val="999999"/>
                 </a:solidFill>
               </a:rPr>
-              <a:t>Game 3.1</a:t>
-            </a:r>
-          </a:p>
-        </p:txBody>
-      </p:sp>
-      <p:sp>
-        <p:nvSpPr>
-          <p:cNvPr id="11" name="Ellipse 10"/>
+              <a:t>GameStart</a:t>
+            </a:r>
+            <a:endParaRPr lang="de-DE" sz="1400" dirty="0">
+              <a:solidFill>
+                <a:srgbClr val="999999"/>
+              </a:solidFill>
+            </a:endParaRPr>
+          </a:p>
+        </p:txBody>
+      </p:sp>
+      <p:sp>
+        <p:nvSpPr>
+          <p:cNvPr id="9" name="Ellipse 8"/>
           <p:cNvSpPr/>
           <p:nvPr/>
         </p:nvSpPr>
         <p:spPr>
           <a:xfrm>
-            <a:off x="6374418" y="959605"/>
-            <a:ext cx="977441" cy="820502"/>
+            <a:off x="7524585" y="2148658"/>
+            <a:ext cx="972000" cy="820502"/>
           </a:xfrm>
           <a:prstGeom prst="ellipse">
             <a:avLst/>
@@ -17637,35 +17255,90 @@
               </a:lnSpc>
             </a:pPr>
             <a:r>
-              <a:rPr lang="de-DE" sz="1400" dirty="0" smtClean="0">
+              <a:rPr lang="de-DE" sz="1400" dirty="0">
                 <a:solidFill>
                   <a:schemeClr val="bg1">
                     <a:lumMod val="65000"/>
                   </a:schemeClr>
                 </a:solidFill>
               </a:rPr>
-              <a:t>Game End</a:t>
-            </a:r>
-            <a:endParaRPr lang="de-DE" sz="1400" dirty="0" smtClean="0">
-              <a:solidFill>
-                <a:schemeClr val="bg1">
-                  <a:lumMod val="65000"/>
-                </a:schemeClr>
-              </a:solidFill>
-            </a:endParaRPr>
-          </a:p>
-        </p:txBody>
-      </p:sp>
-      <p:sp>
-        <p:nvSpPr>
-          <p:cNvPr id="12" name="Ellipse 11"/>
+              <a:t>Game 3.2</a:t>
+            </a:r>
+          </a:p>
+        </p:txBody>
+      </p:sp>
+      <p:sp>
+        <p:nvSpPr>
+          <p:cNvPr id="10" name="Ellipse 9"/>
           <p:cNvSpPr/>
           <p:nvPr/>
         </p:nvSpPr>
         <p:spPr>
           <a:xfrm>
-            <a:off x="7524585" y="4059560"/>
-            <a:ext cx="972000" cy="820502"/>
+            <a:off x="5234600" y="2163084"/>
+            <a:ext cx="972000" cy="791649"/>
+          </a:xfrm>
+          <a:prstGeom prst="ellipse">
+            <a:avLst/>
+          </a:prstGeom>
+          <a:noFill/>
+          <a:ln>
+            <a:solidFill>
+              <a:schemeClr val="tx1"/>
+            </a:solidFill>
+          </a:ln>
+        </p:spPr>
+        <p:style>
+          <a:lnRef idx="2">
+            <a:schemeClr val="accent1">
+              <a:shade val="50000"/>
+            </a:schemeClr>
+          </a:lnRef>
+          <a:fillRef idx="1">
+            <a:schemeClr val="accent1"/>
+          </a:fillRef>
+          <a:effectRef idx="0">
+            <a:schemeClr val="accent1"/>
+          </a:effectRef>
+          <a:fontRef idx="minor">
+            <a:schemeClr val="lt1"/>
+          </a:fontRef>
+        </p:style>
+        <p:txBody>
+          <a:bodyPr rot="0" spcFirstLastPara="0" vertOverflow="overflow" horzOverflow="overflow" vert="horz" wrap="square" lIns="91440" tIns="45720" rIns="91440" bIns="45720" numCol="1" spcCol="0" rtlCol="0" fromWordArt="0" anchor="ctr" anchorCtr="0" forceAA="0" compatLnSpc="1">
+            <a:prstTxWarp prst="textNoShape">
+              <a:avLst/>
+            </a:prstTxWarp>
+            <a:spAutoFit/>
+          </a:bodyPr>
+          <a:lstStyle/>
+          <a:p>
+            <a:pPr algn="ctr">
+              <a:lnSpc>
+                <a:spcPct val="114000"/>
+              </a:lnSpc>
+            </a:pPr>
+            <a:r>
+              <a:rPr lang="de-DE" sz="1400" dirty="0">
+                <a:solidFill>
+                  <a:schemeClr val="tx1"/>
+                </a:solidFill>
+              </a:rPr>
+              <a:t>Game 3.1</a:t>
+            </a:r>
+          </a:p>
+        </p:txBody>
+      </p:sp>
+      <p:sp>
+        <p:nvSpPr>
+          <p:cNvPr id="11" name="Ellipse 10"/>
+          <p:cNvSpPr/>
+          <p:nvPr/>
+        </p:nvSpPr>
+        <p:spPr>
+          <a:xfrm>
+            <a:off x="6374418" y="959605"/>
+            <a:ext cx="977441" cy="820502"/>
           </a:xfrm>
           <a:prstGeom prst="ellipse">
             <a:avLst/>
@@ -17710,25 +17383,27 @@
               </a:lnSpc>
             </a:pPr>
             <a:r>
-              <a:rPr lang="de-DE" sz="1400" dirty="0" smtClean="0">
+              <a:rPr lang="de-DE" sz="1400" dirty="0">
                 <a:solidFill>
-                  <a:srgbClr val="999999"/>
+                  <a:schemeClr val="bg1">
+                    <a:lumMod val="65000"/>
+                  </a:schemeClr>
                 </a:solidFill>
               </a:rPr>
-              <a:t>Game 1.2</a:t>
-            </a:r>
-          </a:p>
-        </p:txBody>
-      </p:sp>
-      <p:sp>
-        <p:nvSpPr>
-          <p:cNvPr id="13" name="Ellipse 12"/>
+              <a:t>Game End</a:t>
+            </a:r>
+          </a:p>
+        </p:txBody>
+      </p:sp>
+      <p:sp>
+        <p:nvSpPr>
+          <p:cNvPr id="12" name="Ellipse 11"/>
           <p:cNvSpPr/>
           <p:nvPr/>
         </p:nvSpPr>
         <p:spPr>
           <a:xfrm>
-            <a:off x="5234600" y="4059560"/>
+            <a:off x="7524585" y="4059560"/>
             <a:ext cx="972000" cy="820502"/>
           </a:xfrm>
           <a:prstGeom prst="ellipse">
@@ -17737,7 +17412,9 @@
           <a:noFill/>
           <a:ln>
             <a:solidFill>
-              <a:schemeClr val="tx1"/>
+              <a:schemeClr val="bg1">
+                <a:lumMod val="65000"/>
+              </a:schemeClr>
             </a:solidFill>
           </a:ln>
         </p:spPr>
@@ -17772,7 +17449,69 @@
               </a:lnSpc>
             </a:pPr>
             <a:r>
-              <a:rPr lang="de-DE" sz="1400" dirty="0" smtClean="0">
+              <a:rPr lang="de-DE" sz="1400" dirty="0">
+                <a:solidFill>
+                  <a:srgbClr val="999999"/>
+                </a:solidFill>
+              </a:rPr>
+              <a:t>Game 1.2</a:t>
+            </a:r>
+          </a:p>
+        </p:txBody>
+      </p:sp>
+      <p:sp>
+        <p:nvSpPr>
+          <p:cNvPr id="13" name="Ellipse 12"/>
+          <p:cNvSpPr/>
+          <p:nvPr/>
+        </p:nvSpPr>
+        <p:spPr>
+          <a:xfrm>
+            <a:off x="5234600" y="4059560"/>
+            <a:ext cx="972000" cy="820502"/>
+          </a:xfrm>
+          <a:prstGeom prst="ellipse">
+            <a:avLst/>
+          </a:prstGeom>
+          <a:noFill/>
+          <a:ln>
+            <a:solidFill>
+              <a:schemeClr val="tx1"/>
+            </a:solidFill>
+          </a:ln>
+        </p:spPr>
+        <p:style>
+          <a:lnRef idx="2">
+            <a:schemeClr val="accent1">
+              <a:shade val="50000"/>
+            </a:schemeClr>
+          </a:lnRef>
+          <a:fillRef idx="1">
+            <a:schemeClr val="accent1"/>
+          </a:fillRef>
+          <a:effectRef idx="0">
+            <a:schemeClr val="accent1"/>
+          </a:effectRef>
+          <a:fontRef idx="minor">
+            <a:schemeClr val="lt1"/>
+          </a:fontRef>
+        </p:style>
+        <p:txBody>
+          <a:bodyPr rot="0" spcFirstLastPara="0" vertOverflow="overflow" horzOverflow="overflow" vert="horz" wrap="square" lIns="91440" tIns="45720" rIns="91440" bIns="45720" numCol="1" spcCol="0" rtlCol="0" fromWordArt="0" anchor="ctr" anchorCtr="0" forceAA="0" compatLnSpc="1">
+            <a:prstTxWarp prst="textNoShape">
+              <a:avLst/>
+            </a:prstTxWarp>
+            <a:spAutoFit/>
+          </a:bodyPr>
+          <a:lstStyle/>
+          <a:p>
+            <a:pPr algn="ctr">
+              <a:lnSpc>
+                <a:spcPct val="114000"/>
+              </a:lnSpc>
+            </a:pPr>
+            <a:r>
+              <a:rPr lang="de-DE" sz="1400" dirty="0">
                 <a:solidFill>
                   <a:schemeClr val="tx1"/>
                 </a:solidFill>
@@ -18097,20 +17836,13 @@
     </p:spTree>
     <p:extLst>
       <p:ext uri="{BB962C8B-B14F-4D97-AF65-F5344CB8AC3E}">
-        <p14:creationId xmlns:p14="http://schemas.microsoft.com/office/powerpoint/2010/main" val="2891604871"/>
+        <p14:creationId xmlns:p14="http://schemas.microsoft.com/office/powerpoint/2010/main" val="3822161539"/>
       </p:ext>
     </p:extLst>
   </p:cSld>
   <p:clrMapOvr>
     <a:masterClrMapping/>
   </p:clrMapOvr>
-  <p:timing>
-    <p:tnLst>
-      <p:par>
-        <p:cTn id="1" dur="indefinite" restart="never" nodeType="tmRoot"/>
-      </p:par>
-    </p:tnLst>
-  </p:timing>
 </p:sld>
 </file>
 
@@ -18157,19 +17889,7 @@
             </a:pPr>
             <a:r>
               <a:rPr lang="en-US" dirty="0"/>
-              <a:t>A NPC asks the player for </a:t>
-            </a:r>
-            <a:r>
-              <a:rPr lang="en-US" dirty="0" smtClean="0"/>
-              <a:t>directions </a:t>
-            </a:r>
-            <a:r>
-              <a:rPr lang="en-US" dirty="0"/>
-              <a:t>(e.g. where is the bar</a:t>
-            </a:r>
-            <a:r>
-              <a:rPr lang="en-US" dirty="0" smtClean="0"/>
-              <a:t>?)</a:t>
+              <a:t>Player holds hands in front of body to carry a virtual tablet of e.g. drinks</a:t>
             </a:r>
           </a:p>
           <a:p>
@@ -18178,37 +17898,8 @@
               <a:buChar char="•"/>
             </a:pPr>
             <a:r>
-              <a:rPr lang="en-US" dirty="0" smtClean="0"/>
-              <a:t>Request is randomly chosen </a:t>
-            </a:r>
-          </a:p>
-          <a:p>
-            <a:pPr marL="285750" indent="-285750">
-              <a:buFont typeface="Arial" panose="020B0604020202020204" pitchFamily="34" charset="0"/>
-              <a:buChar char="•"/>
-            </a:pPr>
-            <a:r>
-              <a:rPr lang="en-US" dirty="0" smtClean="0"/>
-              <a:t>While </a:t>
-            </a:r>
-            <a:r>
               <a:rPr lang="en-US" dirty="0"/>
-              <a:t>turning the head, the camera rotates and stops when the player looks straight ahead </a:t>
-            </a:r>
-            <a:endParaRPr lang="en-US" dirty="0" smtClean="0"/>
-          </a:p>
-          <a:p>
-            <a:pPr marL="285750" indent="-285750">
-              <a:buFont typeface="Arial" panose="020B0604020202020204" pitchFamily="34" charset="0"/>
-              <a:buChar char="•"/>
-            </a:pPr>
-            <a:r>
-              <a:rPr lang="en-US" dirty="0" smtClean="0"/>
-              <a:t>When </a:t>
-            </a:r>
-            <a:r>
-              <a:rPr lang="en-US" dirty="0"/>
-              <a:t>the player has located the object/area in question, they point at it with a hand</a:t>
+              <a:t>Player has to stabilize the objects by raising and lowering their hands accordingly</a:t>
             </a:r>
           </a:p>
         </p:txBody>
@@ -18253,14 +17944,9 @@
           <a:lstStyle/>
           <a:p>
             <a:r>
-              <a:rPr lang="de-DE" dirty="0" smtClean="0"/>
-              <a:t>Konstantin Karas</a:t>
-            </a:r>
-            <a:r>
               <a:rPr lang="de-DE" dirty="0"/>
-              <a:t>, Min Ting Luong, Jakob Raith</a:t>
-            </a:r>
-            <a:endParaRPr lang="de-DE" dirty="0"/>
+              <a:t>Konstantin Karas, Min Ting Luong, Jakob Raith</a:t>
+            </a:r>
           </a:p>
         </p:txBody>
       </p:sp>
@@ -18284,20 +17970,12 @@
           <a:lstStyle/>
           <a:p>
             <a:r>
-              <a:rPr lang="de-DE" dirty="0" smtClean="0"/>
-              <a:t>Game 3.2: </a:t>
-            </a:r>
-            <a:r>
-              <a:rPr lang="de-DE" dirty="0" err="1" smtClean="0"/>
-              <a:t>Give</a:t>
-            </a:r>
-            <a:r>
-              <a:rPr lang="de-DE" dirty="0" smtClean="0"/>
-              <a:t> </a:t>
-            </a:r>
-            <a:r>
-              <a:rPr lang="de-DE" dirty="0" err="1" smtClean="0"/>
-              <a:t>directions</a:t>
+              <a:rPr lang="de-DE" dirty="0"/>
+              <a:t>Game 3.1: Balance a </a:t>
+            </a:r>
+            <a:r>
+              <a:rPr lang="de-DE" dirty="0" err="1"/>
+              <a:t>tablet</a:t>
             </a:r>
             <a:endParaRPr lang="de-DE" sz="3000" dirty="0"/>
           </a:p>
@@ -18355,18 +18033,13 @@
               </a:lnSpc>
             </a:pPr>
             <a:r>
-              <a:rPr lang="de-DE" sz="1400" dirty="0" smtClean="0">
+              <a:rPr lang="de-DE" sz="1400" dirty="0">
                 <a:solidFill>
                   <a:schemeClr val="tx1"/>
                 </a:solidFill>
               </a:rPr>
               <a:t>Game 2</a:t>
             </a:r>
-            <a:endParaRPr lang="de-DE" sz="1400" dirty="0" smtClean="0">
-              <a:solidFill>
-                <a:schemeClr val="tx1"/>
-              </a:solidFill>
-            </a:endParaRPr>
           </a:p>
         </p:txBody>
       </p:sp>
@@ -18422,14 +18095,14 @@
               </a:lnSpc>
             </a:pPr>
             <a:r>
-              <a:rPr lang="de-DE" sz="1400" dirty="0" err="1" smtClean="0">
+              <a:rPr lang="de-DE" sz="1400" dirty="0" err="1">
                 <a:solidFill>
                   <a:srgbClr val="999999"/>
                 </a:solidFill>
               </a:rPr>
               <a:t>GameStart</a:t>
             </a:r>
-            <a:endParaRPr lang="de-DE" sz="1400" dirty="0" smtClean="0">
+            <a:endParaRPr lang="de-DE" sz="1400" dirty="0">
               <a:solidFill>
                 <a:srgbClr val="999999"/>
               </a:solidFill>
@@ -18447,72 +18120,6 @@
           <a:xfrm>
             <a:off x="7524585" y="2148658"/>
             <a:ext cx="972000" cy="820502"/>
-          </a:xfrm>
-          <a:prstGeom prst="ellipse">
-            <a:avLst/>
-          </a:prstGeom>
-          <a:noFill/>
-          <a:ln>
-            <a:solidFill>
-              <a:schemeClr val="bg1">
-                <a:lumMod val="65000"/>
-              </a:schemeClr>
-            </a:solidFill>
-          </a:ln>
-        </p:spPr>
-        <p:style>
-          <a:lnRef idx="2">
-            <a:schemeClr val="accent1">
-              <a:shade val="50000"/>
-            </a:schemeClr>
-          </a:lnRef>
-          <a:fillRef idx="1">
-            <a:schemeClr val="accent1"/>
-          </a:fillRef>
-          <a:effectRef idx="0">
-            <a:schemeClr val="accent1"/>
-          </a:effectRef>
-          <a:fontRef idx="minor">
-            <a:schemeClr val="lt1"/>
-          </a:fontRef>
-        </p:style>
-        <p:txBody>
-          <a:bodyPr rot="0" spcFirstLastPara="0" vertOverflow="overflow" horzOverflow="overflow" vert="horz" wrap="square" lIns="91440" tIns="45720" rIns="91440" bIns="45720" numCol="1" spcCol="0" rtlCol="0" fromWordArt="0" anchor="ctr" anchorCtr="0" forceAA="0" compatLnSpc="1">
-            <a:prstTxWarp prst="textNoShape">
-              <a:avLst/>
-            </a:prstTxWarp>
-            <a:spAutoFit/>
-          </a:bodyPr>
-          <a:lstStyle/>
-          <a:p>
-            <a:pPr algn="ctr">
-              <a:lnSpc>
-                <a:spcPct val="114000"/>
-              </a:lnSpc>
-            </a:pPr>
-            <a:r>
-              <a:rPr lang="de-DE" sz="1400" dirty="0" smtClean="0">
-                <a:solidFill>
-                  <a:schemeClr val="bg1">
-                    <a:lumMod val="65000"/>
-                  </a:schemeClr>
-                </a:solidFill>
-              </a:rPr>
-              <a:t>Game 3.2</a:t>
-            </a:r>
-          </a:p>
-        </p:txBody>
-      </p:sp>
-      <p:sp>
-        <p:nvSpPr>
-          <p:cNvPr id="10" name="Ellipse 9"/>
-          <p:cNvSpPr/>
-          <p:nvPr/>
-        </p:nvSpPr>
-        <p:spPr>
-          <a:xfrm>
-            <a:off x="5234600" y="2163084"/>
-            <a:ext cx="972000" cy="791649"/>
           </a:xfrm>
           <a:prstGeom prst="ellipse">
             <a:avLst/>
@@ -18558,7 +18165,71 @@
               </a:lnSpc>
             </a:pPr>
             <a:r>
-              <a:rPr lang="de-DE" sz="1400" dirty="0" smtClean="0">
+              <a:rPr lang="de-DE" sz="1400" dirty="0">
+                <a:solidFill>
+                  <a:schemeClr val="bg1">
+                    <a:lumMod val="65000"/>
+                  </a:schemeClr>
+                </a:solidFill>
+              </a:rPr>
+              <a:t>Game 3.2</a:t>
+            </a:r>
+          </a:p>
+        </p:txBody>
+      </p:sp>
+      <p:sp>
+        <p:nvSpPr>
+          <p:cNvPr id="10" name="Ellipse 9"/>
+          <p:cNvSpPr/>
+          <p:nvPr/>
+        </p:nvSpPr>
+        <p:spPr>
+          <a:xfrm>
+            <a:off x="5234600" y="2163084"/>
+            <a:ext cx="972000" cy="791649"/>
+          </a:xfrm>
+          <a:prstGeom prst="ellipse">
+            <a:avLst/>
+          </a:prstGeom>
+          <a:noFill/>
+          <a:ln>
+            <a:solidFill>
+              <a:schemeClr val="tx1"/>
+            </a:solidFill>
+          </a:ln>
+        </p:spPr>
+        <p:style>
+          <a:lnRef idx="2">
+            <a:schemeClr val="accent1">
+              <a:shade val="50000"/>
+            </a:schemeClr>
+          </a:lnRef>
+          <a:fillRef idx="1">
+            <a:schemeClr val="accent1"/>
+          </a:fillRef>
+          <a:effectRef idx="0">
+            <a:schemeClr val="accent1"/>
+          </a:effectRef>
+          <a:fontRef idx="minor">
+            <a:schemeClr val="lt1"/>
+          </a:fontRef>
+        </p:style>
+        <p:txBody>
+          <a:bodyPr rot="0" spcFirstLastPara="0" vertOverflow="overflow" horzOverflow="overflow" vert="horz" wrap="square" lIns="91440" tIns="45720" rIns="91440" bIns="45720" numCol="1" spcCol="0" rtlCol="0" fromWordArt="0" anchor="ctr" anchorCtr="0" forceAA="0" compatLnSpc="1">
+            <a:prstTxWarp prst="textNoShape">
+              <a:avLst/>
+            </a:prstTxWarp>
+            <a:spAutoFit/>
+          </a:bodyPr>
+          <a:lstStyle/>
+          <a:p>
+            <a:pPr algn="ctr">
+              <a:lnSpc>
+                <a:spcPct val="114000"/>
+              </a:lnSpc>
+            </a:pPr>
+            <a:r>
+              <a:rPr lang="de-DE" sz="1400" dirty="0">
                 <a:solidFill>
                   <a:schemeClr val="tx1"/>
                 </a:solidFill>
@@ -18622,7 +18293,7 @@
               </a:lnSpc>
             </a:pPr>
             <a:r>
-              <a:rPr lang="de-DE" sz="1400" dirty="0" smtClean="0">
+              <a:rPr lang="de-DE" sz="1400" dirty="0">
                 <a:solidFill>
                   <a:schemeClr val="bg1">
                     <a:lumMod val="65000"/>
@@ -18631,13 +18302,6 @@
               </a:rPr>
               <a:t>Game End</a:t>
             </a:r>
-            <a:endParaRPr lang="de-DE" sz="1400" dirty="0" smtClean="0">
-              <a:solidFill>
-                <a:schemeClr val="bg1">
-                  <a:lumMod val="65000"/>
-                </a:schemeClr>
-              </a:solidFill>
-            </a:endParaRPr>
           </a:p>
         </p:txBody>
       </p:sp>
@@ -18695,7 +18359,7 @@
               </a:lnSpc>
             </a:pPr>
             <a:r>
-              <a:rPr lang="de-DE" sz="1400" dirty="0" smtClean="0">
+              <a:rPr lang="de-DE" sz="1400" dirty="0">
                 <a:solidFill>
                   <a:srgbClr val="999999"/>
                 </a:solidFill>
@@ -18757,7 +18421,7 @@
               </a:lnSpc>
             </a:pPr>
             <a:r>
-              <a:rPr lang="de-DE" sz="1400" dirty="0" smtClean="0">
+              <a:rPr lang="de-DE" sz="1400" dirty="0">
                 <a:solidFill>
                   <a:schemeClr val="tx1"/>
                 </a:solidFill>
@@ -19082,20 +18746,13 @@
     </p:spTree>
     <p:extLst>
       <p:ext uri="{BB962C8B-B14F-4D97-AF65-F5344CB8AC3E}">
-        <p14:creationId xmlns:p14="http://schemas.microsoft.com/office/powerpoint/2010/main" val="3832588551"/>
+        <p14:creationId xmlns:p14="http://schemas.microsoft.com/office/powerpoint/2010/main" val="2891604871"/>
       </p:ext>
     </p:extLst>
   </p:cSld>
   <p:clrMapOvr>
     <a:masterClrMapping/>
   </p:clrMapOvr>
-  <p:timing>
-    <p:tnLst>
-      <p:par>
-        <p:cTn id="1" dur="indefinite" restart="never" nodeType="tmRoot"/>
-      </p:par>
-    </p:tnLst>
-  </p:timing>
 </p:sld>
 </file>
 
@@ -19379,7 +19036,7 @@
   <a:extraClrSchemeLst/>
   <a:extLst>
     <a:ext uri="{05A4C25C-085E-4340-85A3-A5531E510DB2}">
-      <thm15:themeFamily xmlns:thm15="http://schemas.microsoft.com/office/thememl/2012/main" xmlns="" name="Präsentation14" id="{B1B10406-6147-4A47-95F4-F5DBD10A3872}" vid="{D4FD95B4-ED9B-E343-B70F-8C404733D84C}"/>
+      <thm15:themeFamily xmlns:thm15="http://schemas.microsoft.com/office/thememl/2012/main" name="Präsentation14" id="{B1B10406-6147-4A47-95F4-F5DBD10A3872}" vid="{D4FD95B4-ED9B-E343-B70F-8C404733D84C}"/>
     </a:ext>
   </a:extLst>
 </a:theme>
@@ -19665,7 +19322,7 @@
   <a:extraClrSchemeLst/>
   <a:extLst>
     <a:ext uri="{05A4C25C-085E-4340-85A3-A5531E510DB2}">
-      <thm15:themeFamily xmlns:thm15="http://schemas.microsoft.com/office/thememl/2012/main" xmlns="" name="Präsentation14" id="{B1B10406-6147-4A47-95F4-F5DBD10A3872}" vid="{E7490A93-BEAC-FC49-93F3-0CC1118C542C}"/>
+      <thm15:themeFamily xmlns:thm15="http://schemas.microsoft.com/office/thememl/2012/main" name="Präsentation14" id="{B1B10406-6147-4A47-95F4-F5DBD10A3872}" vid="{E7490A93-BEAC-FC49-93F3-0CC1118C542C}"/>
     </a:ext>
   </a:extLst>
 </a:theme>
@@ -19951,7 +19608,7 @@
   <a:extraClrSchemeLst/>
   <a:extLst>
     <a:ext uri="{05A4C25C-085E-4340-85A3-A5531E510DB2}">
-      <thm15:themeFamily xmlns:thm15="http://schemas.microsoft.com/office/thememl/2012/main" xmlns="" name="Präsentation14" id="{B1B10406-6147-4A47-95F4-F5DBD10A3872}" vid="{4DDB14AD-D1C4-854B-AC86-049FDE8761EC}"/>
+      <thm15:themeFamily xmlns:thm15="http://schemas.microsoft.com/office/thememl/2012/main" name="Präsentation14" id="{B1B10406-6147-4A47-95F4-F5DBD10A3872}" vid="{4DDB14AD-D1C4-854B-AC86-049FDE8761EC}"/>
     </a:ext>
   </a:extLst>
 </a:theme>
@@ -20237,7 +19894,7 @@
   <a:extraClrSchemeLst/>
   <a:extLst>
     <a:ext uri="{05A4C25C-085E-4340-85A3-A5531E510DB2}">
-      <thm15:themeFamily xmlns:thm15="http://schemas.microsoft.com/office/thememl/2012/main" xmlns="" name="Präsentation14" id="{B1B10406-6147-4A47-95F4-F5DBD10A3872}" vid="{4F4851FE-32D1-2D41-BECA-D90EB3BB8DB1}"/>
+      <thm15:themeFamily xmlns:thm15="http://schemas.microsoft.com/office/thememl/2012/main" name="Präsentation14" id="{B1B10406-6147-4A47-95F4-F5DBD10A3872}" vid="{4F4851FE-32D1-2D41-BECA-D90EB3BB8DB1}"/>
     </a:ext>
   </a:extLst>
 </a:theme>
@@ -20523,7 +20180,7 @@
   <a:extraClrSchemeLst/>
   <a:extLst>
     <a:ext uri="{05A4C25C-085E-4340-85A3-A5531E510DB2}">
-      <thm15:themeFamily xmlns:thm15="http://schemas.microsoft.com/office/thememl/2012/main" xmlns="" name="Präsentation14" id="{B1B10406-6147-4A47-95F4-F5DBD10A3872}" vid="{13591B48-8E13-6247-8040-92522EC77656}"/>
+      <thm15:themeFamily xmlns:thm15="http://schemas.microsoft.com/office/thememl/2012/main" name="Präsentation14" id="{B1B10406-6147-4A47-95F4-F5DBD10A3872}" vid="{13591B48-8E13-6247-8040-92522EC77656}"/>
     </a:ext>
   </a:extLst>
 </a:theme>
@@ -20809,7 +20466,7 @@
   <a:extraClrSchemeLst/>
   <a:extLst>
     <a:ext uri="{05A4C25C-085E-4340-85A3-A5531E510DB2}">
-      <thm15:themeFamily xmlns:thm15="http://schemas.microsoft.com/office/thememl/2012/main" xmlns="" name="Präsentation14" id="{B1B10406-6147-4A47-95F4-F5DBD10A3872}" vid="{BAD62DF3-579B-3B4C-BB35-887AD0E01A2D}"/>
+      <thm15:themeFamily xmlns:thm15="http://schemas.microsoft.com/office/thememl/2012/main" name="Präsentation14" id="{B1B10406-6147-4A47-95F4-F5DBD10A3872}" vid="{BAD62DF3-579B-3B4C-BB35-887AD0E01A2D}"/>
     </a:ext>
   </a:extLst>
 </a:theme>

--- a/Documents/Kickoff.pptx
+++ b/Documents/Kickoff.pptx
@@ -3502,6 +3502,10 @@
             <a:br>
               <a:rPr lang="de-DE" noProof="0" dirty="0"/>
             </a:br>
+            <a:r>
+              <a:rPr lang="de-DE" noProof="0" dirty="0"/>
+              <a:t/>
+            </a:r>
             <a:br>
               <a:rPr lang="de-DE" noProof="0" dirty="0"/>
             </a:br>
@@ -3923,6 +3927,10 @@
             <a:br>
               <a:rPr lang="de-DE" noProof="0" dirty="0"/>
             </a:br>
+            <a:r>
+              <a:rPr lang="de-DE" noProof="0" dirty="0"/>
+              <a:t/>
+            </a:r>
             <a:br>
               <a:rPr lang="de-DE" noProof="0" dirty="0"/>
             </a:br>
@@ -12718,16 +12726,16 @@
               <a:buChar char="•"/>
             </a:pPr>
             <a:r>
+              <a:rPr lang="de-DE" dirty="0" err="1" smtClean="0"/>
+              <a:t>mainly</a:t>
+            </a:r>
+            <a:r>
+              <a:rPr lang="de-DE" dirty="0" smtClean="0"/>
+              <a:t> </a:t>
+            </a:r>
+            <a:r>
               <a:rPr lang="de-DE" dirty="0"/>
-              <a:t>-&gt; </a:t>
-            </a:r>
-            <a:r>
-              <a:rPr lang="de-DE" dirty="0" err="1"/>
-              <a:t>mainly</a:t>
-            </a:r>
-            <a:r>
-              <a:rPr lang="de-DE" dirty="0"/>
-              <a:t> „Schauspiel“ </a:t>
+              <a:t>„Schauspiel“ </a:t>
             </a:r>
             <a:r>
               <a:rPr lang="de-DE" dirty="0" err="1"/>

--- a/Documents/Kickoff.pptx
+++ b/Documents/Kickoff.pptx
@@ -10,10 +10,10 @@
     <p:sldMasterId id="2147483697" r:id="rId6"/>
   </p:sldMasterIdLst>
   <p:notesMasterIdLst>
-    <p:notesMasterId r:id="rId25"/>
+    <p:notesMasterId r:id="rId26"/>
   </p:notesMasterIdLst>
   <p:handoutMasterIdLst>
-    <p:handoutMasterId r:id="rId26"/>
+    <p:handoutMasterId r:id="rId27"/>
   </p:handoutMasterIdLst>
   <p:sldIdLst>
     <p:sldId id="355" r:id="rId7"/>
@@ -33,7 +33,8 @@
     <p:sldId id="393" r:id="rId21"/>
     <p:sldId id="394" r:id="rId22"/>
     <p:sldId id="395" r:id="rId23"/>
-    <p:sldId id="381" r:id="rId24"/>
+    <p:sldId id="397" r:id="rId24"/>
+    <p:sldId id="381" r:id="rId25"/>
   </p:sldIdLst>
   <p:sldSz cx="9144000" cy="6858000" type="screen4x3"/>
   <p:notesSz cx="9925050" cy="6665913"/>
@@ -304,7 +305,7 @@
               <a:pPr>
                 <a:defRPr/>
               </a:pPr>
-              <a:t>28/05/2019</a:t>
+              <a:t>31/05/2019</a:t>
             </a:fld>
             <a:endParaRPr lang="en-GB" dirty="0"/>
           </a:p>
@@ -523,7 +524,7 @@
               <a:pPr>
                 <a:defRPr/>
               </a:pPr>
-              <a:t>28/05/2019</a:t>
+              <a:t>31/05/2019</a:t>
             </a:fld>
             <a:endParaRPr lang="en-GB"/>
           </a:p>
@@ -3502,10 +3503,6 @@
             <a:br>
               <a:rPr lang="de-DE" noProof="0" dirty="0"/>
             </a:br>
-            <a:r>
-              <a:rPr lang="de-DE" noProof="0" dirty="0"/>
-              <a:t/>
-            </a:r>
             <a:br>
               <a:rPr lang="de-DE" noProof="0" dirty="0"/>
             </a:br>
@@ -3927,10 +3924,6 @@
             <a:br>
               <a:rPr lang="de-DE" noProof="0" dirty="0"/>
             </a:br>
-            <a:r>
-              <a:rPr lang="de-DE" noProof="0" dirty="0"/>
-              <a:t/>
-            </a:r>
             <a:br>
               <a:rPr lang="de-DE" noProof="0" dirty="0"/>
             </a:br>
@@ -12509,6 +12502,216 @@
           <a:chExt cx="0" cy="0"/>
         </a:xfrm>
       </p:grpSpPr>
+      <p:pic>
+        <p:nvPicPr>
+          <p:cNvPr id="7" name="Inhaltsplatzhalter 6">
+            <a:extLst>
+              <a:ext uri="{FF2B5EF4-FFF2-40B4-BE49-F238E27FC236}">
+                <a16:creationId xmlns:a16="http://schemas.microsoft.com/office/drawing/2014/main" id="{6798A965-DAA6-4D31-8F83-8F43B3554049}"/>
+              </a:ext>
+            </a:extLst>
+          </p:cNvPr>
+          <p:cNvPicPr>
+            <a:picLocks noGrp="1" noChangeAspect="1"/>
+          </p:cNvPicPr>
+          <p:nvPr>
+            <p:ph idx="1"/>
+          </p:nvPr>
+        </p:nvPicPr>
+        <p:blipFill>
+          <a:blip r:embed="rId2"/>
+          <a:stretch>
+            <a:fillRect/>
+          </a:stretch>
+        </p:blipFill>
+        <p:spPr>
+          <a:xfrm>
+            <a:off x="832168" y="2347595"/>
+            <a:ext cx="7482840" cy="3528060"/>
+          </a:xfrm>
+        </p:spPr>
+      </p:pic>
+      <p:sp>
+        <p:nvSpPr>
+          <p:cNvPr id="3" name="Foliennummernplatzhalter 2">
+            <a:extLst>
+              <a:ext uri="{FF2B5EF4-FFF2-40B4-BE49-F238E27FC236}">
+                <a16:creationId xmlns:a16="http://schemas.microsoft.com/office/drawing/2014/main" id="{4F939F44-4018-42FB-A984-D9C66FDB6280}"/>
+              </a:ext>
+            </a:extLst>
+          </p:cNvPr>
+          <p:cNvSpPr>
+            <a:spLocks noGrp="1"/>
+          </p:cNvSpPr>
+          <p:nvPr>
+            <p:ph type="sldNum" sz="quarter" idx="11"/>
+          </p:nvPr>
+        </p:nvSpPr>
+        <p:spPr/>
+        <p:txBody>
+          <a:bodyPr/>
+          <a:lstStyle/>
+          <a:p>
+            <a:fld id="{CE58CB1E-F828-4F11-99E0-327109AF9DA4}" type="slidenum">
+              <a:rPr lang="de-DE" smtClean="0"/>
+              <a:pPr/>
+              <a:t>18</a:t>
+            </a:fld>
+            <a:endParaRPr lang="de-DE" dirty="0"/>
+          </a:p>
+        </p:txBody>
+      </p:sp>
+      <p:sp>
+        <p:nvSpPr>
+          <p:cNvPr id="4" name="Fußzeilenplatzhalter 3">
+            <a:extLst>
+              <a:ext uri="{FF2B5EF4-FFF2-40B4-BE49-F238E27FC236}">
+                <a16:creationId xmlns:a16="http://schemas.microsoft.com/office/drawing/2014/main" id="{5FFDD073-C1B7-45B1-B94B-9B844C5E052C}"/>
+              </a:ext>
+            </a:extLst>
+          </p:cNvPr>
+          <p:cNvSpPr>
+            <a:spLocks noGrp="1"/>
+          </p:cNvSpPr>
+          <p:nvPr>
+            <p:ph type="ftr" sz="quarter" idx="12"/>
+          </p:nvPr>
+        </p:nvSpPr>
+        <p:spPr/>
+        <p:txBody>
+          <a:bodyPr/>
+          <a:lstStyle/>
+          <a:p>
+            <a:r>
+              <a:rPr lang="de-DE" dirty="0"/>
+              <a:t>Konstantin Karas, Min Ting Luong, Jakob Raith</a:t>
+            </a:r>
+          </a:p>
+        </p:txBody>
+      </p:sp>
+      <p:sp>
+        <p:nvSpPr>
+          <p:cNvPr id="5" name="Titel 4">
+            <a:extLst>
+              <a:ext uri="{FF2B5EF4-FFF2-40B4-BE49-F238E27FC236}">
+                <a16:creationId xmlns:a16="http://schemas.microsoft.com/office/drawing/2014/main" id="{A987D224-5DB1-4D47-B2B8-3EDE5635636D}"/>
+              </a:ext>
+            </a:extLst>
+          </p:cNvPr>
+          <p:cNvSpPr>
+            <a:spLocks noGrp="1"/>
+          </p:cNvSpPr>
+          <p:nvPr>
+            <p:ph type="title"/>
+          </p:nvPr>
+        </p:nvSpPr>
+        <p:spPr/>
+        <p:txBody>
+          <a:bodyPr/>
+          <a:lstStyle/>
+          <a:p>
+            <a:r>
+              <a:rPr lang="de-DE" dirty="0"/>
+              <a:t>Ballroom and </a:t>
+            </a:r>
+            <a:r>
+              <a:rPr lang="de-DE" dirty="0" err="1"/>
+              <a:t>Character</a:t>
+            </a:r>
+            <a:endParaRPr lang="de-DE" dirty="0"/>
+          </a:p>
+        </p:txBody>
+      </p:sp>
+      <p:pic>
+        <p:nvPicPr>
+          <p:cNvPr id="9" name="Grafik 8">
+            <a:extLst>
+              <a:ext uri="{FF2B5EF4-FFF2-40B4-BE49-F238E27FC236}">
+                <a16:creationId xmlns:a16="http://schemas.microsoft.com/office/drawing/2014/main" id="{6D5B4F30-74B6-4CE8-8027-6EA405222A89}"/>
+              </a:ext>
+            </a:extLst>
+          </p:cNvPr>
+          <p:cNvPicPr>
+            <a:picLocks noChangeAspect="1"/>
+          </p:cNvPicPr>
+          <p:nvPr/>
+        </p:nvPicPr>
+        <p:blipFill>
+          <a:blip r:embed="rId3"/>
+          <a:stretch>
+            <a:fillRect/>
+          </a:stretch>
+        </p:blipFill>
+        <p:spPr>
+          <a:xfrm>
+            <a:off x="4793942" y="431122"/>
+            <a:ext cx="3084498" cy="1735030"/>
+          </a:xfrm>
+          <a:prstGeom prst="rect">
+            <a:avLst/>
+          </a:prstGeom>
+        </p:spPr>
+      </p:pic>
+      <p:pic>
+        <p:nvPicPr>
+          <p:cNvPr id="11" name="Grafik 10">
+            <a:extLst>
+              <a:ext uri="{FF2B5EF4-FFF2-40B4-BE49-F238E27FC236}">
+                <a16:creationId xmlns:a16="http://schemas.microsoft.com/office/drawing/2014/main" id="{EDD75437-5E99-4E0A-90C9-75A7902FD97B}"/>
+              </a:ext>
+            </a:extLst>
+          </p:cNvPr>
+          <p:cNvPicPr>
+            <a:picLocks noChangeAspect="1"/>
+          </p:cNvPicPr>
+          <p:nvPr/>
+        </p:nvPicPr>
+        <p:blipFill>
+          <a:blip r:embed="rId4"/>
+          <a:stretch>
+            <a:fillRect/>
+          </a:stretch>
+        </p:blipFill>
+        <p:spPr>
+          <a:xfrm>
+            <a:off x="3000652" y="5089981"/>
+            <a:ext cx="2326937" cy="1308902"/>
+          </a:xfrm>
+          <a:prstGeom prst="rect">
+            <a:avLst/>
+          </a:prstGeom>
+        </p:spPr>
+      </p:pic>
+    </p:spTree>
+    <p:extLst>
+      <p:ext uri="{BB962C8B-B14F-4D97-AF65-F5344CB8AC3E}">
+        <p14:creationId xmlns:p14="http://schemas.microsoft.com/office/powerpoint/2010/main" val="3669891633"/>
+      </p:ext>
+    </p:extLst>
+  </p:cSld>
+  <p:clrMapOvr>
+    <a:masterClrMapping/>
+  </p:clrMapOvr>
+</p:sld>
+</file>
+
+<file path=ppt/slides/slide19.xml><?xml version="1.0" encoding="utf-8"?>
+<p:sld xmlns:a="http://schemas.openxmlformats.org/drawingml/2006/main" xmlns:r="http://schemas.openxmlformats.org/officeDocument/2006/relationships" xmlns:p="http://schemas.openxmlformats.org/presentationml/2006/main">
+  <p:cSld>
+    <p:spTree>
+      <p:nvGrpSpPr>
+        <p:cNvPr id="1" name=""/>
+        <p:cNvGrpSpPr/>
+        <p:nvPr/>
+      </p:nvGrpSpPr>
+      <p:grpSpPr>
+        <a:xfrm>
+          <a:off x="0" y="0"/>
+          <a:ext cx="0" cy="0"/>
+          <a:chOff x="0" y="0"/>
+          <a:chExt cx="0" cy="0"/>
+        </a:xfrm>
+      </p:grpSpPr>
       <p:sp>
         <p:nvSpPr>
           <p:cNvPr id="4" name="Foliennummernplatzhalter 3"/>
@@ -12527,7 +12730,7 @@
             <a:fld id="{CE58CB1E-F828-4F11-99E0-327109AF9DA4}" type="slidenum">
               <a:rPr lang="de-DE" smtClean="0"/>
               <a:pPr/>
-              <a:t>18</a:t>
+              <a:t>19</a:t>
             </a:fld>
             <a:endParaRPr lang="de-DE" dirty="0"/>
           </a:p>
@@ -12726,16 +12929,12 @@
               <a:buChar char="•"/>
             </a:pPr>
             <a:r>
-              <a:rPr lang="de-DE" dirty="0" err="1" smtClean="0"/>
+              <a:rPr lang="de-DE" dirty="0" err="1"/>
               <a:t>mainly</a:t>
             </a:r>
             <a:r>
-              <a:rPr lang="de-DE" dirty="0" smtClean="0"/>
-              <a:t> </a:t>
-            </a:r>
-            <a:r>
               <a:rPr lang="de-DE" dirty="0"/>
-              <a:t>„Schauspiel“ </a:t>
+              <a:t> „Schauspiel“ </a:t>
             </a:r>
             <a:r>
               <a:rPr lang="de-DE" dirty="0" err="1"/>

--- a/Documents/Kickoff.pptx
+++ b/Documents/Kickoff.pptx
@@ -305,7 +305,7 @@
               <a:pPr>
                 <a:defRPr/>
               </a:pPr>
-              <a:t>31/05/2019</a:t>
+              <a:t>04/06/2019</a:t>
             </a:fld>
             <a:endParaRPr lang="en-GB" dirty="0"/>
           </a:p>
@@ -524,7 +524,7 @@
               <a:pPr>
                 <a:defRPr/>
               </a:pPr>
-              <a:t>31/05/2019</a:t>
+              <a:t>04/06/2019</a:t>
             </a:fld>
             <a:endParaRPr lang="en-GB"/>
           </a:p>
@@ -3503,6 +3503,10 @@
             <a:br>
               <a:rPr lang="de-DE" noProof="0" dirty="0"/>
             </a:br>
+            <a:r>
+              <a:rPr lang="de-DE" noProof="0" dirty="0"/>
+              <a:t/>
+            </a:r>
             <a:br>
               <a:rPr lang="de-DE" noProof="0" dirty="0"/>
             </a:br>
@@ -3924,6 +3928,10 @@
             <a:br>
               <a:rPr lang="de-DE" noProof="0" dirty="0"/>
             </a:br>
+            <a:r>
+              <a:rPr lang="de-DE" noProof="0" dirty="0"/>
+              <a:t/>
+            </a:r>
             <a:br>
               <a:rPr lang="de-DE" noProof="0" dirty="0"/>
             </a:br>
@@ -9154,9 +9162,10 @@
               <a:rPr lang="de-DE" dirty="0"/>
             </a:br>
             <a:r>
-              <a:rPr lang="de-DE" dirty="0"/>
-              <a:t>„WORKING TITLE“</a:t>
-            </a:r>
+              <a:rPr lang="de-DE" dirty="0" smtClean="0"/>
+              <a:t>Undercover</a:t>
+            </a:r>
+            <a:endParaRPr lang="de-DE" dirty="0"/>
           </a:p>
         </p:txBody>
       </p:sp>
@@ -11793,8 +11802,17 @@
             </a:pPr>
             <a:r>
               <a:rPr lang="en-US" dirty="0"/>
-              <a:t>Camera manager</a:t>
-            </a:r>
+              <a:t>Camera </a:t>
+            </a:r>
+            <a:r>
+              <a:rPr lang="en-US" dirty="0" err="1"/>
+              <a:t>u</a:t>
+            </a:r>
+            <a:r>
+              <a:rPr lang="en-US" dirty="0" err="1" smtClean="0"/>
+              <a:t>tils</a:t>
+            </a:r>
+            <a:endParaRPr lang="en-US" dirty="0"/>
           </a:p>
           <a:p>
             <a:pPr marL="519113" lvl="1" indent="-342900">
@@ -12652,36 +12670,6 @@
           </a:prstGeom>
         </p:spPr>
       </p:pic>
-      <p:pic>
-        <p:nvPicPr>
-          <p:cNvPr id="11" name="Grafik 10">
-            <a:extLst>
-              <a:ext uri="{FF2B5EF4-FFF2-40B4-BE49-F238E27FC236}">
-                <a16:creationId xmlns:a16="http://schemas.microsoft.com/office/drawing/2014/main" id="{EDD75437-5E99-4E0A-90C9-75A7902FD97B}"/>
-              </a:ext>
-            </a:extLst>
-          </p:cNvPr>
-          <p:cNvPicPr>
-            <a:picLocks noChangeAspect="1"/>
-          </p:cNvPicPr>
-          <p:nvPr/>
-        </p:nvPicPr>
-        <p:blipFill>
-          <a:blip r:embed="rId4"/>
-          <a:stretch>
-            <a:fillRect/>
-          </a:stretch>
-        </p:blipFill>
-        <p:spPr>
-          <a:xfrm>
-            <a:off x="3000652" y="5089981"/>
-            <a:ext cx="2326937" cy="1308902"/>
-          </a:xfrm>
-          <a:prstGeom prst="rect">
-            <a:avLst/>
-          </a:prstGeom>
-        </p:spPr>
-      </p:pic>
     </p:spTree>
     <p:extLst>
       <p:ext uri="{BB962C8B-B14F-4D97-AF65-F5344CB8AC3E}">
@@ -12950,8 +12938,63 @@
             </a:r>
             <a:r>
               <a:rPr lang="de-DE" dirty="0"/>
-              <a:t> „Tanz“</a:t>
-            </a:r>
+              <a:t> „Tanz</a:t>
+            </a:r>
+            <a:r>
+              <a:rPr lang="de-DE" dirty="0" smtClean="0"/>
+              <a:t>“</a:t>
+            </a:r>
+          </a:p>
+          <a:p>
+            <a:pPr marL="285750" indent="-285750">
+              <a:buFont typeface="Arial" panose="020B0604020202020204" pitchFamily="34" charset="0"/>
+              <a:buChar char="•"/>
+            </a:pPr>
+            <a:r>
+              <a:rPr lang="de-DE" dirty="0" err="1" smtClean="0"/>
+              <a:t>Combining</a:t>
+            </a:r>
+            <a:r>
+              <a:rPr lang="de-DE" dirty="0" smtClean="0"/>
+              <a:t> </a:t>
+            </a:r>
+            <a:r>
+              <a:rPr lang="de-DE" dirty="0" err="1" smtClean="0"/>
+              <a:t>fun</a:t>
+            </a:r>
+            <a:r>
+              <a:rPr lang="de-DE" dirty="0" smtClean="0"/>
+              <a:t> </a:t>
+            </a:r>
+            <a:r>
+              <a:rPr lang="de-DE" dirty="0" err="1" smtClean="0"/>
+              <a:t>games</a:t>
+            </a:r>
+            <a:r>
+              <a:rPr lang="de-DE" dirty="0" smtClean="0"/>
+              <a:t> </a:t>
+            </a:r>
+            <a:r>
+              <a:rPr lang="de-DE" dirty="0" err="1" smtClean="0"/>
+              <a:t>with</a:t>
+            </a:r>
+            <a:r>
+              <a:rPr lang="de-DE" dirty="0" smtClean="0"/>
+              <a:t> an </a:t>
+            </a:r>
+            <a:r>
+              <a:rPr lang="de-DE" dirty="0" err="1" smtClean="0"/>
+              <a:t>interesting</a:t>
+            </a:r>
+            <a:r>
+              <a:rPr lang="de-DE" dirty="0" smtClean="0"/>
+              <a:t> </a:t>
+            </a:r>
+            <a:r>
+              <a:rPr lang="de-DE" dirty="0" err="1" smtClean="0"/>
+              <a:t>setting</a:t>
+            </a:r>
+            <a:endParaRPr lang="de-DE" dirty="0"/>
           </a:p>
         </p:txBody>
       </p:sp>
@@ -12979,6 +13022,34 @@
             <a:r>
               <a:rPr lang="de-DE" dirty="0"/>
               <a:t>Motivation</a:t>
+            </a:r>
+          </a:p>
+        </p:txBody>
+      </p:sp>
+      <p:sp>
+        <p:nvSpPr>
+          <p:cNvPr id="4" name="Fußzeilenplatzhalter 4"/>
+          <p:cNvSpPr>
+            <a:spLocks noGrp="1"/>
+          </p:cNvSpPr>
+          <p:nvPr>
+            <p:ph type="ftr" sz="quarter" idx="12"/>
+          </p:nvPr>
+        </p:nvSpPr>
+        <p:spPr>
+          <a:xfrm>
+            <a:off x="311162" y="6473313"/>
+            <a:ext cx="6464280" cy="365125"/>
+          </a:xfrm>
+        </p:spPr>
+        <p:txBody>
+          <a:bodyPr/>
+          <a:lstStyle/>
+          <a:p>
+            <a:pPr algn="l"/>
+            <a:r>
+              <a:rPr lang="de-DE" dirty="0"/>
+              <a:t>Konstantin Karas, Min Ting Luong, Jakob Raith</a:t>
             </a:r>
           </a:p>
         </p:txBody>
@@ -13034,7 +13105,23 @@
             </a:pPr>
             <a:r>
               <a:rPr lang="en-US" dirty="0"/>
-              <a:t>Player is an assassin who is infiltrating an elegant dinner party, seeking to murder a guest</a:t>
+              <a:t>Player is </a:t>
+            </a:r>
+            <a:r>
+              <a:rPr lang="en-US" dirty="0" smtClean="0"/>
+              <a:t>a spy who </a:t>
+            </a:r>
+            <a:r>
+              <a:rPr lang="en-US" dirty="0"/>
+              <a:t>is infiltrating an elegant dinner party, seeking to </a:t>
+            </a:r>
+            <a:r>
+              <a:rPr lang="en-US" dirty="0" smtClean="0"/>
+              <a:t>eliminate </a:t>
+            </a:r>
+            <a:r>
+              <a:rPr lang="en-US" dirty="0"/>
+              <a:t>a guest</a:t>
             </a:r>
           </a:p>
           <a:p>
@@ -13148,6 +13235,29 @@
           </a:p>
         </p:txBody>
       </p:sp>
+      <p:pic>
+        <p:nvPicPr>
+          <p:cNvPr id="6" name="Grafik 5"/>
+          <p:cNvPicPr>
+            <a:picLocks noChangeAspect="1"/>
+          </p:cNvPicPr>
+          <p:nvPr/>
+        </p:nvPicPr>
+        <p:blipFill rotWithShape="1">
+          <a:blip r:embed="rId2"/>
+          <a:srcRect l="16028" t="21190" r="19277" b="8772"/>
+          <a:stretch/>
+        </p:blipFill>
+        <p:spPr>
+          <a:xfrm>
+            <a:off x="2136935" y="3350030"/>
+            <a:ext cx="4873308" cy="2967644"/>
+          </a:xfrm>
+          <a:prstGeom prst="rect">
+            <a:avLst/>
+          </a:prstGeom>
+        </p:spPr>
+      </p:pic>
     </p:spTree>
   </p:cSld>
   <p:clrMapOvr>

--- a/Documents/Kickoff.pptx
+++ b/Documents/Kickoff.pptx
@@ -165,7 +165,7 @@
   </p:defaultTextStyle>
   <p:extLst>
     <p:ext uri="{EFAFB233-063F-42B5-8137-9DF3F51BA10A}">
-      <p15:sldGuideLst xmlns:p15="http://schemas.microsoft.com/office/powerpoint/2012/main">
+      <p15:sldGuideLst xmlns:p15="http://schemas.microsoft.com/office/powerpoint/2012/main" xmlns="">
         <p15:guide id="1" orient="horz" pos="2160">
           <p15:clr>
             <a:srgbClr val="A4A3A4"/>
@@ -179,7 +179,7 @@
       </p15:sldGuideLst>
     </p:ext>
     <p:ext uri="{2D200454-40CA-4A62-9FC3-DE9A4176ACB9}">
-      <p15:notesGuideLst xmlns:p15="http://schemas.microsoft.com/office/powerpoint/2012/main">
+      <p15:notesGuideLst xmlns:p15="http://schemas.microsoft.com/office/powerpoint/2012/main" xmlns="">
         <p15:guide id="1" orient="horz" pos="2100">
           <p15:clr>
             <a:srgbClr val="A4A3A4"/>
@@ -305,7 +305,7 @@
               <a:pPr>
                 <a:defRPr/>
               </a:pPr>
-              <a:t>04/06/2019</a:t>
+              <a:t>06/06/2019</a:t>
             </a:fld>
             <a:endParaRPr lang="en-GB" dirty="0"/>
           </a:p>
@@ -524,7 +524,7 @@
               <a:pPr>
                 <a:defRPr/>
               </a:pPr>
-              <a:t>04/06/2019</a:t>
+              <a:t>06/06/2019</a:t>
             </a:fld>
             <a:endParaRPr lang="en-GB"/>
           </a:p>
@@ -11792,7 +11792,11 @@
             </a:pPr>
             <a:r>
               <a:rPr lang="en-US" dirty="0"/>
-              <a:t>Gesture manager</a:t>
+              <a:t>Gesture </a:t>
+            </a:r>
+            <a:r>
+              <a:rPr lang="en-US" dirty="0" smtClean="0"/>
+              <a:t>manager</a:t>
             </a:r>
           </a:p>
           <a:p>
@@ -11801,16 +11805,35 @@
               <a:buChar char="•"/>
             </a:pPr>
             <a:r>
+              <a:rPr lang="en-US" dirty="0" smtClean="0"/>
+              <a:t>Gesture evaluation </a:t>
+            </a:r>
+            <a:r>
+              <a:rPr lang="en-US" dirty="0" smtClean="0"/>
+              <a:t>(preliminary version</a:t>
+            </a:r>
+            <a:r>
+              <a:rPr lang="en-US" dirty="0" smtClean="0"/>
+              <a:t>)</a:t>
+            </a:r>
+            <a:endParaRPr lang="en-US" dirty="0"/>
+          </a:p>
+          <a:p>
+            <a:pPr marL="519113" lvl="1" indent="-342900">
+              <a:buFont typeface="Arial" panose="020B0604020202020204" pitchFamily="34" charset="0"/>
+              <a:buChar char="•"/>
+            </a:pPr>
+            <a:r>
               <a:rPr lang="en-US" dirty="0"/>
               <a:t>Camera </a:t>
             </a:r>
             <a:r>
-              <a:rPr lang="en-US" dirty="0" err="1"/>
-              <a:t>u</a:t>
-            </a:r>
-            <a:r>
               <a:rPr lang="en-US" dirty="0" err="1" smtClean="0"/>
-              <a:t>tils</a:t>
+              <a:t>utils</a:t>
+            </a:r>
+            <a:r>
+              <a:rPr lang="en-US" dirty="0" smtClean="0"/>
+              <a:t> (paths, rotating)</a:t>
             </a:r>
             <a:endParaRPr lang="en-US" dirty="0"/>
           </a:p>
@@ -12525,7 +12548,7 @@
           <p:cNvPr id="7" name="Inhaltsplatzhalter 6">
             <a:extLst>
               <a:ext uri="{FF2B5EF4-FFF2-40B4-BE49-F238E27FC236}">
-                <a16:creationId xmlns:a16="http://schemas.microsoft.com/office/drawing/2014/main" id="{6798A965-DAA6-4D31-8F83-8F43B3554049}"/>
+                <a16:creationId xmlns:a16="http://schemas.microsoft.com/office/drawing/2014/main" xmlns="" id="{6798A965-DAA6-4D31-8F83-8F43B3554049}"/>
               </a:ext>
             </a:extLst>
           </p:cNvPr>
@@ -12554,7 +12577,7 @@
           <p:cNvPr id="3" name="Foliennummernplatzhalter 2">
             <a:extLst>
               <a:ext uri="{FF2B5EF4-FFF2-40B4-BE49-F238E27FC236}">
-                <a16:creationId xmlns:a16="http://schemas.microsoft.com/office/drawing/2014/main" id="{4F939F44-4018-42FB-A984-D9C66FDB6280}"/>
+                <a16:creationId xmlns:a16="http://schemas.microsoft.com/office/drawing/2014/main" xmlns="" id="{4F939F44-4018-42FB-A984-D9C66FDB6280}"/>
               </a:ext>
             </a:extLst>
           </p:cNvPr>
@@ -12584,7 +12607,7 @@
           <p:cNvPr id="4" name="Fußzeilenplatzhalter 3">
             <a:extLst>
               <a:ext uri="{FF2B5EF4-FFF2-40B4-BE49-F238E27FC236}">
-                <a16:creationId xmlns:a16="http://schemas.microsoft.com/office/drawing/2014/main" id="{5FFDD073-C1B7-45B1-B94B-9B844C5E052C}"/>
+                <a16:creationId xmlns:a16="http://schemas.microsoft.com/office/drawing/2014/main" xmlns="" id="{5FFDD073-C1B7-45B1-B94B-9B844C5E052C}"/>
               </a:ext>
             </a:extLst>
           </p:cNvPr>
@@ -12612,7 +12635,7 @@
           <p:cNvPr id="5" name="Titel 4">
             <a:extLst>
               <a:ext uri="{FF2B5EF4-FFF2-40B4-BE49-F238E27FC236}">
-                <a16:creationId xmlns:a16="http://schemas.microsoft.com/office/drawing/2014/main" id="{A987D224-5DB1-4D47-B2B8-3EDE5635636D}"/>
+                <a16:creationId xmlns:a16="http://schemas.microsoft.com/office/drawing/2014/main" xmlns="" id="{A987D224-5DB1-4D47-B2B8-3EDE5635636D}"/>
               </a:ext>
             </a:extLst>
           </p:cNvPr>
@@ -12645,7 +12668,7 @@
           <p:cNvPr id="9" name="Grafik 8">
             <a:extLst>
               <a:ext uri="{FF2B5EF4-FFF2-40B4-BE49-F238E27FC236}">
-                <a16:creationId xmlns:a16="http://schemas.microsoft.com/office/drawing/2014/main" id="{6D5B4F30-74B6-4CE8-8027-6EA405222A89}"/>
+                <a16:creationId xmlns:a16="http://schemas.microsoft.com/office/drawing/2014/main" xmlns="" id="{6D5B4F30-74B6-4CE8-8027-6EA405222A89}"/>
               </a:ext>
             </a:extLst>
           </p:cNvPr>
@@ -12870,7 +12893,7 @@
           <p:cNvPr id="2" name="Inhaltsplatzhalter 1">
             <a:extLst>
               <a:ext uri="{FF2B5EF4-FFF2-40B4-BE49-F238E27FC236}">
-                <a16:creationId xmlns:a16="http://schemas.microsoft.com/office/drawing/2014/main" id="{78D55584-F8AF-4DD2-BF17-4530DDAEF005}"/>
+                <a16:creationId xmlns:a16="http://schemas.microsoft.com/office/drawing/2014/main" xmlns="" id="{78D55584-F8AF-4DD2-BF17-4530DDAEF005}"/>
               </a:ext>
             </a:extLst>
           </p:cNvPr>
@@ -13003,7 +13026,7 @@
           <p:cNvPr id="3" name="Titel 2">
             <a:extLst>
               <a:ext uri="{FF2B5EF4-FFF2-40B4-BE49-F238E27FC236}">
-                <a16:creationId xmlns:a16="http://schemas.microsoft.com/office/drawing/2014/main" id="{E16A3B7F-8CC8-4399-88CD-418B949242F1}"/>
+                <a16:creationId xmlns:a16="http://schemas.microsoft.com/office/drawing/2014/main" xmlns="" id="{E16A3B7F-8CC8-4399-88CD-418B949242F1}"/>
               </a:ext>
             </a:extLst>
           </p:cNvPr>
@@ -19353,7 +19376,7 @@
   <a:extraClrSchemeLst/>
   <a:extLst>
     <a:ext uri="{05A4C25C-085E-4340-85A3-A5531E510DB2}">
-      <thm15:themeFamily xmlns:thm15="http://schemas.microsoft.com/office/thememl/2012/main" name="Präsentation14" id="{B1B10406-6147-4A47-95F4-F5DBD10A3872}" vid="{D4FD95B4-ED9B-E343-B70F-8C404733D84C}"/>
+      <thm15:themeFamily xmlns:thm15="http://schemas.microsoft.com/office/thememl/2012/main" xmlns="" name="Präsentation14" id="{B1B10406-6147-4A47-95F4-F5DBD10A3872}" vid="{D4FD95B4-ED9B-E343-B70F-8C404733D84C}"/>
     </a:ext>
   </a:extLst>
 </a:theme>
@@ -19639,7 +19662,7 @@
   <a:extraClrSchemeLst/>
   <a:extLst>
     <a:ext uri="{05A4C25C-085E-4340-85A3-A5531E510DB2}">
-      <thm15:themeFamily xmlns:thm15="http://schemas.microsoft.com/office/thememl/2012/main" name="Präsentation14" id="{B1B10406-6147-4A47-95F4-F5DBD10A3872}" vid="{E7490A93-BEAC-FC49-93F3-0CC1118C542C}"/>
+      <thm15:themeFamily xmlns:thm15="http://schemas.microsoft.com/office/thememl/2012/main" xmlns="" name="Präsentation14" id="{B1B10406-6147-4A47-95F4-F5DBD10A3872}" vid="{E7490A93-BEAC-FC49-93F3-0CC1118C542C}"/>
     </a:ext>
   </a:extLst>
 </a:theme>
@@ -19925,7 +19948,7 @@
   <a:extraClrSchemeLst/>
   <a:extLst>
     <a:ext uri="{05A4C25C-085E-4340-85A3-A5531E510DB2}">
-      <thm15:themeFamily xmlns:thm15="http://schemas.microsoft.com/office/thememl/2012/main" name="Präsentation14" id="{B1B10406-6147-4A47-95F4-F5DBD10A3872}" vid="{4DDB14AD-D1C4-854B-AC86-049FDE8761EC}"/>
+      <thm15:themeFamily xmlns:thm15="http://schemas.microsoft.com/office/thememl/2012/main" xmlns="" name="Präsentation14" id="{B1B10406-6147-4A47-95F4-F5DBD10A3872}" vid="{4DDB14AD-D1C4-854B-AC86-049FDE8761EC}"/>
     </a:ext>
   </a:extLst>
 </a:theme>
@@ -20211,7 +20234,7 @@
   <a:extraClrSchemeLst/>
   <a:extLst>
     <a:ext uri="{05A4C25C-085E-4340-85A3-A5531E510DB2}">
-      <thm15:themeFamily xmlns:thm15="http://schemas.microsoft.com/office/thememl/2012/main" name="Präsentation14" id="{B1B10406-6147-4A47-95F4-F5DBD10A3872}" vid="{4F4851FE-32D1-2D41-BECA-D90EB3BB8DB1}"/>
+      <thm15:themeFamily xmlns:thm15="http://schemas.microsoft.com/office/thememl/2012/main" xmlns="" name="Präsentation14" id="{B1B10406-6147-4A47-95F4-F5DBD10A3872}" vid="{4F4851FE-32D1-2D41-BECA-D90EB3BB8DB1}"/>
     </a:ext>
   </a:extLst>
 </a:theme>
@@ -20497,7 +20520,7 @@
   <a:extraClrSchemeLst/>
   <a:extLst>
     <a:ext uri="{05A4C25C-085E-4340-85A3-A5531E510DB2}">
-      <thm15:themeFamily xmlns:thm15="http://schemas.microsoft.com/office/thememl/2012/main" name="Präsentation14" id="{B1B10406-6147-4A47-95F4-F5DBD10A3872}" vid="{13591B48-8E13-6247-8040-92522EC77656}"/>
+      <thm15:themeFamily xmlns:thm15="http://schemas.microsoft.com/office/thememl/2012/main" xmlns="" name="Präsentation14" id="{B1B10406-6147-4A47-95F4-F5DBD10A3872}" vid="{13591B48-8E13-6247-8040-92522EC77656}"/>
     </a:ext>
   </a:extLst>
 </a:theme>
@@ -20783,7 +20806,7 @@
   <a:extraClrSchemeLst/>
   <a:extLst>
     <a:ext uri="{05A4C25C-085E-4340-85A3-A5531E510DB2}">
-      <thm15:themeFamily xmlns:thm15="http://schemas.microsoft.com/office/thememl/2012/main" name="Präsentation14" id="{B1B10406-6147-4A47-95F4-F5DBD10A3872}" vid="{BAD62DF3-579B-3B4C-BB35-887AD0E01A2D}"/>
+      <thm15:themeFamily xmlns:thm15="http://schemas.microsoft.com/office/thememl/2012/main" xmlns="" name="Präsentation14" id="{B1B10406-6147-4A47-95F4-F5DBD10A3872}" vid="{BAD62DF3-579B-3B4C-BB35-887AD0E01A2D}"/>
     </a:ext>
   </a:extLst>
 </a:theme>

--- a/Documents/Kickoff.pptx
+++ b/Documents/Kickoff.pptx
@@ -165,7 +165,7 @@
   </p:defaultTextStyle>
   <p:extLst>
     <p:ext uri="{EFAFB233-063F-42B5-8137-9DF3F51BA10A}">
-      <p15:sldGuideLst xmlns:p15="http://schemas.microsoft.com/office/powerpoint/2012/main" xmlns="">
+      <p15:sldGuideLst xmlns="" xmlns:p15="http://schemas.microsoft.com/office/powerpoint/2012/main">
         <p15:guide id="1" orient="horz" pos="2160">
           <p15:clr>
             <a:srgbClr val="A4A3A4"/>
@@ -179,7 +179,7 @@
       </p15:sldGuideLst>
     </p:ext>
     <p:ext uri="{2D200454-40CA-4A62-9FC3-DE9A4176ACB9}">
-      <p15:notesGuideLst xmlns:p15="http://schemas.microsoft.com/office/powerpoint/2012/main" xmlns="">
+      <p15:notesGuideLst xmlns="" xmlns:p15="http://schemas.microsoft.com/office/powerpoint/2012/main">
         <p15:guide id="1" orient="horz" pos="2100">
           <p15:clr>
             <a:srgbClr val="A4A3A4"/>
@@ -11806,15 +11806,7 @@
             </a:pPr>
             <a:r>
               <a:rPr lang="en-US" dirty="0" smtClean="0"/>
-              <a:t>Gesture evaluation </a:t>
-            </a:r>
-            <a:r>
-              <a:rPr lang="en-US" dirty="0" smtClean="0"/>
-              <a:t>(preliminary version</a:t>
-            </a:r>
-            <a:r>
-              <a:rPr lang="en-US" dirty="0" smtClean="0"/>
-              <a:t>)</a:t>
+              <a:t>Gesture evaluation (preliminary version)</a:t>
             </a:r>
             <a:endParaRPr lang="en-US" dirty="0"/>
           </a:p>
@@ -12548,7 +12540,7 @@
           <p:cNvPr id="7" name="Inhaltsplatzhalter 6">
             <a:extLst>
               <a:ext uri="{FF2B5EF4-FFF2-40B4-BE49-F238E27FC236}">
-                <a16:creationId xmlns:a16="http://schemas.microsoft.com/office/drawing/2014/main" xmlns="" id="{6798A965-DAA6-4D31-8F83-8F43B3554049}"/>
+                <a16:creationId xmlns="" xmlns:a16="http://schemas.microsoft.com/office/drawing/2014/main" id="{6798A965-DAA6-4D31-8F83-8F43B3554049}"/>
               </a:ext>
             </a:extLst>
           </p:cNvPr>
@@ -12577,7 +12569,7 @@
           <p:cNvPr id="3" name="Foliennummernplatzhalter 2">
             <a:extLst>
               <a:ext uri="{FF2B5EF4-FFF2-40B4-BE49-F238E27FC236}">
-                <a16:creationId xmlns:a16="http://schemas.microsoft.com/office/drawing/2014/main" xmlns="" id="{4F939F44-4018-42FB-A984-D9C66FDB6280}"/>
+                <a16:creationId xmlns="" xmlns:a16="http://schemas.microsoft.com/office/drawing/2014/main" id="{4F939F44-4018-42FB-A984-D9C66FDB6280}"/>
               </a:ext>
             </a:extLst>
           </p:cNvPr>
@@ -12607,7 +12599,7 @@
           <p:cNvPr id="4" name="Fußzeilenplatzhalter 3">
             <a:extLst>
               <a:ext uri="{FF2B5EF4-FFF2-40B4-BE49-F238E27FC236}">
-                <a16:creationId xmlns:a16="http://schemas.microsoft.com/office/drawing/2014/main" xmlns="" id="{5FFDD073-C1B7-45B1-B94B-9B844C5E052C}"/>
+                <a16:creationId xmlns="" xmlns:a16="http://schemas.microsoft.com/office/drawing/2014/main" id="{5FFDD073-C1B7-45B1-B94B-9B844C5E052C}"/>
               </a:ext>
             </a:extLst>
           </p:cNvPr>
@@ -12635,7 +12627,7 @@
           <p:cNvPr id="5" name="Titel 4">
             <a:extLst>
               <a:ext uri="{FF2B5EF4-FFF2-40B4-BE49-F238E27FC236}">
-                <a16:creationId xmlns:a16="http://schemas.microsoft.com/office/drawing/2014/main" xmlns="" id="{A987D224-5DB1-4D47-B2B8-3EDE5635636D}"/>
+                <a16:creationId xmlns="" xmlns:a16="http://schemas.microsoft.com/office/drawing/2014/main" id="{A987D224-5DB1-4D47-B2B8-3EDE5635636D}"/>
               </a:ext>
             </a:extLst>
           </p:cNvPr>
@@ -12668,7 +12660,7 @@
           <p:cNvPr id="9" name="Grafik 8">
             <a:extLst>
               <a:ext uri="{FF2B5EF4-FFF2-40B4-BE49-F238E27FC236}">
-                <a16:creationId xmlns:a16="http://schemas.microsoft.com/office/drawing/2014/main" xmlns="" id="{6D5B4F30-74B6-4CE8-8027-6EA405222A89}"/>
+                <a16:creationId xmlns="" xmlns:a16="http://schemas.microsoft.com/office/drawing/2014/main" id="{6D5B4F30-74B6-4CE8-8027-6EA405222A89}"/>
               </a:ext>
             </a:extLst>
           </p:cNvPr>
@@ -12893,7 +12885,7 @@
           <p:cNvPr id="2" name="Inhaltsplatzhalter 1">
             <a:extLst>
               <a:ext uri="{FF2B5EF4-FFF2-40B4-BE49-F238E27FC236}">
-                <a16:creationId xmlns:a16="http://schemas.microsoft.com/office/drawing/2014/main" xmlns="" id="{78D55584-F8AF-4DD2-BF17-4530DDAEF005}"/>
+                <a16:creationId xmlns="" xmlns:a16="http://schemas.microsoft.com/office/drawing/2014/main" id="{78D55584-F8AF-4DD2-BF17-4530DDAEF005}"/>
               </a:ext>
             </a:extLst>
           </p:cNvPr>
@@ -13026,7 +13018,7 @@
           <p:cNvPr id="3" name="Titel 2">
             <a:extLst>
               <a:ext uri="{FF2B5EF4-FFF2-40B4-BE49-F238E27FC236}">
-                <a16:creationId xmlns:a16="http://schemas.microsoft.com/office/drawing/2014/main" xmlns="" id="{E16A3B7F-8CC8-4399-88CD-418B949242F1}"/>
+                <a16:creationId xmlns="" xmlns:a16="http://schemas.microsoft.com/office/drawing/2014/main" id="{E16A3B7F-8CC8-4399-88CD-418B949242F1}"/>
               </a:ext>
             </a:extLst>
           </p:cNvPr>
@@ -13331,9 +13323,10 @@
               <a:buChar char="•"/>
             </a:pPr>
             <a:r>
-              <a:rPr lang="en-US" dirty="0"/>
-              <a:t>Third Person, over the shoulder perspective</a:t>
-            </a:r>
+              <a:rPr lang="en-US" smtClean="0"/>
+              <a:t>(mostly) Third Person perspective</a:t>
+            </a:r>
+            <a:endParaRPr lang="en-US" dirty="0"/>
           </a:p>
           <a:p>
             <a:pPr marL="285750" indent="-285750">
@@ -19376,7 +19369,7 @@
   <a:extraClrSchemeLst/>
   <a:extLst>
     <a:ext uri="{05A4C25C-085E-4340-85A3-A5531E510DB2}">
-      <thm15:themeFamily xmlns:thm15="http://schemas.microsoft.com/office/thememl/2012/main" xmlns="" name="Präsentation14" id="{B1B10406-6147-4A47-95F4-F5DBD10A3872}" vid="{D4FD95B4-ED9B-E343-B70F-8C404733D84C}"/>
+      <thm15:themeFamily xmlns="" xmlns:thm15="http://schemas.microsoft.com/office/thememl/2012/main" name="Präsentation14" id="{B1B10406-6147-4A47-95F4-F5DBD10A3872}" vid="{D4FD95B4-ED9B-E343-B70F-8C404733D84C}"/>
     </a:ext>
   </a:extLst>
 </a:theme>
@@ -19662,7 +19655,7 @@
   <a:extraClrSchemeLst/>
   <a:extLst>
     <a:ext uri="{05A4C25C-085E-4340-85A3-A5531E510DB2}">
-      <thm15:themeFamily xmlns:thm15="http://schemas.microsoft.com/office/thememl/2012/main" xmlns="" name="Präsentation14" id="{B1B10406-6147-4A47-95F4-F5DBD10A3872}" vid="{E7490A93-BEAC-FC49-93F3-0CC1118C542C}"/>
+      <thm15:themeFamily xmlns="" xmlns:thm15="http://schemas.microsoft.com/office/thememl/2012/main" name="Präsentation14" id="{B1B10406-6147-4A47-95F4-F5DBD10A3872}" vid="{E7490A93-BEAC-FC49-93F3-0CC1118C542C}"/>
     </a:ext>
   </a:extLst>
 </a:theme>
@@ -19948,7 +19941,7 @@
   <a:extraClrSchemeLst/>
   <a:extLst>
     <a:ext uri="{05A4C25C-085E-4340-85A3-A5531E510DB2}">
-      <thm15:themeFamily xmlns:thm15="http://schemas.microsoft.com/office/thememl/2012/main" xmlns="" name="Präsentation14" id="{B1B10406-6147-4A47-95F4-F5DBD10A3872}" vid="{4DDB14AD-D1C4-854B-AC86-049FDE8761EC}"/>
+      <thm15:themeFamily xmlns="" xmlns:thm15="http://schemas.microsoft.com/office/thememl/2012/main" name="Präsentation14" id="{B1B10406-6147-4A47-95F4-F5DBD10A3872}" vid="{4DDB14AD-D1C4-854B-AC86-049FDE8761EC}"/>
     </a:ext>
   </a:extLst>
 </a:theme>
@@ -20234,7 +20227,7 @@
   <a:extraClrSchemeLst/>
   <a:extLst>
     <a:ext uri="{05A4C25C-085E-4340-85A3-A5531E510DB2}">
-      <thm15:themeFamily xmlns:thm15="http://schemas.microsoft.com/office/thememl/2012/main" xmlns="" name="Präsentation14" id="{B1B10406-6147-4A47-95F4-F5DBD10A3872}" vid="{4F4851FE-32D1-2D41-BECA-D90EB3BB8DB1}"/>
+      <thm15:themeFamily xmlns="" xmlns:thm15="http://schemas.microsoft.com/office/thememl/2012/main" name="Präsentation14" id="{B1B10406-6147-4A47-95F4-F5DBD10A3872}" vid="{4F4851FE-32D1-2D41-BECA-D90EB3BB8DB1}"/>
     </a:ext>
   </a:extLst>
 </a:theme>
@@ -20520,7 +20513,7 @@
   <a:extraClrSchemeLst/>
   <a:extLst>
     <a:ext uri="{05A4C25C-085E-4340-85A3-A5531E510DB2}">
-      <thm15:themeFamily xmlns:thm15="http://schemas.microsoft.com/office/thememl/2012/main" xmlns="" name="Präsentation14" id="{B1B10406-6147-4A47-95F4-F5DBD10A3872}" vid="{13591B48-8E13-6247-8040-92522EC77656}"/>
+      <thm15:themeFamily xmlns="" xmlns:thm15="http://schemas.microsoft.com/office/thememl/2012/main" name="Präsentation14" id="{B1B10406-6147-4A47-95F4-F5DBD10A3872}" vid="{13591B48-8E13-6247-8040-92522EC77656}"/>
     </a:ext>
   </a:extLst>
 </a:theme>
@@ -20806,7 +20799,7 @@
   <a:extraClrSchemeLst/>
   <a:extLst>
     <a:ext uri="{05A4C25C-085E-4340-85A3-A5531E510DB2}">
-      <thm15:themeFamily xmlns:thm15="http://schemas.microsoft.com/office/thememl/2012/main" xmlns="" name="Präsentation14" id="{B1B10406-6147-4A47-95F4-F5DBD10A3872}" vid="{BAD62DF3-579B-3B4C-BB35-887AD0E01A2D}"/>
+      <thm15:themeFamily xmlns="" xmlns:thm15="http://schemas.microsoft.com/office/thememl/2012/main" name="Präsentation14" id="{B1B10406-6147-4A47-95F4-F5DBD10A3872}" vid="{BAD62DF3-579B-3B4C-BB35-887AD0E01A2D}"/>
     </a:ext>
   </a:extLst>
 </a:theme>

--- a/Documents/Kickoff.pptx
+++ b/Documents/Kickoff.pptx
@@ -165,7 +165,7 @@
   </p:defaultTextStyle>
   <p:extLst>
     <p:ext uri="{EFAFB233-063F-42B5-8137-9DF3F51BA10A}">
-      <p15:sldGuideLst xmlns="" xmlns:p15="http://schemas.microsoft.com/office/powerpoint/2012/main">
+      <p15:sldGuideLst xmlns:p15="http://schemas.microsoft.com/office/powerpoint/2012/main">
         <p15:guide id="1" orient="horz" pos="2160">
           <p15:clr>
             <a:srgbClr val="A4A3A4"/>
@@ -179,7 +179,7 @@
       </p15:sldGuideLst>
     </p:ext>
     <p:ext uri="{2D200454-40CA-4A62-9FC3-DE9A4176ACB9}">
-      <p15:notesGuideLst xmlns="" xmlns:p15="http://schemas.microsoft.com/office/powerpoint/2012/main">
+      <p15:notesGuideLst xmlns:p15="http://schemas.microsoft.com/office/powerpoint/2012/main">
         <p15:guide id="1" orient="horz" pos="2100">
           <p15:clr>
             <a:srgbClr val="A4A3A4"/>
@@ -305,7 +305,7 @@
               <a:pPr>
                 <a:defRPr/>
               </a:pPr>
-              <a:t>06/06/2019</a:t>
+              <a:t>07/06/2019</a:t>
             </a:fld>
             <a:endParaRPr lang="en-GB" dirty="0"/>
           </a:p>
@@ -524,7 +524,7 @@
               <a:pPr>
                 <a:defRPr/>
               </a:pPr>
-              <a:t>06/06/2019</a:t>
+              <a:t>07/06/2019</a:t>
             </a:fld>
             <a:endParaRPr lang="en-GB"/>
           </a:p>
@@ -9128,7 +9128,19 @@
           <a:p>
             <a:r>
               <a:rPr lang="de-DE" dirty="0"/>
-              <a:t>Garching, 31. Mai 2019</a:t>
+              <a:t>Garching, </a:t>
+            </a:r>
+            <a:r>
+              <a:rPr lang="de-DE" dirty="0" smtClean="0"/>
+              <a:t>07</a:t>
+            </a:r>
+            <a:r>
+              <a:rPr lang="de-DE" dirty="0" smtClean="0"/>
+              <a:t>. Juni </a:t>
+            </a:r>
+            <a:r>
+              <a:rPr lang="de-DE" dirty="0"/>
+              <a:t>2019</a:t>
             </a:r>
             <a:endParaRPr dirty="0"/>
           </a:p>
@@ -12540,7 +12552,7 @@
           <p:cNvPr id="7" name="Inhaltsplatzhalter 6">
             <a:extLst>
               <a:ext uri="{FF2B5EF4-FFF2-40B4-BE49-F238E27FC236}">
-                <a16:creationId xmlns="" xmlns:a16="http://schemas.microsoft.com/office/drawing/2014/main" id="{6798A965-DAA6-4D31-8F83-8F43B3554049}"/>
+                <a16:creationId xmlns:a16="http://schemas.microsoft.com/office/drawing/2014/main" id="{6798A965-DAA6-4D31-8F83-8F43B3554049}"/>
               </a:ext>
             </a:extLst>
           </p:cNvPr>
@@ -12559,8 +12571,8 @@
         </p:blipFill>
         <p:spPr>
           <a:xfrm>
-            <a:off x="832168" y="2347595"/>
-            <a:ext cx="7482840" cy="3528060"/>
+            <a:off x="319089" y="1432605"/>
+            <a:ext cx="4901303" cy="2310899"/>
           </a:xfrm>
         </p:spPr>
       </p:pic>
@@ -12569,7 +12581,7 @@
           <p:cNvPr id="3" name="Foliennummernplatzhalter 2">
             <a:extLst>
               <a:ext uri="{FF2B5EF4-FFF2-40B4-BE49-F238E27FC236}">
-                <a16:creationId xmlns="" xmlns:a16="http://schemas.microsoft.com/office/drawing/2014/main" id="{4F939F44-4018-42FB-A984-D9C66FDB6280}"/>
+                <a16:creationId xmlns:a16="http://schemas.microsoft.com/office/drawing/2014/main" id="{4F939F44-4018-42FB-A984-D9C66FDB6280}"/>
               </a:ext>
             </a:extLst>
           </p:cNvPr>
@@ -12599,7 +12611,7 @@
           <p:cNvPr id="4" name="Fußzeilenplatzhalter 3">
             <a:extLst>
               <a:ext uri="{FF2B5EF4-FFF2-40B4-BE49-F238E27FC236}">
-                <a16:creationId xmlns="" xmlns:a16="http://schemas.microsoft.com/office/drawing/2014/main" id="{5FFDD073-C1B7-45B1-B94B-9B844C5E052C}"/>
+                <a16:creationId xmlns:a16="http://schemas.microsoft.com/office/drawing/2014/main" id="{5FFDD073-C1B7-45B1-B94B-9B844C5E052C}"/>
               </a:ext>
             </a:extLst>
           </p:cNvPr>
@@ -12627,7 +12639,7 @@
           <p:cNvPr id="5" name="Titel 4">
             <a:extLst>
               <a:ext uri="{FF2B5EF4-FFF2-40B4-BE49-F238E27FC236}">
-                <a16:creationId xmlns="" xmlns:a16="http://schemas.microsoft.com/office/drawing/2014/main" id="{A987D224-5DB1-4D47-B2B8-3EDE5635636D}"/>
+                <a16:creationId xmlns:a16="http://schemas.microsoft.com/office/drawing/2014/main" id="{A987D224-5DB1-4D47-B2B8-3EDE5635636D}"/>
               </a:ext>
             </a:extLst>
           </p:cNvPr>
@@ -12660,7 +12672,7 @@
           <p:cNvPr id="9" name="Grafik 8">
             <a:extLst>
               <a:ext uri="{FF2B5EF4-FFF2-40B4-BE49-F238E27FC236}">
-                <a16:creationId xmlns="" xmlns:a16="http://schemas.microsoft.com/office/drawing/2014/main" id="{6D5B4F30-74B6-4CE8-8027-6EA405222A89}"/>
+                <a16:creationId xmlns:a16="http://schemas.microsoft.com/office/drawing/2014/main" id="{6D5B4F30-74B6-4CE8-8027-6EA405222A89}"/>
               </a:ext>
             </a:extLst>
           </p:cNvPr>
@@ -12677,8 +12689,55 @@
         </p:blipFill>
         <p:spPr>
           <a:xfrm>
-            <a:off x="4793942" y="431122"/>
+            <a:off x="5562570" y="3071493"/>
             <a:ext cx="3084498" cy="1735030"/>
+          </a:xfrm>
+          <a:prstGeom prst="rect">
+            <a:avLst/>
+          </a:prstGeom>
+        </p:spPr>
+      </p:pic>
+      <p:pic>
+        <p:nvPicPr>
+          <p:cNvPr id="2" name="Grafik 1"/>
+          <p:cNvPicPr>
+            <a:picLocks noChangeAspect="1"/>
+          </p:cNvPicPr>
+          <p:nvPr/>
+        </p:nvPicPr>
+        <p:blipFill rotWithShape="1">
+          <a:blip r:embed="rId4"/>
+          <a:srcRect l="26456" r="29192"/>
+          <a:stretch/>
+        </p:blipFill>
+        <p:spPr>
+          <a:xfrm>
+            <a:off x="3409189" y="3851537"/>
+            <a:ext cx="1811203" cy="2326664"/>
+          </a:xfrm>
+          <a:prstGeom prst="rect">
+            <a:avLst/>
+          </a:prstGeom>
+        </p:spPr>
+      </p:pic>
+      <p:pic>
+        <p:nvPicPr>
+          <p:cNvPr id="6" name="Grafik 5"/>
+          <p:cNvPicPr>
+            <a:picLocks noChangeAspect="1"/>
+          </p:cNvPicPr>
+          <p:nvPr/>
+        </p:nvPicPr>
+        <p:blipFill>
+          <a:blip r:embed="rId5"/>
+          <a:stretch>
+            <a:fillRect/>
+          </a:stretch>
+        </p:blipFill>
+        <p:spPr>
+          <a:xfrm>
+            <a:off x="319089" y="3852722"/>
+            <a:ext cx="2681420" cy="2325479"/>
           </a:xfrm>
           <a:prstGeom prst="rect">
             <a:avLst/>
@@ -12885,7 +12944,7 @@
           <p:cNvPr id="2" name="Inhaltsplatzhalter 1">
             <a:extLst>
               <a:ext uri="{FF2B5EF4-FFF2-40B4-BE49-F238E27FC236}">
-                <a16:creationId xmlns="" xmlns:a16="http://schemas.microsoft.com/office/drawing/2014/main" id="{78D55584-F8AF-4DD2-BF17-4530DDAEF005}"/>
+                <a16:creationId xmlns:a16="http://schemas.microsoft.com/office/drawing/2014/main" id="{78D55584-F8AF-4DD2-BF17-4530DDAEF005}"/>
               </a:ext>
             </a:extLst>
           </p:cNvPr>
@@ -13009,6 +13068,77 @@
               <a:rPr lang="de-DE" dirty="0" err="1" smtClean="0"/>
               <a:t>setting</a:t>
             </a:r>
+            <a:endParaRPr lang="de-DE" dirty="0" smtClean="0"/>
+          </a:p>
+          <a:p>
+            <a:pPr marL="285750" indent="-285750">
+              <a:buFont typeface="Arial" panose="020B0604020202020204" pitchFamily="34" charset="0"/>
+              <a:buChar char="•"/>
+            </a:pPr>
+            <a:r>
+              <a:rPr lang="de-DE" dirty="0"/>
+              <a:t>Inspiration: </a:t>
+            </a:r>
+            <a:r>
+              <a:rPr lang="de-DE" dirty="0" err="1"/>
+              <a:t>Hiding</a:t>
+            </a:r>
+            <a:r>
+              <a:rPr lang="de-DE" dirty="0"/>
+              <a:t> in </a:t>
+            </a:r>
+            <a:r>
+              <a:rPr lang="de-DE" dirty="0" err="1"/>
+              <a:t>the</a:t>
+            </a:r>
+            <a:r>
+              <a:rPr lang="de-DE" dirty="0"/>
+              <a:t> </a:t>
+            </a:r>
+            <a:r>
+              <a:rPr lang="de-DE" dirty="0" err="1"/>
+              <a:t>crowd</a:t>
+            </a:r>
+            <a:r>
+              <a:rPr lang="de-DE" dirty="0"/>
+              <a:t> </a:t>
+            </a:r>
+            <a:r>
+              <a:rPr lang="de-DE" dirty="0" err="1"/>
+              <a:t>mechanic</a:t>
+            </a:r>
+            <a:r>
+              <a:rPr lang="de-DE" dirty="0"/>
+              <a:t> </a:t>
+            </a:r>
+            <a:r>
+              <a:rPr lang="de-DE" dirty="0" err="1"/>
+              <a:t>from</a:t>
+            </a:r>
+            <a:r>
+              <a:rPr lang="de-DE" dirty="0"/>
+              <a:t> </a:t>
+            </a:r>
+            <a:r>
+              <a:rPr lang="de-DE" dirty="0" err="1"/>
+              <a:t>Assassins</a:t>
+            </a:r>
+            <a:r>
+              <a:rPr lang="de-DE" dirty="0"/>
+              <a:t> </a:t>
+            </a:r>
+            <a:r>
+              <a:rPr lang="de-DE" dirty="0" err="1"/>
+              <a:t>Creed</a:t>
+            </a:r>
+            <a:r>
+              <a:rPr lang="de-DE" dirty="0"/>
+              <a:t> </a:t>
+            </a:r>
+            <a:r>
+              <a:rPr lang="de-DE" dirty="0" err="1" smtClean="0"/>
+              <a:t>franchise</a:t>
+            </a:r>
             <a:endParaRPr lang="de-DE" dirty="0"/>
           </a:p>
         </p:txBody>
@@ -13018,7 +13148,7 @@
           <p:cNvPr id="3" name="Titel 2">
             <a:extLst>
               <a:ext uri="{FF2B5EF4-FFF2-40B4-BE49-F238E27FC236}">
-                <a16:creationId xmlns="" xmlns:a16="http://schemas.microsoft.com/office/drawing/2014/main" id="{E16A3B7F-8CC8-4399-88CD-418B949242F1}"/>
+                <a16:creationId xmlns:a16="http://schemas.microsoft.com/office/drawing/2014/main" id="{E16A3B7F-8CC8-4399-88CD-418B949242F1}"/>
               </a:ext>
             </a:extLst>
           </p:cNvPr>
@@ -13166,8 +13296,19 @@
             </a:pPr>
             <a:r>
               <a:rPr lang="en-US" dirty="0"/>
-              <a:t>Player wins when they reach their target or loose when they get caught</a:t>
-            </a:r>
+              <a:t>Player wins when they reach their target or loose when they get </a:t>
+            </a:r>
+            <a:r>
+              <a:rPr lang="en-US" dirty="0" smtClean="0"/>
+              <a:t>caught</a:t>
+            </a:r>
+          </a:p>
+          <a:p>
+            <a:pPr marL="285750" indent="-285750">
+              <a:buFont typeface="Arial" panose="020B0604020202020204" pitchFamily="34" charset="0"/>
+              <a:buChar char="•"/>
+            </a:pPr>
+            <a:endParaRPr lang="en-US" dirty="0"/>
           </a:p>
           <a:p>
             <a:endParaRPr lang="en-US" dirty="0"/>
@@ -19369,7 +19510,7 @@
   <a:extraClrSchemeLst/>
   <a:extLst>
     <a:ext uri="{05A4C25C-085E-4340-85A3-A5531E510DB2}">
-      <thm15:themeFamily xmlns="" xmlns:thm15="http://schemas.microsoft.com/office/thememl/2012/main" name="Präsentation14" id="{B1B10406-6147-4A47-95F4-F5DBD10A3872}" vid="{D4FD95B4-ED9B-E343-B70F-8C404733D84C}"/>
+      <thm15:themeFamily xmlns:thm15="http://schemas.microsoft.com/office/thememl/2012/main" name="Präsentation14" id="{B1B10406-6147-4A47-95F4-F5DBD10A3872}" vid="{D4FD95B4-ED9B-E343-B70F-8C404733D84C}"/>
     </a:ext>
   </a:extLst>
 </a:theme>
@@ -19655,7 +19796,7 @@
   <a:extraClrSchemeLst/>
   <a:extLst>
     <a:ext uri="{05A4C25C-085E-4340-85A3-A5531E510DB2}">
-      <thm15:themeFamily xmlns="" xmlns:thm15="http://schemas.microsoft.com/office/thememl/2012/main" name="Präsentation14" id="{B1B10406-6147-4A47-95F4-F5DBD10A3872}" vid="{E7490A93-BEAC-FC49-93F3-0CC1118C542C}"/>
+      <thm15:themeFamily xmlns:thm15="http://schemas.microsoft.com/office/thememl/2012/main" name="Präsentation14" id="{B1B10406-6147-4A47-95F4-F5DBD10A3872}" vid="{E7490A93-BEAC-FC49-93F3-0CC1118C542C}"/>
     </a:ext>
   </a:extLst>
 </a:theme>
@@ -19941,7 +20082,7 @@
   <a:extraClrSchemeLst/>
   <a:extLst>
     <a:ext uri="{05A4C25C-085E-4340-85A3-A5531E510DB2}">
-      <thm15:themeFamily xmlns="" xmlns:thm15="http://schemas.microsoft.com/office/thememl/2012/main" name="Präsentation14" id="{B1B10406-6147-4A47-95F4-F5DBD10A3872}" vid="{4DDB14AD-D1C4-854B-AC86-049FDE8761EC}"/>
+      <thm15:themeFamily xmlns:thm15="http://schemas.microsoft.com/office/thememl/2012/main" name="Präsentation14" id="{B1B10406-6147-4A47-95F4-F5DBD10A3872}" vid="{4DDB14AD-D1C4-854B-AC86-049FDE8761EC}"/>
     </a:ext>
   </a:extLst>
 </a:theme>
@@ -20227,7 +20368,7 @@
   <a:extraClrSchemeLst/>
   <a:extLst>
     <a:ext uri="{05A4C25C-085E-4340-85A3-A5531E510DB2}">
-      <thm15:themeFamily xmlns="" xmlns:thm15="http://schemas.microsoft.com/office/thememl/2012/main" name="Präsentation14" id="{B1B10406-6147-4A47-95F4-F5DBD10A3872}" vid="{4F4851FE-32D1-2D41-BECA-D90EB3BB8DB1}"/>
+      <thm15:themeFamily xmlns:thm15="http://schemas.microsoft.com/office/thememl/2012/main" name="Präsentation14" id="{B1B10406-6147-4A47-95F4-F5DBD10A3872}" vid="{4F4851FE-32D1-2D41-BECA-D90EB3BB8DB1}"/>
     </a:ext>
   </a:extLst>
 </a:theme>
@@ -20513,7 +20654,7 @@
   <a:extraClrSchemeLst/>
   <a:extLst>
     <a:ext uri="{05A4C25C-085E-4340-85A3-A5531E510DB2}">
-      <thm15:themeFamily xmlns="" xmlns:thm15="http://schemas.microsoft.com/office/thememl/2012/main" name="Präsentation14" id="{B1B10406-6147-4A47-95F4-F5DBD10A3872}" vid="{13591B48-8E13-6247-8040-92522EC77656}"/>
+      <thm15:themeFamily xmlns:thm15="http://schemas.microsoft.com/office/thememl/2012/main" name="Präsentation14" id="{B1B10406-6147-4A47-95F4-F5DBD10A3872}" vid="{13591B48-8E13-6247-8040-92522EC77656}"/>
     </a:ext>
   </a:extLst>
 </a:theme>
@@ -20799,7 +20940,7 @@
   <a:extraClrSchemeLst/>
   <a:extLst>
     <a:ext uri="{05A4C25C-085E-4340-85A3-A5531E510DB2}">
-      <thm15:themeFamily xmlns="" xmlns:thm15="http://schemas.microsoft.com/office/thememl/2012/main" name="Präsentation14" id="{B1B10406-6147-4A47-95F4-F5DBD10A3872}" vid="{BAD62DF3-579B-3B4C-BB35-887AD0E01A2D}"/>
+      <thm15:themeFamily xmlns:thm15="http://schemas.microsoft.com/office/thememl/2012/main" name="Präsentation14" id="{B1B10406-6147-4A47-95F4-F5DBD10A3872}" vid="{BAD62DF3-579B-3B4C-BB35-887AD0E01A2D}"/>
     </a:ext>
   </a:extLst>
 </a:theme>
